--- a/eRaser_prezi.pptx
+++ b/eRaser_prezi.pptx
@@ -7,9 +7,10 @@
   <p:sldIdLst>
     <p:sldId id="256" r:id="rId2"/>
     <p:sldId id="257" r:id="rId3"/>
-    <p:sldId id="258" r:id="rId4"/>
-    <p:sldId id="259" r:id="rId5"/>
-    <p:sldId id="260" r:id="rId6"/>
+    <p:sldId id="261" r:id="rId4"/>
+    <p:sldId id="258" r:id="rId5"/>
+    <p:sldId id="259" r:id="rId6"/>
+    <p:sldId id="260" r:id="rId7"/>
   </p:sldIdLst>
   <p:sldSz cx="12192000" cy="6858000"/>
   <p:notesSz cx="6858000" cy="9144000"/>
@@ -108,6 +109,11 @@
       </a:defRPr>
     </a:lvl9pPr>
   </p:defaultTextStyle>
+  <p:extLst>
+    <p:ext uri="{EFAFB233-063F-42B5-8137-9DF3F51BA10A}">
+      <p15:sldGuideLst xmlns:p15="http://schemas.microsoft.com/office/powerpoint/2012/main"/>
+    </p:ext>
+  </p:extLst>
 </p:presentation>
 </file>
 
@@ -258,7 +264,7 @@
           <a:p>
             <a:fld id="{E8608F1A-DD61-450C-A9C6-1021AB1E7DFD}" type="datetimeFigureOut">
               <a:rPr lang="hu-HU" smtClean="0"/>
-              <a:t>2023. 11. 14.</a:t>
+              <a:t>2023. 11. 16.</a:t>
             </a:fld>
             <a:endParaRPr lang="hu-HU"/>
           </a:p>
@@ -456,7 +462,7 @@
           <a:p>
             <a:fld id="{E8608F1A-DD61-450C-A9C6-1021AB1E7DFD}" type="datetimeFigureOut">
               <a:rPr lang="hu-HU" smtClean="0"/>
-              <a:t>2023. 11. 14.</a:t>
+              <a:t>2023. 11. 16.</a:t>
             </a:fld>
             <a:endParaRPr lang="hu-HU"/>
           </a:p>
@@ -664,7 +670,7 @@
           <a:p>
             <a:fld id="{E8608F1A-DD61-450C-A9C6-1021AB1E7DFD}" type="datetimeFigureOut">
               <a:rPr lang="hu-HU" smtClean="0"/>
-              <a:t>2023. 11. 14.</a:t>
+              <a:t>2023. 11. 16.</a:t>
             </a:fld>
             <a:endParaRPr lang="hu-HU"/>
           </a:p>
@@ -862,7 +868,7 @@
           <a:p>
             <a:fld id="{E8608F1A-DD61-450C-A9C6-1021AB1E7DFD}" type="datetimeFigureOut">
               <a:rPr lang="hu-HU" smtClean="0"/>
-              <a:t>2023. 11. 14.</a:t>
+              <a:t>2023. 11. 16.</a:t>
             </a:fld>
             <a:endParaRPr lang="hu-HU"/>
           </a:p>
@@ -1137,7 +1143,7 @@
           <a:p>
             <a:fld id="{E8608F1A-DD61-450C-A9C6-1021AB1E7DFD}" type="datetimeFigureOut">
               <a:rPr lang="hu-HU" smtClean="0"/>
-              <a:t>2023. 11. 14.</a:t>
+              <a:t>2023. 11. 16.</a:t>
             </a:fld>
             <a:endParaRPr lang="hu-HU"/>
           </a:p>
@@ -1402,7 +1408,7 @@
           <a:p>
             <a:fld id="{E8608F1A-DD61-450C-A9C6-1021AB1E7DFD}" type="datetimeFigureOut">
               <a:rPr lang="hu-HU" smtClean="0"/>
-              <a:t>2023. 11. 14.</a:t>
+              <a:t>2023. 11. 16.</a:t>
             </a:fld>
             <a:endParaRPr lang="hu-HU"/>
           </a:p>
@@ -1814,7 +1820,7 @@
           <a:p>
             <a:fld id="{E8608F1A-DD61-450C-A9C6-1021AB1E7DFD}" type="datetimeFigureOut">
               <a:rPr lang="hu-HU" smtClean="0"/>
-              <a:t>2023. 11. 14.</a:t>
+              <a:t>2023. 11. 16.</a:t>
             </a:fld>
             <a:endParaRPr lang="hu-HU"/>
           </a:p>
@@ -1955,7 +1961,7 @@
           <a:p>
             <a:fld id="{E8608F1A-DD61-450C-A9C6-1021AB1E7DFD}" type="datetimeFigureOut">
               <a:rPr lang="hu-HU" smtClean="0"/>
-              <a:t>2023. 11. 14.</a:t>
+              <a:t>2023. 11. 16.</a:t>
             </a:fld>
             <a:endParaRPr lang="hu-HU"/>
           </a:p>
@@ -2068,7 +2074,7 @@
           <a:p>
             <a:fld id="{E8608F1A-DD61-450C-A9C6-1021AB1E7DFD}" type="datetimeFigureOut">
               <a:rPr lang="hu-HU" smtClean="0"/>
-              <a:t>2023. 11. 14.</a:t>
+              <a:t>2023. 11. 16.</a:t>
             </a:fld>
             <a:endParaRPr lang="hu-HU"/>
           </a:p>
@@ -2379,7 +2385,7 @@
           <a:p>
             <a:fld id="{E8608F1A-DD61-450C-A9C6-1021AB1E7DFD}" type="datetimeFigureOut">
               <a:rPr lang="hu-HU" smtClean="0"/>
-              <a:t>2023. 11. 14.</a:t>
+              <a:t>2023. 11. 16.</a:t>
             </a:fld>
             <a:endParaRPr lang="hu-HU"/>
           </a:p>
@@ -2667,7 +2673,7 @@
           <a:p>
             <a:fld id="{E8608F1A-DD61-450C-A9C6-1021AB1E7DFD}" type="datetimeFigureOut">
               <a:rPr lang="hu-HU" smtClean="0"/>
-              <a:t>2023. 11. 14.</a:t>
+              <a:t>2023. 11. 16.</a:t>
             </a:fld>
             <a:endParaRPr lang="hu-HU"/>
           </a:p>
@@ -2908,7 +2914,7 @@
           <a:p>
             <a:fld id="{E8608F1A-DD61-450C-A9C6-1021AB1E7DFD}" type="datetimeFigureOut">
               <a:rPr lang="hu-HU" smtClean="0"/>
-              <a:t>2023. 11. 14.</a:t>
+              <a:t>2023. 11. 16.</a:t>
             </a:fld>
             <a:endParaRPr lang="hu-HU"/>
           </a:p>
@@ -3908,13 +3914,13 @@
   <p:clrMapOvr>
     <a:masterClrMapping/>
   </p:clrMapOvr>
-  <mc:AlternateContent xmlns:mc="http://schemas.openxmlformats.org/markup-compatibility/2006">
-    <mc:Choice xmlns:p159="http://schemas.microsoft.com/office/powerpoint/2015/09/main" Requires="p159">
+  <mc:AlternateContent xmlns:mc="http://schemas.openxmlformats.org/markup-compatibility/2006" xmlns:p159="http://schemas.microsoft.com/office/powerpoint/2015/09/main">
+    <mc:Choice Requires="p159">
       <p:transition xmlns:p14="http://schemas.microsoft.com/office/powerpoint/2010/main" spd="slow" p14:dur="2000">
         <p159:morph option="byObject"/>
       </p:transition>
     </mc:Choice>
-    <mc:Fallback>
+    <mc:Fallback xmlns="">
       <p:transition spd="slow">
         <p:fade/>
       </p:transition>
@@ -4203,6 +4209,736 @@
     <p:bg>
       <p:bgPr>
         <a:solidFill>
+          <a:schemeClr val="bg1"/>
+        </a:solidFill>
+        <a:effectLst/>
+      </p:bgPr>
+    </p:bg>
+    <p:spTree>
+      <p:nvGrpSpPr>
+        <p:cNvPr id="1" name=""/>
+        <p:cNvGrpSpPr/>
+        <p:nvPr/>
+      </p:nvGrpSpPr>
+      <p:grpSpPr>
+        <a:xfrm>
+          <a:off x="0" y="0"/>
+          <a:ext cx="0" cy="0"/>
+          <a:chOff x="0" y="0"/>
+          <a:chExt cx="0" cy="0"/>
+        </a:xfrm>
+      </p:grpSpPr>
+      <p:sp useBgFill="1">
+        <p:nvSpPr>
+          <p:cNvPr id="21" name="Rectangle 9">
+            <a:extLst>
+              <a:ext uri="{FF2B5EF4-FFF2-40B4-BE49-F238E27FC236}">
+                <a16:creationId xmlns:a16="http://schemas.microsoft.com/office/drawing/2014/main" id="{9AA72BD9-2C5A-4EDC-931F-5AA08EACA0F3}"/>
+              </a:ext>
+              <a:ext uri="{C183D7F6-B498-43B3-948B-1728B52AA6E4}">
+                <adec:decorative xmlns:adec="http://schemas.microsoft.com/office/drawing/2017/decorative" val="1"/>
+              </a:ext>
+            </a:extLst>
+          </p:cNvPr>
+          <p:cNvSpPr>
+            <a:spLocks noGrp="1" noRot="1" noChangeAspect="1" noMove="1" noResize="1" noEditPoints="1" noAdjustHandles="1" noChangeArrowheads="1" noChangeShapeType="1" noTextEdit="1"/>
+          </p:cNvSpPr>
+          <p:nvPr>
+            <p:extLst>
+              <p:ext uri="{386F3935-93C4-4BCD-93E2-E3B085C9AB24}">
+                <p16:designElem xmlns:p16="http://schemas.microsoft.com/office/powerpoint/2015/main" val="1"/>
+              </p:ext>
+            </p:extLst>
+          </p:nvPr>
+        </p:nvSpPr>
+        <p:spPr>
+          <a:xfrm>
+            <a:off x="0" y="0"/>
+            <a:ext cx="12192000" cy="6858000"/>
+          </a:xfrm>
+          <a:prstGeom prst="rect">
+            <a:avLst/>
+          </a:prstGeom>
+          <a:ln>
+            <a:noFill/>
+          </a:ln>
+        </p:spPr>
+        <p:style>
+          <a:lnRef idx="2">
+            <a:schemeClr val="accent1">
+              <a:shade val="50000"/>
+            </a:schemeClr>
+          </a:lnRef>
+          <a:fillRef idx="1">
+            <a:schemeClr val="accent1"/>
+          </a:fillRef>
+          <a:effectRef idx="0">
+            <a:schemeClr val="accent1"/>
+          </a:effectRef>
+          <a:fontRef idx="minor">
+            <a:schemeClr val="lt1"/>
+          </a:fontRef>
+        </p:style>
+        <p:txBody>
+          <a:bodyPr rtlCol="0" anchor="ctr"/>
+          <a:lstStyle/>
+          <a:p>
+            <a:pPr algn="ctr"/>
+            <a:endParaRPr lang="en-US"/>
+          </a:p>
+        </p:txBody>
+      </p:sp>
+      <p:pic>
+        <p:nvPicPr>
+          <p:cNvPr id="5" name="Kép 4">
+            <a:extLst>
+              <a:ext uri="{FF2B5EF4-FFF2-40B4-BE49-F238E27FC236}">
+                <a16:creationId xmlns:a16="http://schemas.microsoft.com/office/drawing/2014/main" id="{8D5F78F7-C077-171F-F322-415371C67DEA}"/>
+              </a:ext>
+            </a:extLst>
+          </p:cNvPr>
+          <p:cNvPicPr>
+            <a:picLocks noChangeAspect="1"/>
+          </p:cNvPicPr>
+          <p:nvPr/>
+        </p:nvPicPr>
+        <p:blipFill rotWithShape="1">
+          <a:blip r:embed="rId2"/>
+          <a:srcRect t="2776" r="30472" b="6316"/>
+          <a:stretch/>
+        </p:blipFill>
+        <p:spPr>
+          <a:xfrm>
+            <a:off x="3522468" y="10"/>
+            <a:ext cx="8669532" cy="6857990"/>
+          </a:xfrm>
+          <a:prstGeom prst="rect">
+            <a:avLst/>
+          </a:prstGeom>
+        </p:spPr>
+      </p:pic>
+      <p:sp>
+        <p:nvSpPr>
+          <p:cNvPr id="12" name="Rectangle 11">
+            <a:extLst>
+              <a:ext uri="{FF2B5EF4-FFF2-40B4-BE49-F238E27FC236}">
+                <a16:creationId xmlns:a16="http://schemas.microsoft.com/office/drawing/2014/main" id="{DD3981AC-7B61-4947-BCF3-F7AA7FA385B9}"/>
+              </a:ext>
+              <a:ext uri="{C183D7F6-B498-43B3-948B-1728B52AA6E4}">
+                <adec:decorative xmlns:adec="http://schemas.microsoft.com/office/drawing/2017/decorative" val="1"/>
+              </a:ext>
+            </a:extLst>
+          </p:cNvPr>
+          <p:cNvSpPr>
+            <a:spLocks noGrp="1" noRot="1" noChangeAspect="1" noMove="1" noResize="1" noEditPoints="1" noAdjustHandles="1" noChangeArrowheads="1" noChangeShapeType="1" noTextEdit="1"/>
+          </p:cNvSpPr>
+          <p:nvPr>
+            <p:extLst>
+              <p:ext uri="{386F3935-93C4-4BCD-93E2-E3B085C9AB24}">
+                <p16:designElem xmlns:p16="http://schemas.microsoft.com/office/powerpoint/2015/main" val="1"/>
+              </p:ext>
+            </p:extLst>
+          </p:nvPr>
+        </p:nvSpPr>
+        <p:spPr>
+          <a:xfrm>
+            <a:off x="2" y="0"/>
+            <a:ext cx="9756601" cy="6858000"/>
+          </a:xfrm>
+          <a:prstGeom prst="rect">
+            <a:avLst/>
+          </a:prstGeom>
+          <a:gradFill>
+            <a:gsLst>
+              <a:gs pos="58000">
+                <a:schemeClr val="tx1"/>
+              </a:gs>
+              <a:gs pos="35000">
+                <a:schemeClr val="tx1">
+                  <a:alpha val="78000"/>
+                </a:schemeClr>
+              </a:gs>
+              <a:gs pos="19000">
+                <a:schemeClr val="tx1">
+                  <a:alpha val="38000"/>
+                </a:schemeClr>
+              </a:gs>
+              <a:gs pos="0">
+                <a:schemeClr val="tx1">
+                  <a:alpha val="0"/>
+                </a:schemeClr>
+              </a:gs>
+              <a:gs pos="100000">
+                <a:schemeClr val="tx1"/>
+              </a:gs>
+            </a:gsLst>
+            <a:lin ang="10800000" scaled="0"/>
+          </a:gradFill>
+          <a:ln>
+            <a:noFill/>
+          </a:ln>
+        </p:spPr>
+        <p:style>
+          <a:lnRef idx="2">
+            <a:schemeClr val="accent1">
+              <a:shade val="50000"/>
+            </a:schemeClr>
+          </a:lnRef>
+          <a:fillRef idx="1">
+            <a:schemeClr val="accent1"/>
+          </a:fillRef>
+          <a:effectRef idx="0">
+            <a:schemeClr val="accent1"/>
+          </a:effectRef>
+          <a:fontRef idx="minor">
+            <a:schemeClr val="lt1"/>
+          </a:fontRef>
+        </p:style>
+        <p:txBody>
+          <a:bodyPr rtlCol="0" anchor="ctr"/>
+          <a:lstStyle/>
+          <a:p>
+            <a:pPr algn="ctr"/>
+            <a:endParaRPr lang="en-US" dirty="0"/>
+          </a:p>
+        </p:txBody>
+      </p:sp>
+      <p:sp>
+        <p:nvSpPr>
+          <p:cNvPr id="2" name="Cím 1">
+            <a:extLst>
+              <a:ext uri="{FF2B5EF4-FFF2-40B4-BE49-F238E27FC236}">
+                <a16:creationId xmlns:a16="http://schemas.microsoft.com/office/drawing/2014/main" id="{0A51AAFE-2217-121E-BE18-C38848670748}"/>
+              </a:ext>
+            </a:extLst>
+          </p:cNvPr>
+          <p:cNvSpPr>
+            <a:spLocks noGrp="1"/>
+          </p:cNvSpPr>
+          <p:nvPr>
+            <p:ph type="title"/>
+          </p:nvPr>
+        </p:nvSpPr>
+        <p:spPr>
+          <a:xfrm>
+            <a:off x="371094" y="1161288"/>
+            <a:ext cx="3438144" cy="1124712"/>
+          </a:xfrm>
+        </p:spPr>
+        <p:txBody>
+          <a:bodyPr anchor="b">
+            <a:normAutofit/>
+          </a:bodyPr>
+          <a:lstStyle/>
+          <a:p>
+            <a:r>
+              <a:rPr lang="hu-HU" sz="2800">
+                <a:solidFill>
+                  <a:schemeClr val="bg1"/>
+                </a:solidFill>
+              </a:rPr>
+              <a:t>Generált felhasználók</a:t>
+            </a:r>
+          </a:p>
+        </p:txBody>
+      </p:sp>
+      <p:sp>
+        <p:nvSpPr>
+          <p:cNvPr id="14" name="Rectangle 13">
+            <a:extLst>
+              <a:ext uri="{FF2B5EF4-FFF2-40B4-BE49-F238E27FC236}">
+                <a16:creationId xmlns:a16="http://schemas.microsoft.com/office/drawing/2014/main" id="{55D4142C-5077-457F-A6AD-3FECFDB39685}"/>
+              </a:ext>
+              <a:ext uri="{C183D7F6-B498-43B3-948B-1728B52AA6E4}">
+                <adec:decorative xmlns:adec="http://schemas.microsoft.com/office/drawing/2017/decorative" val="1"/>
+              </a:ext>
+            </a:extLst>
+          </p:cNvPr>
+          <p:cNvSpPr>
+            <a:spLocks noGrp="1" noRot="1" noChangeAspect="1" noMove="1" noResize="1" noEditPoints="1" noAdjustHandles="1" noChangeArrowheads="1" noChangeShapeType="1" noTextEdit="1"/>
+          </p:cNvSpPr>
+          <p:nvPr>
+            <p:extLst>
+              <p:ext uri="{386F3935-93C4-4BCD-93E2-E3B085C9AB24}">
+                <p16:designElem xmlns:p16="http://schemas.microsoft.com/office/powerpoint/2015/main" val="1"/>
+              </p:ext>
+            </p:extLst>
+          </p:nvPr>
+        </p:nvSpPr>
+        <p:spPr>
+          <a:xfrm rot="5400000">
+            <a:off x="662559" y="605790"/>
+            <a:ext cx="73152" cy="548640"/>
+          </a:xfrm>
+          <a:prstGeom prst="rect">
+            <a:avLst/>
+          </a:prstGeom>
+          <a:solidFill>
+            <a:schemeClr val="accent2"/>
+          </a:solidFill>
+          <a:ln>
+            <a:noFill/>
+          </a:ln>
+        </p:spPr>
+        <p:style>
+          <a:lnRef idx="2">
+            <a:schemeClr val="accent1">
+              <a:shade val="50000"/>
+            </a:schemeClr>
+          </a:lnRef>
+          <a:fillRef idx="1">
+            <a:schemeClr val="accent1"/>
+          </a:fillRef>
+          <a:effectRef idx="0">
+            <a:schemeClr val="accent1"/>
+          </a:effectRef>
+          <a:fontRef idx="minor">
+            <a:schemeClr val="lt1"/>
+          </a:fontRef>
+        </p:style>
+        <p:txBody>
+          <a:bodyPr rtlCol="0" anchor="ctr"/>
+          <a:lstStyle/>
+          <a:p>
+            <a:pPr algn="ctr"/>
+            <a:endParaRPr lang="en-US">
+              <a:solidFill>
+                <a:prstClr val="white"/>
+              </a:solidFill>
+              <a:latin typeface="Calibri" panose="020F0502020204030204"/>
+            </a:endParaRPr>
+          </a:p>
+        </p:txBody>
+      </p:sp>
+      <p:sp>
+        <p:nvSpPr>
+          <p:cNvPr id="16" name="Rectangle 15">
+            <a:extLst>
+              <a:ext uri="{FF2B5EF4-FFF2-40B4-BE49-F238E27FC236}">
+                <a16:creationId xmlns:a16="http://schemas.microsoft.com/office/drawing/2014/main" id="{7A5F0580-5EE9-419F-96EE-B6529EF6E7D0}"/>
+              </a:ext>
+              <a:ext uri="{C183D7F6-B498-43B3-948B-1728B52AA6E4}">
+                <adec:decorative xmlns:adec="http://schemas.microsoft.com/office/drawing/2017/decorative" val="1"/>
+              </a:ext>
+            </a:extLst>
+          </p:cNvPr>
+          <p:cNvSpPr>
+            <a:spLocks noGrp="1" noRot="1" noChangeAspect="1" noMove="1" noResize="1" noEditPoints="1" noAdjustHandles="1" noChangeArrowheads="1" noChangeShapeType="1" noTextEdit="1"/>
+          </p:cNvSpPr>
+          <p:nvPr>
+            <p:extLst>
+              <p:ext uri="{386F3935-93C4-4BCD-93E2-E3B085C9AB24}">
+                <p16:designElem xmlns:p16="http://schemas.microsoft.com/office/powerpoint/2015/main" val="1"/>
+              </p:ext>
+            </p:extLst>
+          </p:nvPr>
+        </p:nvSpPr>
+        <p:spPr>
+          <a:xfrm>
+            <a:off x="428244" y="2443480"/>
+            <a:ext cx="3300984" cy="9144"/>
+          </a:xfrm>
+          <a:prstGeom prst="rect">
+            <a:avLst/>
+          </a:prstGeom>
+          <a:solidFill>
+            <a:schemeClr val="tx1"/>
+          </a:solidFill>
+          <a:ln w="3175">
+            <a:solidFill>
+              <a:schemeClr val="bg1"/>
+            </a:solidFill>
+          </a:ln>
+          <a:effectLst/>
+        </p:spPr>
+        <p:style>
+          <a:lnRef idx="2">
+            <a:schemeClr val="accent1">
+              <a:shade val="50000"/>
+            </a:schemeClr>
+          </a:lnRef>
+          <a:fillRef idx="1">
+            <a:schemeClr val="accent1"/>
+          </a:fillRef>
+          <a:effectRef idx="0">
+            <a:schemeClr val="accent1"/>
+          </a:effectRef>
+          <a:fontRef idx="minor">
+            <a:schemeClr val="lt1"/>
+          </a:fontRef>
+        </p:style>
+        <p:txBody>
+          <a:bodyPr rtlCol="0" anchor="ctr"/>
+          <a:lstStyle/>
+          <a:p>
+            <a:pPr marL="0" marR="0" lvl="0" indent="0" algn="ctr" defTabSz="914400" rtl="0" eaLnBrk="1" fontAlgn="auto" latinLnBrk="0" hangingPunct="1">
+              <a:lnSpc>
+                <a:spcPct val="100000"/>
+              </a:lnSpc>
+              <a:spcBef>
+                <a:spcPts val="0"/>
+              </a:spcBef>
+              <a:spcAft>
+                <a:spcPts val="0"/>
+              </a:spcAft>
+              <a:buClrTx/>
+              <a:buSzTx/>
+              <a:buFontTx/>
+              <a:buNone/>
+              <a:tabLst/>
+              <a:defRPr/>
+            </a:pPr>
+            <a:endParaRPr kumimoji="0" lang="en-US" sz="1800" b="0" i="0" u="none" strike="noStrike" kern="1200" cap="none" spc="0" normalizeH="0" baseline="0" noProof="0">
+              <a:ln>
+                <a:noFill/>
+              </a:ln>
+              <a:solidFill>
+                <a:prstClr val="white"/>
+              </a:solidFill>
+              <a:effectLst/>
+              <a:uLnTx/>
+              <a:uFillTx/>
+              <a:latin typeface="Calibri" panose="020F0502020204030204"/>
+              <a:ea typeface="+mn-ea"/>
+              <a:cs typeface="+mn-cs"/>
+            </a:endParaRPr>
+          </a:p>
+        </p:txBody>
+      </p:sp>
+      <p:sp>
+        <p:nvSpPr>
+          <p:cNvPr id="3" name="Tartalom helye 2">
+            <a:extLst>
+              <a:ext uri="{FF2B5EF4-FFF2-40B4-BE49-F238E27FC236}">
+                <a16:creationId xmlns:a16="http://schemas.microsoft.com/office/drawing/2014/main" id="{6434A59A-94FE-C353-4C21-84DEC65AA34A}"/>
+              </a:ext>
+            </a:extLst>
+          </p:cNvPr>
+          <p:cNvSpPr>
+            <a:spLocks noGrp="1"/>
+          </p:cNvSpPr>
+          <p:nvPr>
+            <p:ph idx="1"/>
+          </p:nvPr>
+        </p:nvSpPr>
+        <p:spPr>
+          <a:xfrm>
+            <a:off x="371094" y="2718054"/>
+            <a:ext cx="3438906" cy="3207258"/>
+          </a:xfrm>
+        </p:spPr>
+        <p:txBody>
+          <a:bodyPr anchor="t">
+            <a:normAutofit/>
+          </a:bodyPr>
+          <a:lstStyle/>
+          <a:p>
+            <a:r>
+              <a:rPr lang="hu-HU" sz="1700" dirty="0" err="1">
+                <a:solidFill>
+                  <a:schemeClr val="bg1"/>
+                </a:solidFill>
+              </a:rPr>
+              <a:t>Generate</a:t>
+            </a:r>
+            <a:r>
+              <a:rPr lang="hu-HU" sz="1700" dirty="0">
+                <a:solidFill>
+                  <a:schemeClr val="bg1"/>
+                </a:solidFill>
+              </a:rPr>
+              <a:t> függvény</a:t>
+            </a:r>
+          </a:p>
+          <a:p>
+            <a:r>
+              <a:rPr lang="hu-HU" sz="1700" dirty="0">
+                <a:solidFill>
+                  <a:schemeClr val="bg1"/>
+                </a:solidFill>
+              </a:rPr>
+              <a:t>Véletlenszerű generálás</a:t>
+            </a:r>
+          </a:p>
+          <a:p>
+            <a:r>
+              <a:rPr lang="hu-HU" sz="1700" dirty="0">
+                <a:solidFill>
+                  <a:schemeClr val="bg1"/>
+                </a:solidFill>
+              </a:rPr>
+              <a:t>Név, Jelszó, Osztály(ok), Tantárgy(</a:t>
+            </a:r>
+            <a:r>
+              <a:rPr lang="hu-HU" sz="1700" dirty="0" err="1">
+                <a:solidFill>
+                  <a:schemeClr val="bg1"/>
+                </a:solidFill>
+              </a:rPr>
+              <a:t>ak</a:t>
+            </a:r>
+            <a:r>
+              <a:rPr lang="hu-HU" sz="1700" dirty="0">
+                <a:solidFill>
+                  <a:schemeClr val="bg1"/>
+                </a:solidFill>
+              </a:rPr>
+              <a:t>), Jegyek és tulajdonságaik.</a:t>
+            </a:r>
+          </a:p>
+          <a:p>
+            <a:endParaRPr lang="hu-HU" sz="1700" dirty="0">
+              <a:solidFill>
+                <a:schemeClr val="bg1"/>
+              </a:solidFill>
+            </a:endParaRPr>
+          </a:p>
+        </p:txBody>
+      </p:sp>
+    </p:spTree>
+    <p:extLst>
+      <p:ext uri="{BB962C8B-B14F-4D97-AF65-F5344CB8AC3E}">
+        <p14:creationId xmlns:p14="http://schemas.microsoft.com/office/powerpoint/2010/main" val="1558054187"/>
+      </p:ext>
+    </p:extLst>
+  </p:cSld>
+  <p:clrMapOvr>
+    <a:masterClrMapping/>
+  </p:clrMapOvr>
+  <mc:AlternateContent xmlns:mc="http://schemas.openxmlformats.org/markup-compatibility/2006">
+    <mc:Choice xmlns:p14="http://schemas.microsoft.com/office/powerpoint/2010/main" Requires="p14">
+      <p:transition spd="med" p14:dur="700">
+        <p:fade/>
+      </p:transition>
+    </mc:Choice>
+    <mc:Fallback>
+      <p:transition spd="med">
+        <p:fade/>
+      </p:transition>
+    </mc:Fallback>
+  </mc:AlternateContent>
+  <p:timing>
+    <p:tnLst>
+      <p:par>
+        <p:cTn id="1" dur="indefinite" restart="never" nodeType="tmRoot">
+          <p:childTnLst>
+            <p:seq concurrent="1" nextAc="seek">
+              <p:cTn id="2" dur="indefinite" nodeType="mainSeq">
+                <p:childTnLst>
+                  <p:par>
+                    <p:cTn id="3" fill="hold">
+                      <p:stCondLst>
+                        <p:cond delay="indefinite"/>
+                      </p:stCondLst>
+                      <p:childTnLst>
+                        <p:par>
+                          <p:cTn id="4" fill="hold">
+                            <p:stCondLst>
+                              <p:cond delay="0"/>
+                            </p:stCondLst>
+                            <p:childTnLst>
+                              <p:par>
+                                <p:cTn id="5" presetID="10" presetClass="entr" presetSubtype="0" fill="hold" nodeType="clickEffect">
+                                  <p:stCondLst>
+                                    <p:cond delay="0"/>
+                                  </p:stCondLst>
+                                  <p:childTnLst>
+                                    <p:set>
+                                      <p:cBhvr>
+                                        <p:cTn id="6" dur="1" fill="hold">
+                                          <p:stCondLst>
+                                            <p:cond delay="0"/>
+                                          </p:stCondLst>
+                                        </p:cTn>
+                                        <p:tgtEl>
+                                          <p:spTgt spid="3">
+                                            <p:txEl>
+                                              <p:pRg st="0" end="0"/>
+                                            </p:txEl>
+                                          </p:spTgt>
+                                        </p:tgtEl>
+                                        <p:attrNameLst>
+                                          <p:attrName>style.visibility</p:attrName>
+                                        </p:attrNameLst>
+                                      </p:cBhvr>
+                                      <p:to>
+                                        <p:strVal val="visible"/>
+                                      </p:to>
+                                    </p:set>
+                                    <p:animEffect transition="in" filter="fade">
+                                      <p:cBhvr>
+                                        <p:cTn id="7" dur="500"/>
+                                        <p:tgtEl>
+                                          <p:spTgt spid="3">
+                                            <p:txEl>
+                                              <p:pRg st="0" end="0"/>
+                                            </p:txEl>
+                                          </p:spTgt>
+                                        </p:tgtEl>
+                                      </p:cBhvr>
+                                    </p:animEffect>
+                                  </p:childTnLst>
+                                </p:cTn>
+                              </p:par>
+                            </p:childTnLst>
+                          </p:cTn>
+                        </p:par>
+                      </p:childTnLst>
+                    </p:cTn>
+                  </p:par>
+                  <p:par>
+                    <p:cTn id="8" fill="hold">
+                      <p:stCondLst>
+                        <p:cond delay="indefinite"/>
+                      </p:stCondLst>
+                      <p:childTnLst>
+                        <p:par>
+                          <p:cTn id="9" fill="hold">
+                            <p:stCondLst>
+                              <p:cond delay="0"/>
+                            </p:stCondLst>
+                            <p:childTnLst>
+                              <p:par>
+                                <p:cTn id="10" presetID="10" presetClass="entr" presetSubtype="0" fill="hold" nodeType="clickEffect">
+                                  <p:stCondLst>
+                                    <p:cond delay="0"/>
+                                  </p:stCondLst>
+                                  <p:childTnLst>
+                                    <p:set>
+                                      <p:cBhvr>
+                                        <p:cTn id="11" dur="1" fill="hold">
+                                          <p:stCondLst>
+                                            <p:cond delay="0"/>
+                                          </p:stCondLst>
+                                        </p:cTn>
+                                        <p:tgtEl>
+                                          <p:spTgt spid="3">
+                                            <p:txEl>
+                                              <p:pRg st="1" end="1"/>
+                                            </p:txEl>
+                                          </p:spTgt>
+                                        </p:tgtEl>
+                                        <p:attrNameLst>
+                                          <p:attrName>style.visibility</p:attrName>
+                                        </p:attrNameLst>
+                                      </p:cBhvr>
+                                      <p:to>
+                                        <p:strVal val="visible"/>
+                                      </p:to>
+                                    </p:set>
+                                    <p:animEffect transition="in" filter="fade">
+                                      <p:cBhvr>
+                                        <p:cTn id="12" dur="500"/>
+                                        <p:tgtEl>
+                                          <p:spTgt spid="3">
+                                            <p:txEl>
+                                              <p:pRg st="1" end="1"/>
+                                            </p:txEl>
+                                          </p:spTgt>
+                                        </p:tgtEl>
+                                      </p:cBhvr>
+                                    </p:animEffect>
+                                  </p:childTnLst>
+                                </p:cTn>
+                              </p:par>
+                            </p:childTnLst>
+                          </p:cTn>
+                        </p:par>
+                      </p:childTnLst>
+                    </p:cTn>
+                  </p:par>
+                  <p:par>
+                    <p:cTn id="13" fill="hold">
+                      <p:stCondLst>
+                        <p:cond delay="indefinite"/>
+                      </p:stCondLst>
+                      <p:childTnLst>
+                        <p:par>
+                          <p:cTn id="14" fill="hold">
+                            <p:stCondLst>
+                              <p:cond delay="0"/>
+                            </p:stCondLst>
+                            <p:childTnLst>
+                              <p:par>
+                                <p:cTn id="15" presetID="10" presetClass="entr" presetSubtype="0" fill="hold" nodeType="clickEffect">
+                                  <p:stCondLst>
+                                    <p:cond delay="0"/>
+                                  </p:stCondLst>
+                                  <p:childTnLst>
+                                    <p:set>
+                                      <p:cBhvr>
+                                        <p:cTn id="16" dur="1" fill="hold">
+                                          <p:stCondLst>
+                                            <p:cond delay="0"/>
+                                          </p:stCondLst>
+                                        </p:cTn>
+                                        <p:tgtEl>
+                                          <p:spTgt spid="3">
+                                            <p:txEl>
+                                              <p:pRg st="2" end="2"/>
+                                            </p:txEl>
+                                          </p:spTgt>
+                                        </p:tgtEl>
+                                        <p:attrNameLst>
+                                          <p:attrName>style.visibility</p:attrName>
+                                        </p:attrNameLst>
+                                      </p:cBhvr>
+                                      <p:to>
+                                        <p:strVal val="visible"/>
+                                      </p:to>
+                                    </p:set>
+                                    <p:animEffect transition="in" filter="fade">
+                                      <p:cBhvr>
+                                        <p:cTn id="17" dur="500"/>
+                                        <p:tgtEl>
+                                          <p:spTgt spid="3">
+                                            <p:txEl>
+                                              <p:pRg st="2" end="2"/>
+                                            </p:txEl>
+                                          </p:spTgt>
+                                        </p:tgtEl>
+                                      </p:cBhvr>
+                                    </p:animEffect>
+                                  </p:childTnLst>
+                                </p:cTn>
+                              </p:par>
+                            </p:childTnLst>
+                          </p:cTn>
+                        </p:par>
+                      </p:childTnLst>
+                    </p:cTn>
+                  </p:par>
+                </p:childTnLst>
+              </p:cTn>
+              <p:prevCondLst>
+                <p:cond evt="onPrev" delay="0">
+                  <p:tgtEl>
+                    <p:sldTgt/>
+                  </p:tgtEl>
+                </p:cond>
+              </p:prevCondLst>
+              <p:nextCondLst>
+                <p:cond evt="onNext" delay="0">
+                  <p:tgtEl>
+                    <p:sldTgt/>
+                  </p:tgtEl>
+                </p:cond>
+              </p:nextCondLst>
+            </p:seq>
+          </p:childTnLst>
+        </p:cTn>
+      </p:par>
+    </p:tnLst>
+  </p:timing>
+</p:sld>
+</file>
+
+<file path=ppt/slides/slide4.xml><?xml version="1.0" encoding="utf-8"?>
+<p:sld xmlns:a="http://schemas.openxmlformats.org/drawingml/2006/main" xmlns:r="http://schemas.openxmlformats.org/officeDocument/2006/relationships" xmlns:p="http://schemas.openxmlformats.org/presentationml/2006/main">
+  <p:cSld>
+    <p:bg>
+      <p:bgPr>
+        <a:solidFill>
           <a:schemeClr val="tx1"/>
         </a:solidFill>
         <a:effectLst/>
@@ -4710,13 +5446,13 @@
   <p:clrMapOvr>
     <a:masterClrMapping/>
   </p:clrMapOvr>
-  <mc:AlternateContent xmlns:mc="http://schemas.openxmlformats.org/markup-compatibility/2006">
-    <mc:Choice xmlns:p159="http://schemas.microsoft.com/office/powerpoint/2015/09/main" Requires="p159">
+  <mc:AlternateContent xmlns:mc="http://schemas.openxmlformats.org/markup-compatibility/2006" xmlns:p159="http://schemas.microsoft.com/office/powerpoint/2015/09/main">
+    <mc:Choice Requires="p159">
       <p:transition xmlns:p14="http://schemas.microsoft.com/office/powerpoint/2010/main" spd="slow" p14:dur="2000">
         <p159:morph option="byObject"/>
       </p:transition>
     </mc:Choice>
-    <mc:Fallback>
+    <mc:Fallback xmlns="">
       <p:transition spd="slow">
         <p:fade/>
       </p:transition>
@@ -4846,41 +5582,6 @@
                                   </p:childTnLst>
                                 </p:cTn>
                               </p:par>
-                              <p:par>
-                                <p:cTn id="13" presetID="10" presetClass="entr" presetSubtype="0" fill="hold" nodeType="withEffect">
-                                  <p:stCondLst>
-                                    <p:cond delay="0"/>
-                                  </p:stCondLst>
-                                  <p:childTnLst>
-                                    <p:set>
-                                      <p:cBhvr>
-                                        <p:cTn id="14" dur="1" fill="hold">
-                                          <p:stCondLst>
-                                            <p:cond delay="0"/>
-                                          </p:stCondLst>
-                                        </p:cTn>
-                                        <p:tgtEl>
-                                          <p:spTgt spid="13"/>
-                                        </p:tgtEl>
-                                        <p:attrNameLst>
-                                          <p:attrName>style.visibility</p:attrName>
-                                        </p:attrNameLst>
-                                      </p:cBhvr>
-                                      <p:to>
-                                        <p:strVal val="visible"/>
-                                      </p:to>
-                                    </p:set>
-                                    <p:animEffect transition="in" filter="fade">
-                                      <p:cBhvr>
-                                        <p:cTn id="15" dur="500"/>
-                                        <p:tgtEl>
-                                          <p:spTgt spid="13"/>
-                                        </p:tgtEl>
-                                      </p:cBhvr>
-                                    </p:animEffect>
-                                  </p:childTnLst>
-                                </p:cTn>
-                              </p:par>
                             </p:childTnLst>
                           </p:cTn>
                         </p:par>
@@ -4888,26 +5589,26 @@
                     </p:cTn>
                   </p:par>
                   <p:par>
-                    <p:cTn id="16" fill="hold">
+                    <p:cTn id="13" fill="hold">
                       <p:stCondLst>
                         <p:cond delay="indefinite"/>
                       </p:stCondLst>
                       <p:childTnLst>
                         <p:par>
-                          <p:cTn id="17" fill="hold">
+                          <p:cTn id="14" fill="hold">
                             <p:stCondLst>
                               <p:cond delay="0"/>
                             </p:stCondLst>
                             <p:childTnLst>
                               <p:par>
-                                <p:cTn id="18" presetID="10" presetClass="entr" presetSubtype="0" fill="hold" nodeType="clickEffect">
+                                <p:cTn id="15" presetID="10" presetClass="entr" presetSubtype="0" fill="hold" nodeType="clickEffect">
                                   <p:stCondLst>
                                     <p:cond delay="0"/>
                                   </p:stCondLst>
                                   <p:childTnLst>
                                     <p:set>
                                       <p:cBhvr>
-                                        <p:cTn id="19" dur="1" fill="hold">
+                                        <p:cTn id="16" dur="1" fill="hold">
                                           <p:stCondLst>
                                             <p:cond delay="0"/>
                                           </p:stCondLst>
@@ -4929,48 +5630,13 @@
                                     </p:set>
                                     <p:animEffect transition="in" filter="fade">
                                       <p:cBhvr>
-                                        <p:cTn id="20" dur="500"/>
+                                        <p:cTn id="17" dur="500"/>
                                         <p:tgtEl>
                                           <p:spTgt spid="3">
                                             <p:txEl>
                                               <p:pRg st="2" end="2"/>
                                             </p:txEl>
                                           </p:spTgt>
-                                        </p:tgtEl>
-                                      </p:cBhvr>
-                                    </p:animEffect>
-                                  </p:childTnLst>
-                                </p:cTn>
-                              </p:par>
-                              <p:par>
-                                <p:cTn id="21" presetID="10" presetClass="entr" presetSubtype="0" fill="hold" nodeType="withEffect">
-                                  <p:stCondLst>
-                                    <p:cond delay="0"/>
-                                  </p:stCondLst>
-                                  <p:childTnLst>
-                                    <p:set>
-                                      <p:cBhvr>
-                                        <p:cTn id="22" dur="1" fill="hold">
-                                          <p:stCondLst>
-                                            <p:cond delay="0"/>
-                                          </p:stCondLst>
-                                        </p:cTn>
-                                        <p:tgtEl>
-                                          <p:spTgt spid="11"/>
-                                        </p:tgtEl>
-                                        <p:attrNameLst>
-                                          <p:attrName>style.visibility</p:attrName>
-                                        </p:attrNameLst>
-                                      </p:cBhvr>
-                                      <p:to>
-                                        <p:strVal val="visible"/>
-                                      </p:to>
-                                    </p:set>
-                                    <p:animEffect transition="in" filter="fade">
-                                      <p:cBhvr>
-                                        <p:cTn id="23" dur="500"/>
-                                        <p:tgtEl>
-                                          <p:spTgt spid="11"/>
                                         </p:tgtEl>
                                       </p:cBhvr>
                                     </p:animEffect>
@@ -4984,26 +5650,26 @@
                     </p:cTn>
                   </p:par>
                   <p:par>
-                    <p:cTn id="24" fill="hold">
+                    <p:cTn id="18" fill="hold">
                       <p:stCondLst>
                         <p:cond delay="indefinite"/>
                       </p:stCondLst>
                       <p:childTnLst>
                         <p:par>
-                          <p:cTn id="25" fill="hold">
+                          <p:cTn id="19" fill="hold">
                             <p:stCondLst>
                               <p:cond delay="0"/>
                             </p:stCondLst>
                             <p:childTnLst>
                               <p:par>
-                                <p:cTn id="26" presetID="10" presetClass="entr" presetSubtype="0" fill="hold" nodeType="clickEffect">
+                                <p:cTn id="20" presetID="10" presetClass="entr" presetSubtype="0" fill="hold" nodeType="clickEffect">
                                   <p:stCondLst>
                                     <p:cond delay="0"/>
                                   </p:stCondLst>
                                   <p:childTnLst>
                                     <p:set>
                                       <p:cBhvr>
-                                        <p:cTn id="27" dur="1" fill="hold">
+                                        <p:cTn id="21" dur="1" fill="hold">
                                           <p:stCondLst>
                                             <p:cond delay="0"/>
                                           </p:stCondLst>
@@ -5025,160 +5691,11 @@
                                     </p:set>
                                     <p:animEffect transition="in" filter="fade">
                                       <p:cBhvr>
-                                        <p:cTn id="28" dur="500"/>
+                                        <p:cTn id="22" dur="500"/>
                                         <p:tgtEl>
                                           <p:spTgt spid="3">
                                             <p:txEl>
                                               <p:pRg st="3" end="3"/>
-                                            </p:txEl>
-                                          </p:spTgt>
-                                        </p:tgtEl>
-                                      </p:cBhvr>
-                                    </p:animEffect>
-                                  </p:childTnLst>
-                                </p:cTn>
-                              </p:par>
-                              <p:par>
-                                <p:cTn id="29" presetID="10" presetClass="entr" presetSubtype="0" fill="hold" nodeType="withEffect">
-                                  <p:stCondLst>
-                                    <p:cond delay="0"/>
-                                  </p:stCondLst>
-                                  <p:childTnLst>
-                                    <p:set>
-                                      <p:cBhvr>
-                                        <p:cTn id="30" dur="1" fill="hold">
-                                          <p:stCondLst>
-                                            <p:cond delay="0"/>
-                                          </p:stCondLst>
-                                        </p:cTn>
-                                        <p:tgtEl>
-                                          <p:spTgt spid="7"/>
-                                        </p:tgtEl>
-                                        <p:attrNameLst>
-                                          <p:attrName>style.visibility</p:attrName>
-                                        </p:attrNameLst>
-                                      </p:cBhvr>
-                                      <p:to>
-                                        <p:strVal val="visible"/>
-                                      </p:to>
-                                    </p:set>
-                                    <p:animEffect transition="in" filter="fade">
-                                      <p:cBhvr>
-                                        <p:cTn id="31" dur="500"/>
-                                        <p:tgtEl>
-                                          <p:spTgt spid="7"/>
-                                        </p:tgtEl>
-                                      </p:cBhvr>
-                                    </p:animEffect>
-                                  </p:childTnLst>
-                                </p:cTn>
-                              </p:par>
-                            </p:childTnLst>
-                          </p:cTn>
-                        </p:par>
-                      </p:childTnLst>
-                    </p:cTn>
-                  </p:par>
-                  <p:par>
-                    <p:cTn id="32" fill="hold">
-                      <p:stCondLst>
-                        <p:cond delay="indefinite"/>
-                      </p:stCondLst>
-                      <p:childTnLst>
-                        <p:par>
-                          <p:cTn id="33" fill="hold">
-                            <p:stCondLst>
-                              <p:cond delay="0"/>
-                            </p:stCondLst>
-                            <p:childTnLst>
-                              <p:par>
-                                <p:cTn id="34" presetID="10" presetClass="entr" presetSubtype="0" fill="hold" nodeType="clickEffect">
-                                  <p:stCondLst>
-                                    <p:cond delay="0"/>
-                                  </p:stCondLst>
-                                  <p:childTnLst>
-                                    <p:set>
-                                      <p:cBhvr>
-                                        <p:cTn id="35" dur="1" fill="hold">
-                                          <p:stCondLst>
-                                            <p:cond delay="0"/>
-                                          </p:stCondLst>
-                                        </p:cTn>
-                                        <p:tgtEl>
-                                          <p:spTgt spid="9"/>
-                                        </p:tgtEl>
-                                        <p:attrNameLst>
-                                          <p:attrName>style.visibility</p:attrName>
-                                        </p:attrNameLst>
-                                      </p:cBhvr>
-                                      <p:to>
-                                        <p:strVal val="visible"/>
-                                      </p:to>
-                                    </p:set>
-                                    <p:animEffect transition="in" filter="fade">
-                                      <p:cBhvr>
-                                        <p:cTn id="36" dur="500"/>
-                                        <p:tgtEl>
-                                          <p:spTgt spid="9"/>
-                                        </p:tgtEl>
-                                      </p:cBhvr>
-                                    </p:animEffect>
-                                  </p:childTnLst>
-                                </p:cTn>
-                              </p:par>
-                            </p:childTnLst>
-                          </p:cTn>
-                        </p:par>
-                      </p:childTnLst>
-                    </p:cTn>
-                  </p:par>
-                  <p:par>
-                    <p:cTn id="37" fill="hold">
-                      <p:stCondLst>
-                        <p:cond delay="indefinite"/>
-                      </p:stCondLst>
-                      <p:childTnLst>
-                        <p:par>
-                          <p:cTn id="38" fill="hold">
-                            <p:stCondLst>
-                              <p:cond delay="0"/>
-                            </p:stCondLst>
-                            <p:childTnLst>
-                              <p:par>
-                                <p:cTn id="39" presetID="10" presetClass="entr" presetSubtype="0" fill="hold" nodeType="clickEffect">
-                                  <p:stCondLst>
-                                    <p:cond delay="0"/>
-                                  </p:stCondLst>
-                                  <p:childTnLst>
-                                    <p:set>
-                                      <p:cBhvr>
-                                        <p:cTn id="40" dur="1" fill="hold">
-                                          <p:stCondLst>
-                                            <p:cond delay="0"/>
-                                          </p:stCondLst>
-                                        </p:cTn>
-                                        <p:tgtEl>
-                                          <p:spTgt spid="3">
-                                            <p:txEl>
-                                              <p:pRg st="4" end="4"/>
-                                            </p:txEl>
-                                          </p:spTgt>
-                                        </p:tgtEl>
-                                        <p:attrNameLst>
-                                          <p:attrName>style.visibility</p:attrName>
-                                        </p:attrNameLst>
-                                      </p:cBhvr>
-                                      <p:to>
-                                        <p:strVal val="visible"/>
-                                      </p:to>
-                                    </p:set>
-                                    <p:animEffect transition="in" filter="fade">
-                                      <p:cBhvr>
-                                        <p:cTn id="41" dur="500"/>
-                                        <p:tgtEl>
-                                          <p:spTgt spid="3">
-                                            <p:txEl>
-                                              <p:pRg st="4" end="4"/>
                                             </p:txEl>
                                           </p:spTgt>
                                         </p:tgtEl>
@@ -5194,26 +5711,26 @@
                     </p:cTn>
                   </p:par>
                   <p:par>
-                    <p:cTn id="42" fill="hold">
+                    <p:cTn id="23" fill="hold">
                       <p:stCondLst>
                         <p:cond delay="indefinite"/>
                       </p:stCondLst>
                       <p:childTnLst>
                         <p:par>
-                          <p:cTn id="43" fill="hold">
+                          <p:cTn id="24" fill="hold">
                             <p:stCondLst>
                               <p:cond delay="0"/>
                             </p:stCondLst>
                             <p:childTnLst>
                               <p:par>
-                                <p:cTn id="44" presetID="10" presetClass="entr" presetSubtype="0" fill="hold" nodeType="clickEffect">
+                                <p:cTn id="25" presetID="10" presetClass="entr" presetSubtype="0" fill="hold" nodeType="clickEffect">
                                   <p:stCondLst>
                                     <p:cond delay="0"/>
                                   </p:stCondLst>
                                   <p:childTnLst>
                                     <p:set>
                                       <p:cBhvr>
-                                        <p:cTn id="45" dur="1" fill="hold">
+                                        <p:cTn id="26" dur="1" fill="hold">
                                           <p:stCondLst>
                                             <p:cond delay="0"/>
                                           </p:stCondLst>
@@ -5235,7 +5752,7 @@
                                     </p:set>
                                     <p:animEffect transition="in" filter="fade">
                                       <p:cBhvr>
-                                        <p:cTn id="46" dur="500"/>
+                                        <p:cTn id="27" dur="500"/>
                                         <p:tgtEl>
                                           <p:spTgt spid="3">
                                             <p:txEl>
@@ -5255,26 +5772,26 @@
                     </p:cTn>
                   </p:par>
                   <p:par>
-                    <p:cTn id="47" fill="hold">
+                    <p:cTn id="28" fill="hold">
                       <p:stCondLst>
                         <p:cond delay="indefinite"/>
                       </p:stCondLst>
                       <p:childTnLst>
                         <p:par>
-                          <p:cTn id="48" fill="hold">
+                          <p:cTn id="29" fill="hold">
                             <p:stCondLst>
                               <p:cond delay="0"/>
                             </p:stCondLst>
                             <p:childTnLst>
                               <p:par>
-                                <p:cTn id="49" presetID="10" presetClass="entr" presetSubtype="0" fill="hold" nodeType="clickEffect">
+                                <p:cTn id="30" presetID="10" presetClass="entr" presetSubtype="0" fill="hold" nodeType="clickEffect">
                                   <p:stCondLst>
                                     <p:cond delay="0"/>
                                   </p:stCondLst>
                                   <p:childTnLst>
                                     <p:set>
                                       <p:cBhvr>
-                                        <p:cTn id="50" dur="1" fill="hold">
+                                        <p:cTn id="31" dur="1" fill="hold">
                                           <p:stCondLst>
                                             <p:cond delay="0"/>
                                           </p:stCondLst>
@@ -5296,7 +5813,7 @@
                                     </p:set>
                                     <p:animEffect transition="in" filter="fade">
                                       <p:cBhvr>
-                                        <p:cTn id="51" dur="500"/>
+                                        <p:cTn id="32" dur="500"/>
                                         <p:tgtEl>
                                           <p:spTgt spid="3">
                                             <p:txEl>
@@ -5316,26 +5833,26 @@
                     </p:cTn>
                   </p:par>
                   <p:par>
-                    <p:cTn id="52" fill="hold">
+                    <p:cTn id="33" fill="hold">
                       <p:stCondLst>
                         <p:cond delay="indefinite"/>
                       </p:stCondLst>
                       <p:childTnLst>
                         <p:par>
-                          <p:cTn id="53" fill="hold">
+                          <p:cTn id="34" fill="hold">
                             <p:stCondLst>
                               <p:cond delay="0"/>
                             </p:stCondLst>
                             <p:childTnLst>
                               <p:par>
-                                <p:cTn id="54" presetID="10" presetClass="entr" presetSubtype="0" fill="hold" nodeType="clickEffect">
+                                <p:cTn id="35" presetID="10" presetClass="entr" presetSubtype="0" fill="hold" nodeType="clickEffect">
                                   <p:stCondLst>
                                     <p:cond delay="0"/>
                                   </p:stCondLst>
                                   <p:childTnLst>
                                     <p:set>
                                       <p:cBhvr>
-                                        <p:cTn id="55" dur="1" fill="hold">
+                                        <p:cTn id="36" dur="1" fill="hold">
                                           <p:stCondLst>
                                             <p:cond delay="0"/>
                                           </p:stCondLst>
@@ -5357,13 +5874,118 @@
                                     </p:set>
                                     <p:animEffect transition="in" filter="fade">
                                       <p:cBhvr>
-                                        <p:cTn id="56" dur="500"/>
+                                        <p:cTn id="37" dur="500"/>
                                         <p:tgtEl>
                                           <p:spTgt spid="3">
                                             <p:txEl>
                                               <p:pRg st="7" end="7"/>
                                             </p:txEl>
                                           </p:spTgt>
+                                        </p:tgtEl>
+                                      </p:cBhvr>
+                                    </p:animEffect>
+                                  </p:childTnLst>
+                                </p:cTn>
+                              </p:par>
+                              <p:par>
+                                <p:cTn id="38" presetID="10" presetClass="entr" presetSubtype="0" fill="hold" nodeType="withEffect">
+                                  <p:stCondLst>
+                                    <p:cond delay="0"/>
+                                  </p:stCondLst>
+                                  <p:childTnLst>
+                                    <p:set>
+                                      <p:cBhvr>
+                                        <p:cTn id="39" dur="1" fill="hold">
+                                          <p:stCondLst>
+                                            <p:cond delay="0"/>
+                                          </p:stCondLst>
+                                        </p:cTn>
+                                        <p:tgtEl>
+                                          <p:spTgt spid="11"/>
+                                        </p:tgtEl>
+                                        <p:attrNameLst>
+                                          <p:attrName>style.visibility</p:attrName>
+                                        </p:attrNameLst>
+                                      </p:cBhvr>
+                                      <p:to>
+                                        <p:strVal val="visible"/>
+                                      </p:to>
+                                    </p:set>
+                                    <p:animEffect transition="in" filter="fade">
+                                      <p:cBhvr>
+                                        <p:cTn id="40" dur="500"/>
+                                        <p:tgtEl>
+                                          <p:spTgt spid="11"/>
+                                        </p:tgtEl>
+                                      </p:cBhvr>
+                                    </p:animEffect>
+                                  </p:childTnLst>
+                                </p:cTn>
+                              </p:par>
+                              <p:par>
+                                <p:cTn id="41" presetID="10" presetClass="entr" presetSubtype="0" fill="hold" nodeType="withEffect">
+                                  <p:stCondLst>
+                                    <p:cond delay="0"/>
+                                  </p:stCondLst>
+                                  <p:childTnLst>
+                                    <p:set>
+                                      <p:cBhvr>
+                                        <p:cTn id="42" dur="1" fill="hold">
+                                          <p:stCondLst>
+                                            <p:cond delay="0"/>
+                                          </p:stCondLst>
+                                        </p:cTn>
+                                        <p:tgtEl>
+                                          <p:spTgt spid="13"/>
+                                        </p:tgtEl>
+                                        <p:attrNameLst>
+                                          <p:attrName>style.visibility</p:attrName>
+                                        </p:attrNameLst>
+                                      </p:cBhvr>
+                                      <p:to>
+                                        <p:strVal val="visible"/>
+                                      </p:to>
+                                    </p:set>
+                                    <p:animEffect transition="in" filter="fade">
+                                      <p:cBhvr>
+                                        <p:cTn id="43" dur="500"/>
+                                        <p:tgtEl>
+                                          <p:spTgt spid="13"/>
+                                        </p:tgtEl>
+                                      </p:cBhvr>
+                                    </p:animEffect>
+                                  </p:childTnLst>
+                                </p:cTn>
+                              </p:par>
+                              <p:par>
+                                <p:cTn id="44" presetID="10" presetClass="entr" presetSubtype="0" fill="hold" nodeType="withEffect">
+                                  <p:stCondLst>
+                                    <p:cond delay="0"/>
+                                  </p:stCondLst>
+                                  <p:childTnLst>
+                                    <p:set>
+                                      <p:cBhvr>
+                                        <p:cTn id="45" dur="1" fill="hold">
+                                          <p:stCondLst>
+                                            <p:cond delay="0"/>
+                                          </p:stCondLst>
+                                        </p:cTn>
+                                        <p:tgtEl>
+                                          <p:spTgt spid="9"/>
+                                        </p:tgtEl>
+                                        <p:attrNameLst>
+                                          <p:attrName>style.visibility</p:attrName>
+                                        </p:attrNameLst>
+                                      </p:cBhvr>
+                                      <p:to>
+                                        <p:strVal val="visible"/>
+                                      </p:to>
+                                    </p:set>
+                                    <p:animEffect transition="in" filter="fade">
+                                      <p:cBhvr>
+                                        <p:cTn id="46" dur="500"/>
+                                        <p:tgtEl>
+                                          <p:spTgt spid="9"/>
                                         </p:tgtEl>
                                       </p:cBhvr>
                                     </p:animEffect>
@@ -5401,7 +6023,7 @@
 </p:sld>
 </file>
 
-<file path=ppt/slides/slide4.xml><?xml version="1.0" encoding="utf-8"?>
+<file path=ppt/slides/slide5.xml><?xml version="1.0" encoding="utf-8"?>
 <p:sld xmlns:a="http://schemas.openxmlformats.org/drawingml/2006/main" xmlns:r="http://schemas.openxmlformats.org/officeDocument/2006/relationships" xmlns:p="http://schemas.openxmlformats.org/presentationml/2006/main">
   <p:cSld>
     <p:bg>
@@ -5428,10 +6050,10 @@
       </p:grpSpPr>
       <p:sp>
         <p:nvSpPr>
-          <p:cNvPr id="216" name="Rectangle 13">
-            <a:extLst>
-              <a:ext uri="{FF2B5EF4-FFF2-40B4-BE49-F238E27FC236}">
-                <a16:creationId xmlns:a16="http://schemas.microsoft.com/office/drawing/2014/main" id="{5A0118C5-4F8D-4CF4-BADD-53FEACC6C42A}"/>
+          <p:cNvPr id="224" name="Rectangle 223">
+            <a:extLst>
+              <a:ext uri="{FF2B5EF4-FFF2-40B4-BE49-F238E27FC236}">
+                <a16:creationId xmlns:a16="http://schemas.microsoft.com/office/drawing/2014/main" id="{A7AE9375-4664-4DB2-922D-2782A6E439AC}"/>
               </a:ext>
               <a:ext uri="{C183D7F6-B498-43B3-948B-1728B52AA6E4}">
                 <adec:decorative xmlns:adec="http://schemas.microsoft.com/office/drawing/2017/decorative" val="1"/>
@@ -5458,7 +6080,10 @@
             <a:avLst/>
           </a:prstGeom>
           <a:solidFill>
-            <a:schemeClr val="tx1"/>
+            <a:schemeClr val="tx1">
+              <a:lumMod val="95000"/>
+              <a:lumOff val="5000"/>
+            </a:schemeClr>
           </a:solidFill>
           <a:ln>
             <a:noFill/>
@@ -5485,7 +6110,11 @@
           <a:lstStyle/>
           <a:p>
             <a:pPr algn="ctr"/>
-            <a:endParaRPr lang="en-US" dirty="0"/>
+            <a:endParaRPr lang="en-US" dirty="0">
+              <a:solidFill>
+                <a:schemeClr val="tx1"/>
+              </a:solidFill>
+            </a:endParaRPr>
           </a:p>
         </p:txBody>
       </p:sp>
@@ -5507,8 +6136,8 @@
         </p:nvSpPr>
         <p:spPr>
           <a:xfrm>
-            <a:off x="7508604" y="489098"/>
-            <a:ext cx="3943436" cy="1785524"/>
+            <a:off x="1295400" y="669925"/>
+            <a:ext cx="4151304" cy="1325563"/>
           </a:xfrm>
         </p:spPr>
         <p:txBody>
@@ -5518,7 +6147,7 @@
           <a:lstStyle/>
           <a:p>
             <a:r>
-              <a:rPr lang="hu-HU" sz="5400" dirty="0">
+              <a:rPr lang="hu-HU">
                 <a:solidFill>
                   <a:schemeClr val="bg1"/>
                 </a:solidFill>
@@ -5526,6 +6155,195 @@
               </a:rPr>
               <a:t>Diákok</a:t>
             </a:r>
+          </a:p>
+        </p:txBody>
+      </p:sp>
+      <p:cxnSp>
+        <p:nvCxnSpPr>
+          <p:cNvPr id="226" name="Straight Connector 225">
+            <a:extLst>
+              <a:ext uri="{FF2B5EF4-FFF2-40B4-BE49-F238E27FC236}">
+                <a16:creationId xmlns:a16="http://schemas.microsoft.com/office/drawing/2014/main" id="{EE504C98-6397-41C1-A8D8-2D9C4ED307E0}"/>
+              </a:ext>
+              <a:ext uri="{C183D7F6-B498-43B3-948B-1728B52AA6E4}">
+                <adec:decorative xmlns:adec="http://schemas.microsoft.com/office/drawing/2017/decorative" val="1"/>
+              </a:ext>
+            </a:extLst>
+          </p:cNvPr>
+          <p:cNvCxnSpPr>
+            <a:cxnSpLocks noGrp="1" noRot="1" noChangeAspect="1" noMove="1" noResize="1" noEditPoints="1" noAdjustHandles="1" noChangeArrowheads="1" noChangeShapeType="1"/>
+          </p:cNvCxnSpPr>
+          <p:nvPr>
+            <p:extLst>
+              <p:ext uri="{386F3935-93C4-4BCD-93E2-E3B085C9AB24}">
+                <p16:designElem xmlns:p16="http://schemas.microsoft.com/office/powerpoint/2015/main" val="1"/>
+              </p:ext>
+            </p:extLst>
+          </p:nvPr>
+        </p:nvCxnSpPr>
+        <p:spPr>
+          <a:xfrm flipH="1">
+            <a:off x="2" y="2026340"/>
+            <a:ext cx="5446702" cy="0"/>
+          </a:xfrm>
+          <a:prstGeom prst="line">
+            <a:avLst/>
+          </a:prstGeom>
+          <a:ln w="12700">
+            <a:solidFill>
+              <a:schemeClr val="accent2"/>
+            </a:solidFill>
+          </a:ln>
+        </p:spPr>
+        <p:style>
+          <a:lnRef idx="1">
+            <a:schemeClr val="accent1"/>
+          </a:lnRef>
+          <a:fillRef idx="0">
+            <a:schemeClr val="accent1"/>
+          </a:fillRef>
+          <a:effectRef idx="0">
+            <a:schemeClr val="accent1"/>
+          </a:effectRef>
+          <a:fontRef idx="minor">
+            <a:schemeClr val="tx1"/>
+          </a:fontRef>
+        </p:style>
+      </p:cxnSp>
+      <p:sp>
+        <p:nvSpPr>
+          <p:cNvPr id="3" name="Tartalom helye 2">
+            <a:extLst>
+              <a:ext uri="{FF2B5EF4-FFF2-40B4-BE49-F238E27FC236}">
+                <a16:creationId xmlns:a16="http://schemas.microsoft.com/office/drawing/2014/main" id="{0F5B227C-D550-1A94-2AED-178B382F32A4}"/>
+              </a:ext>
+            </a:extLst>
+          </p:cNvPr>
+          <p:cNvSpPr>
+            <a:spLocks noGrp="1"/>
+          </p:cNvSpPr>
+          <p:nvPr>
+            <p:ph idx="1"/>
+          </p:nvPr>
+        </p:nvSpPr>
+        <p:spPr>
+          <a:xfrm>
+            <a:off x="1295400" y="2288833"/>
+            <a:ext cx="4151304" cy="3711571"/>
+          </a:xfrm>
+        </p:spPr>
+        <p:txBody>
+          <a:bodyPr>
+            <a:normAutofit/>
+          </a:bodyPr>
+          <a:lstStyle/>
+          <a:p>
+            <a:r>
+              <a:rPr lang="hu-HU" sz="2000" dirty="0">
+                <a:solidFill>
+                  <a:schemeClr val="bg1"/>
+                </a:solidFill>
+                <a:latin typeface="Berlin Sans FB" panose="020E0602020502020306" pitchFamily="34" charset="0"/>
+              </a:rPr>
+              <a:t>Órarend</a:t>
+            </a:r>
+          </a:p>
+          <a:p>
+            <a:r>
+              <a:rPr lang="hu-HU" sz="2000" dirty="0">
+                <a:solidFill>
+                  <a:schemeClr val="bg1"/>
+                </a:solidFill>
+                <a:latin typeface="Berlin Sans FB" panose="020E0602020502020306" pitchFamily="34" charset="0"/>
+              </a:rPr>
+              <a:t>Hiányzások</a:t>
+            </a:r>
+          </a:p>
+          <a:p>
+            <a:r>
+              <a:rPr lang="hu-HU" sz="2000" dirty="0">
+                <a:solidFill>
+                  <a:schemeClr val="bg1"/>
+                </a:solidFill>
+                <a:latin typeface="Berlin Sans FB" panose="020E0602020502020306" pitchFamily="34" charset="0"/>
+              </a:rPr>
+              <a:t>Tantárgyak</a:t>
+            </a:r>
+          </a:p>
+          <a:p>
+            <a:pPr lvl="1"/>
+            <a:r>
+              <a:rPr lang="hu-HU" sz="2000" dirty="0">
+                <a:solidFill>
+                  <a:schemeClr val="bg1"/>
+                </a:solidFill>
+                <a:latin typeface="Berlin Sans FB" panose="020E0602020502020306" pitchFamily="34" charset="0"/>
+              </a:rPr>
+              <a:t>Jegyek</a:t>
+            </a:r>
+          </a:p>
+          <a:p>
+            <a:pPr lvl="1"/>
+            <a:r>
+              <a:rPr lang="hu-HU" sz="2000" dirty="0">
+                <a:solidFill>
+                  <a:schemeClr val="bg1"/>
+                </a:solidFill>
+                <a:latin typeface="Berlin Sans FB" panose="020E0602020502020306" pitchFamily="34" charset="0"/>
+              </a:rPr>
+              <a:t>Saját és osztályátlag</a:t>
+            </a:r>
+          </a:p>
+          <a:p>
+            <a:pPr lvl="1"/>
+            <a:r>
+              <a:rPr lang="hu-HU" sz="2000" dirty="0">
+                <a:solidFill>
+                  <a:schemeClr val="bg1"/>
+                </a:solidFill>
+                <a:latin typeface="Berlin Sans FB" panose="020E0602020502020306" pitchFamily="34" charset="0"/>
+              </a:rPr>
+              <a:t>Feljegyzések</a:t>
+            </a:r>
+          </a:p>
+          <a:p>
+            <a:pPr lvl="1"/>
+            <a:r>
+              <a:rPr lang="hu-HU" sz="2000" dirty="0">
+                <a:solidFill>
+                  <a:schemeClr val="bg1"/>
+                </a:solidFill>
+                <a:latin typeface="Berlin Sans FB" panose="020E0602020502020306" pitchFamily="34" charset="0"/>
+              </a:rPr>
+              <a:t>Szellem jegyek</a:t>
+            </a:r>
+          </a:p>
+          <a:p>
+            <a:pPr lvl="1"/>
+            <a:r>
+              <a:rPr lang="hu-HU" sz="2000" dirty="0">
+                <a:solidFill>
+                  <a:schemeClr val="bg1"/>
+                </a:solidFill>
+                <a:latin typeface="Berlin Sans FB" panose="020E0602020502020306" pitchFamily="34" charset="0"/>
+              </a:rPr>
+              <a:t>Egyéb infók</a:t>
+            </a:r>
+          </a:p>
+          <a:p>
+            <a:pPr lvl="1"/>
+            <a:endParaRPr lang="hu-HU" sz="2000" dirty="0">
+              <a:solidFill>
+                <a:schemeClr val="bg1"/>
+              </a:solidFill>
+            </a:endParaRPr>
+          </a:p>
+          <a:p>
+            <a:endParaRPr lang="hu-HU" sz="2000" dirty="0">
+              <a:solidFill>
+                <a:schemeClr val="bg1"/>
+              </a:solidFill>
+            </a:endParaRPr>
           </a:p>
         </p:txBody>
       </p:sp>
@@ -5551,8 +6369,8 @@
         </p:blipFill>
         <p:spPr>
           <a:xfrm>
-            <a:off x="470421" y="736219"/>
-            <a:ext cx="3217333" cy="2292349"/>
+            <a:off x="5809653" y="1087974"/>
+            <a:ext cx="2971800" cy="2117407"/>
           </a:xfrm>
           <a:prstGeom prst="rect">
             <a:avLst/>
@@ -5581,447 +6399,14 @@
         </p:blipFill>
         <p:spPr>
           <a:xfrm>
-            <a:off x="3809076" y="736219"/>
-            <a:ext cx="3217333" cy="2292349"/>
+            <a:off x="8974645" y="1087974"/>
+            <a:ext cx="2971800" cy="2117407"/>
           </a:xfrm>
           <a:prstGeom prst="rect">
             <a:avLst/>
           </a:prstGeom>
         </p:spPr>
       </p:pic>
-      <p:grpSp>
-        <p:nvGrpSpPr>
-          <p:cNvPr id="217" name="Graphic 38">
-            <a:extLst>
-              <a:ext uri="{FF2B5EF4-FFF2-40B4-BE49-F238E27FC236}">
-                <a16:creationId xmlns:a16="http://schemas.microsoft.com/office/drawing/2014/main" id="{1E8369D0-2C3B-4E27-AC6C-A246AC28CDA1}"/>
-              </a:ext>
-              <a:ext uri="{C183D7F6-B498-43B3-948B-1728B52AA6E4}">
-                <adec:decorative xmlns:adec="http://schemas.microsoft.com/office/drawing/2017/decorative" val="1"/>
-              </a:ext>
-            </a:extLst>
-          </p:cNvPr>
-          <p:cNvGrpSpPr>
-            <a:grpSpLocks noGrp="1" noUngrp="1" noRot="1" noChangeAspect="1" noMove="1" noResize="1"/>
-          </p:cNvGrpSpPr>
-          <p:nvPr>
-            <p:extLst>
-              <p:ext uri="{386F3935-93C4-4BCD-93E2-E3B085C9AB24}">
-                <p16:designElem xmlns:p16="http://schemas.microsoft.com/office/powerpoint/2015/main" val="1"/>
-              </p:ext>
-            </p:extLst>
-          </p:nvPr>
-        </p:nvGrpSpPr>
-        <p:grpSpPr>
-          <a:xfrm>
-            <a:off x="236918" y="3541604"/>
-            <a:ext cx="1910252" cy="709660"/>
-            <a:chOff x="2267504" y="2540250"/>
-            <a:chExt cx="1990951" cy="739640"/>
-          </a:xfrm>
-          <a:solidFill>
-            <a:schemeClr val="bg1"/>
-          </a:solidFill>
-        </p:grpSpPr>
-        <p:sp>
-          <p:nvSpPr>
-            <p:cNvPr id="17" name="Freeform: Shape 16">
-              <a:extLst>
-                <a:ext uri="{FF2B5EF4-FFF2-40B4-BE49-F238E27FC236}">
-                  <a16:creationId xmlns:a16="http://schemas.microsoft.com/office/drawing/2014/main" id="{A3D5586F-4573-4C57-9793-1EBFDC896340}"/>
-                </a:ext>
-                <a:ext uri="{C183D7F6-B498-43B3-948B-1728B52AA6E4}">
-                  <adec:decorative xmlns:adec="http://schemas.microsoft.com/office/drawing/2017/decorative" val="1"/>
-                </a:ext>
-              </a:extLst>
-            </p:cNvPr>
-            <p:cNvSpPr/>
-            <p:nvPr>
-              <p:extLst>
-                <p:ext uri="{386F3935-93C4-4BCD-93E2-E3B085C9AB24}">
-                  <p16:designElem xmlns:p16="http://schemas.microsoft.com/office/powerpoint/2015/main" val="1"/>
-                </p:ext>
-              </p:extLst>
-            </p:nvPr>
-          </p:nvSpPr>
-          <p:spPr>
-            <a:xfrm>
-              <a:off x="2267504" y="2540250"/>
-              <a:ext cx="1990951" cy="286230"/>
-            </a:xfrm>
-            <a:custGeom>
-              <a:avLst/>
-              <a:gdLst>
-                <a:gd name="connsiteX0" fmla="*/ 1489414 w 1990951"/>
-                <a:gd name="connsiteY0" fmla="*/ 286231 h 286230"/>
-                <a:gd name="connsiteX1" fmla="*/ 1243712 w 1990951"/>
-                <a:gd name="connsiteY1" fmla="*/ 40528 h 286230"/>
-                <a:gd name="connsiteX2" fmla="*/ 995476 w 1990951"/>
-                <a:gd name="connsiteY2" fmla="*/ 286231 h 286230"/>
-                <a:gd name="connsiteX3" fmla="*/ 749773 w 1990951"/>
-                <a:gd name="connsiteY3" fmla="*/ 40528 h 286230"/>
-                <a:gd name="connsiteX4" fmla="*/ 504071 w 1990951"/>
-                <a:gd name="connsiteY4" fmla="*/ 286231 h 286230"/>
-                <a:gd name="connsiteX5" fmla="*/ 255835 w 1990951"/>
-                <a:gd name="connsiteY5" fmla="*/ 40528 h 286230"/>
-                <a:gd name="connsiteX6" fmla="*/ 20264 w 1990951"/>
-                <a:gd name="connsiteY6" fmla="*/ 276099 h 286230"/>
-                <a:gd name="connsiteX7" fmla="*/ 0 w 1990951"/>
-                <a:gd name="connsiteY7" fmla="*/ 255835 h 286230"/>
-                <a:gd name="connsiteX8" fmla="*/ 255835 w 1990951"/>
-                <a:gd name="connsiteY8" fmla="*/ 0 h 286230"/>
-                <a:gd name="connsiteX9" fmla="*/ 504071 w 1990951"/>
-                <a:gd name="connsiteY9" fmla="*/ 245703 h 286230"/>
-                <a:gd name="connsiteX10" fmla="*/ 749773 w 1990951"/>
-                <a:gd name="connsiteY10" fmla="*/ 0 h 286230"/>
-                <a:gd name="connsiteX11" fmla="*/ 995476 w 1990951"/>
-                <a:gd name="connsiteY11" fmla="*/ 245703 h 286230"/>
-                <a:gd name="connsiteX12" fmla="*/ 1243712 w 1990951"/>
-                <a:gd name="connsiteY12" fmla="*/ 0 h 286230"/>
-                <a:gd name="connsiteX13" fmla="*/ 1489414 w 1990951"/>
-                <a:gd name="connsiteY13" fmla="*/ 245703 h 286230"/>
-                <a:gd name="connsiteX14" fmla="*/ 1735117 w 1990951"/>
-                <a:gd name="connsiteY14" fmla="*/ 0 h 286230"/>
-                <a:gd name="connsiteX15" fmla="*/ 1990952 w 1990951"/>
-                <a:gd name="connsiteY15" fmla="*/ 255835 h 286230"/>
-                <a:gd name="connsiteX16" fmla="*/ 1973221 w 1990951"/>
-                <a:gd name="connsiteY16" fmla="*/ 276099 h 286230"/>
-                <a:gd name="connsiteX17" fmla="*/ 1735117 w 1990951"/>
-                <a:gd name="connsiteY17" fmla="*/ 40528 h 286230"/>
-              </a:gdLst>
-              <a:ahLst/>
-              <a:cxnLst>
-                <a:cxn ang="0">
-                  <a:pos x="connsiteX0" y="connsiteY0"/>
-                </a:cxn>
-                <a:cxn ang="0">
-                  <a:pos x="connsiteX1" y="connsiteY1"/>
-                </a:cxn>
-                <a:cxn ang="0">
-                  <a:pos x="connsiteX2" y="connsiteY2"/>
-                </a:cxn>
-                <a:cxn ang="0">
-                  <a:pos x="connsiteX3" y="connsiteY3"/>
-                </a:cxn>
-                <a:cxn ang="0">
-                  <a:pos x="connsiteX4" y="connsiteY4"/>
-                </a:cxn>
-                <a:cxn ang="0">
-                  <a:pos x="connsiteX5" y="connsiteY5"/>
-                </a:cxn>
-                <a:cxn ang="0">
-                  <a:pos x="connsiteX6" y="connsiteY6"/>
-                </a:cxn>
-                <a:cxn ang="0">
-                  <a:pos x="connsiteX7" y="connsiteY7"/>
-                </a:cxn>
-                <a:cxn ang="0">
-                  <a:pos x="connsiteX8" y="connsiteY8"/>
-                </a:cxn>
-                <a:cxn ang="0">
-                  <a:pos x="connsiteX9" y="connsiteY9"/>
-                </a:cxn>
-                <a:cxn ang="0">
-                  <a:pos x="connsiteX10" y="connsiteY10"/>
-                </a:cxn>
-                <a:cxn ang="0">
-                  <a:pos x="connsiteX11" y="connsiteY11"/>
-                </a:cxn>
-                <a:cxn ang="0">
-                  <a:pos x="connsiteX12" y="connsiteY12"/>
-                </a:cxn>
-                <a:cxn ang="0">
-                  <a:pos x="connsiteX13" y="connsiteY13"/>
-                </a:cxn>
-                <a:cxn ang="0">
-                  <a:pos x="connsiteX14" y="connsiteY14"/>
-                </a:cxn>
-                <a:cxn ang="0">
-                  <a:pos x="connsiteX15" y="connsiteY15"/>
-                </a:cxn>
-                <a:cxn ang="0">
-                  <a:pos x="connsiteX16" y="connsiteY16"/>
-                </a:cxn>
-                <a:cxn ang="0">
-                  <a:pos x="connsiteX17" y="connsiteY17"/>
-                </a:cxn>
-              </a:cxnLst>
-              <a:rect l="l" t="t" r="r" b="b"/>
-              <a:pathLst>
-                <a:path w="1990951" h="286230">
-                  <a:moveTo>
-                    <a:pt x="1489414" y="286231"/>
-                  </a:moveTo>
-                  <a:lnTo>
-                    <a:pt x="1243712" y="40528"/>
-                  </a:lnTo>
-                  <a:lnTo>
-                    <a:pt x="995476" y="286231"/>
-                  </a:lnTo>
-                  <a:lnTo>
-                    <a:pt x="749773" y="40528"/>
-                  </a:lnTo>
-                  <a:lnTo>
-                    <a:pt x="504071" y="286231"/>
-                  </a:lnTo>
-                  <a:lnTo>
-                    <a:pt x="255835" y="40528"/>
-                  </a:lnTo>
-                  <a:lnTo>
-                    <a:pt x="20264" y="276099"/>
-                  </a:lnTo>
-                  <a:lnTo>
-                    <a:pt x="0" y="255835"/>
-                  </a:lnTo>
-                  <a:lnTo>
-                    <a:pt x="255835" y="0"/>
-                  </a:lnTo>
-                  <a:lnTo>
-                    <a:pt x="504071" y="245703"/>
-                  </a:lnTo>
-                  <a:lnTo>
-                    <a:pt x="749773" y="0"/>
-                  </a:lnTo>
-                  <a:lnTo>
-                    <a:pt x="995476" y="245703"/>
-                  </a:lnTo>
-                  <a:lnTo>
-                    <a:pt x="1243712" y="0"/>
-                  </a:lnTo>
-                  <a:lnTo>
-                    <a:pt x="1489414" y="245703"/>
-                  </a:lnTo>
-                  <a:lnTo>
-                    <a:pt x="1735117" y="0"/>
-                  </a:lnTo>
-                  <a:lnTo>
-                    <a:pt x="1990952" y="255835"/>
-                  </a:lnTo>
-                  <a:lnTo>
-                    <a:pt x="1973221" y="276099"/>
-                  </a:lnTo>
-                  <a:lnTo>
-                    <a:pt x="1735117" y="40528"/>
-                  </a:lnTo>
-                  <a:close/>
-                </a:path>
-              </a:pathLst>
-            </a:custGeom>
-            <a:grpFill/>
-            <a:ln w="25320" cap="flat">
-              <a:noFill/>
-              <a:prstDash val="solid"/>
-              <a:miter/>
-            </a:ln>
-          </p:spPr>
-          <p:txBody>
-            <a:bodyPr rtlCol="0" anchor="ctr"/>
-            <a:lstStyle/>
-            <a:p>
-              <a:endParaRPr lang="en-US" dirty="0"/>
-            </a:p>
-          </p:txBody>
-        </p:sp>
-        <p:sp>
-          <p:nvSpPr>
-            <p:cNvPr id="218" name="Freeform: Shape 17">
-              <a:extLst>
-                <a:ext uri="{FF2B5EF4-FFF2-40B4-BE49-F238E27FC236}">
-                  <a16:creationId xmlns:a16="http://schemas.microsoft.com/office/drawing/2014/main" id="{5EED35EF-93A0-4921-941C-ECC67AE2A4D2}"/>
-                </a:ext>
-                <a:ext uri="{C183D7F6-B498-43B3-948B-1728B52AA6E4}">
-                  <adec:decorative xmlns:adec="http://schemas.microsoft.com/office/drawing/2017/decorative" val="1"/>
-                </a:ext>
-              </a:extLst>
-            </p:cNvPr>
-            <p:cNvSpPr/>
-            <p:nvPr>
-              <p:extLst>
-                <p:ext uri="{386F3935-93C4-4BCD-93E2-E3B085C9AB24}">
-                  <p16:designElem xmlns:p16="http://schemas.microsoft.com/office/powerpoint/2015/main" val="1"/>
-                </p:ext>
-              </p:extLst>
-            </p:nvPr>
-          </p:nvSpPr>
-          <p:spPr>
-            <a:xfrm>
-              <a:off x="2267504" y="2993660"/>
-              <a:ext cx="1990951" cy="286230"/>
-            </a:xfrm>
-            <a:custGeom>
-              <a:avLst/>
-              <a:gdLst>
-                <a:gd name="connsiteX0" fmla="*/ 1489414 w 1990951"/>
-                <a:gd name="connsiteY0" fmla="*/ 286231 h 286230"/>
-                <a:gd name="connsiteX1" fmla="*/ 1243712 w 1990951"/>
-                <a:gd name="connsiteY1" fmla="*/ 40528 h 286230"/>
-                <a:gd name="connsiteX2" fmla="*/ 995476 w 1990951"/>
-                <a:gd name="connsiteY2" fmla="*/ 286231 h 286230"/>
-                <a:gd name="connsiteX3" fmla="*/ 749773 w 1990951"/>
-                <a:gd name="connsiteY3" fmla="*/ 40528 h 286230"/>
-                <a:gd name="connsiteX4" fmla="*/ 504071 w 1990951"/>
-                <a:gd name="connsiteY4" fmla="*/ 286231 h 286230"/>
-                <a:gd name="connsiteX5" fmla="*/ 255835 w 1990951"/>
-                <a:gd name="connsiteY5" fmla="*/ 40528 h 286230"/>
-                <a:gd name="connsiteX6" fmla="*/ 20264 w 1990951"/>
-                <a:gd name="connsiteY6" fmla="*/ 276099 h 286230"/>
-                <a:gd name="connsiteX7" fmla="*/ 0 w 1990951"/>
-                <a:gd name="connsiteY7" fmla="*/ 258368 h 286230"/>
-                <a:gd name="connsiteX8" fmla="*/ 255835 w 1990951"/>
-                <a:gd name="connsiteY8" fmla="*/ 0 h 286230"/>
-                <a:gd name="connsiteX9" fmla="*/ 504071 w 1990951"/>
-                <a:gd name="connsiteY9" fmla="*/ 248236 h 286230"/>
-                <a:gd name="connsiteX10" fmla="*/ 749773 w 1990951"/>
-                <a:gd name="connsiteY10" fmla="*/ 0 h 286230"/>
-                <a:gd name="connsiteX11" fmla="*/ 995476 w 1990951"/>
-                <a:gd name="connsiteY11" fmla="*/ 248236 h 286230"/>
-                <a:gd name="connsiteX12" fmla="*/ 1243712 w 1990951"/>
-                <a:gd name="connsiteY12" fmla="*/ 0 h 286230"/>
-                <a:gd name="connsiteX13" fmla="*/ 1489414 w 1990951"/>
-                <a:gd name="connsiteY13" fmla="*/ 248236 h 286230"/>
-                <a:gd name="connsiteX14" fmla="*/ 1735117 w 1990951"/>
-                <a:gd name="connsiteY14" fmla="*/ 0 h 286230"/>
-                <a:gd name="connsiteX15" fmla="*/ 1990952 w 1990951"/>
-                <a:gd name="connsiteY15" fmla="*/ 258368 h 286230"/>
-                <a:gd name="connsiteX16" fmla="*/ 1973221 w 1990951"/>
-                <a:gd name="connsiteY16" fmla="*/ 276099 h 286230"/>
-                <a:gd name="connsiteX17" fmla="*/ 1735117 w 1990951"/>
-                <a:gd name="connsiteY17" fmla="*/ 40528 h 286230"/>
-              </a:gdLst>
-              <a:ahLst/>
-              <a:cxnLst>
-                <a:cxn ang="0">
-                  <a:pos x="connsiteX0" y="connsiteY0"/>
-                </a:cxn>
-                <a:cxn ang="0">
-                  <a:pos x="connsiteX1" y="connsiteY1"/>
-                </a:cxn>
-                <a:cxn ang="0">
-                  <a:pos x="connsiteX2" y="connsiteY2"/>
-                </a:cxn>
-                <a:cxn ang="0">
-                  <a:pos x="connsiteX3" y="connsiteY3"/>
-                </a:cxn>
-                <a:cxn ang="0">
-                  <a:pos x="connsiteX4" y="connsiteY4"/>
-                </a:cxn>
-                <a:cxn ang="0">
-                  <a:pos x="connsiteX5" y="connsiteY5"/>
-                </a:cxn>
-                <a:cxn ang="0">
-                  <a:pos x="connsiteX6" y="connsiteY6"/>
-                </a:cxn>
-                <a:cxn ang="0">
-                  <a:pos x="connsiteX7" y="connsiteY7"/>
-                </a:cxn>
-                <a:cxn ang="0">
-                  <a:pos x="connsiteX8" y="connsiteY8"/>
-                </a:cxn>
-                <a:cxn ang="0">
-                  <a:pos x="connsiteX9" y="connsiteY9"/>
-                </a:cxn>
-                <a:cxn ang="0">
-                  <a:pos x="connsiteX10" y="connsiteY10"/>
-                </a:cxn>
-                <a:cxn ang="0">
-                  <a:pos x="connsiteX11" y="connsiteY11"/>
-                </a:cxn>
-                <a:cxn ang="0">
-                  <a:pos x="connsiteX12" y="connsiteY12"/>
-                </a:cxn>
-                <a:cxn ang="0">
-                  <a:pos x="connsiteX13" y="connsiteY13"/>
-                </a:cxn>
-                <a:cxn ang="0">
-                  <a:pos x="connsiteX14" y="connsiteY14"/>
-                </a:cxn>
-                <a:cxn ang="0">
-                  <a:pos x="connsiteX15" y="connsiteY15"/>
-                </a:cxn>
-                <a:cxn ang="0">
-                  <a:pos x="connsiteX16" y="connsiteY16"/>
-                </a:cxn>
-                <a:cxn ang="0">
-                  <a:pos x="connsiteX17" y="connsiteY17"/>
-                </a:cxn>
-              </a:cxnLst>
-              <a:rect l="l" t="t" r="r" b="b"/>
-              <a:pathLst>
-                <a:path w="1990951" h="286230">
-                  <a:moveTo>
-                    <a:pt x="1489414" y="286231"/>
-                  </a:moveTo>
-                  <a:lnTo>
-                    <a:pt x="1243712" y="40528"/>
-                  </a:lnTo>
-                  <a:lnTo>
-                    <a:pt x="995476" y="286231"/>
-                  </a:lnTo>
-                  <a:lnTo>
-                    <a:pt x="749773" y="40528"/>
-                  </a:lnTo>
-                  <a:lnTo>
-                    <a:pt x="504071" y="286231"/>
-                  </a:lnTo>
-                  <a:lnTo>
-                    <a:pt x="255835" y="40528"/>
-                  </a:lnTo>
-                  <a:lnTo>
-                    <a:pt x="20264" y="276099"/>
-                  </a:lnTo>
-                  <a:lnTo>
-                    <a:pt x="0" y="258368"/>
-                  </a:lnTo>
-                  <a:lnTo>
-                    <a:pt x="255835" y="0"/>
-                  </a:lnTo>
-                  <a:lnTo>
-                    <a:pt x="504071" y="248236"/>
-                  </a:lnTo>
-                  <a:lnTo>
-                    <a:pt x="749773" y="0"/>
-                  </a:lnTo>
-                  <a:lnTo>
-                    <a:pt x="995476" y="248236"/>
-                  </a:lnTo>
-                  <a:lnTo>
-                    <a:pt x="1243712" y="0"/>
-                  </a:lnTo>
-                  <a:lnTo>
-                    <a:pt x="1489414" y="248236"/>
-                  </a:lnTo>
-                  <a:lnTo>
-                    <a:pt x="1735117" y="0"/>
-                  </a:lnTo>
-                  <a:lnTo>
-                    <a:pt x="1990952" y="258368"/>
-                  </a:lnTo>
-                  <a:lnTo>
-                    <a:pt x="1973221" y="276099"/>
-                  </a:lnTo>
-                  <a:lnTo>
-                    <a:pt x="1735117" y="40528"/>
-                  </a:lnTo>
-                  <a:close/>
-                </a:path>
-              </a:pathLst>
-            </a:custGeom>
-            <a:grpFill/>
-            <a:ln w="25320" cap="flat">
-              <a:noFill/>
-              <a:prstDash val="solid"/>
-              <a:miter/>
-            </a:ln>
-          </p:spPr>
-          <p:txBody>
-            <a:bodyPr rtlCol="0" anchor="ctr"/>
-            <a:lstStyle/>
-            <a:p>
-              <a:endParaRPr lang="en-US"/>
-            </a:p>
-          </p:txBody>
-        </p:sp>
-      </p:grpSp>
       <p:pic>
         <p:nvPicPr>
           <p:cNvPr id="9" name="Kép 8">
@@ -6044,29 +6429,59 @@
         </p:blipFill>
         <p:spPr>
           <a:xfrm>
-            <a:off x="2193320" y="3541604"/>
-            <a:ext cx="3217333" cy="2284306"/>
+            <a:off x="5809653" y="3411753"/>
+            <a:ext cx="2971800" cy="2109978"/>
           </a:xfrm>
           <a:prstGeom prst="rect">
             <a:avLst/>
           </a:prstGeom>
         </p:spPr>
       </p:pic>
-      <p:sp>
-        <p:nvSpPr>
-          <p:cNvPr id="219" name="Graphic 212">
-            <a:extLst>
-              <a:ext uri="{FF2B5EF4-FFF2-40B4-BE49-F238E27FC236}">
-                <a16:creationId xmlns:a16="http://schemas.microsoft.com/office/drawing/2014/main" id="{E7C065BD-BDC2-4800-908F-25C30F042B69}"/>
+      <p:pic>
+        <p:nvPicPr>
+          <p:cNvPr id="6" name="Kép 5">
+            <a:extLst>
+              <a:ext uri="{FF2B5EF4-FFF2-40B4-BE49-F238E27FC236}">
+                <a16:creationId xmlns:a16="http://schemas.microsoft.com/office/drawing/2014/main" id="{36C64069-2FC1-8C1B-AE44-8B9DF7E02D30}"/>
+              </a:ext>
+            </a:extLst>
+          </p:cNvPr>
+          <p:cNvPicPr>
+            <a:picLocks noChangeAspect="1"/>
+          </p:cNvPicPr>
+          <p:nvPr/>
+        </p:nvPicPr>
+        <p:blipFill>
+          <a:blip r:embed="rId5"/>
+          <a:stretch>
+            <a:fillRect/>
+          </a:stretch>
+        </p:blipFill>
+        <p:spPr>
+          <a:xfrm>
+            <a:off x="8974645" y="3411753"/>
+            <a:ext cx="2971800" cy="1686496"/>
+          </a:xfrm>
+          <a:prstGeom prst="rect">
+            <a:avLst/>
+          </a:prstGeom>
+        </p:spPr>
+      </p:pic>
+      <p:cxnSp>
+        <p:nvCxnSpPr>
+          <p:cNvPr id="228" name="Straight Connector 227">
+            <a:extLst>
+              <a:ext uri="{FF2B5EF4-FFF2-40B4-BE49-F238E27FC236}">
+                <a16:creationId xmlns:a16="http://schemas.microsoft.com/office/drawing/2014/main" id="{B7188D9B-1674-419B-A379-D1632A7EC3A2}"/>
               </a:ext>
               <a:ext uri="{C183D7F6-B498-43B3-948B-1728B52AA6E4}">
                 <adec:decorative xmlns:adec="http://schemas.microsoft.com/office/drawing/2017/decorative" val="1"/>
               </a:ext>
             </a:extLst>
           </p:cNvPr>
-          <p:cNvSpPr>
-            <a:spLocks noGrp="1" noRot="1" noChangeAspect="1" noMove="1" noResize="1" noEditPoints="1" noAdjustHandles="1" noChangeArrowheads="1" noChangeShapeType="1" noTextEdit="1"/>
-          </p:cNvSpPr>
+          <p:cNvCxnSpPr>
+            <a:cxnSpLocks noGrp="1" noRot="1" noChangeAspect="1" noMove="1" noResize="1" noEditPoints="1" noAdjustHandles="1" noChangeArrowheads="1" noChangeShapeType="1"/>
+          </p:cNvCxnSpPr>
           <p:nvPr>
             <p:extLst>
               <p:ext uri="{386F3935-93C4-4BCD-93E2-E3B085C9AB24}">
@@ -6074,487 +6489,36 @@
               </p:ext>
             </p:extLst>
           </p:nvPr>
-        </p:nvSpPr>
+        </p:nvCxnSpPr>
         <p:spPr>
           <a:xfrm>
-            <a:off x="5456803" y="4091012"/>
-            <a:ext cx="869294" cy="869294"/>
+            <a:off x="11829053" y="0"/>
+            <a:ext cx="0" cy="6858000"/>
           </a:xfrm>
-          <a:custGeom>
+          <a:prstGeom prst="line">
             <a:avLst/>
-            <a:gdLst>
-              <a:gd name="connsiteX0" fmla="*/ 403574 w 807148"/>
-              <a:gd name="connsiteY0" fmla="*/ 0 h 807148"/>
-              <a:gd name="connsiteX1" fmla="*/ 0 w 807148"/>
-              <a:gd name="connsiteY1" fmla="*/ 403574 h 807148"/>
-              <a:gd name="connsiteX2" fmla="*/ 403574 w 807148"/>
-              <a:gd name="connsiteY2" fmla="*/ 807149 h 807148"/>
-              <a:gd name="connsiteX3" fmla="*/ 807149 w 807148"/>
-              <a:gd name="connsiteY3" fmla="*/ 403574 h 807148"/>
-              <a:gd name="connsiteX4" fmla="*/ 403574 w 807148"/>
-              <a:gd name="connsiteY4" fmla="*/ 0 h 807148"/>
-              <a:gd name="connsiteX5" fmla="*/ 403574 w 807148"/>
-              <a:gd name="connsiteY5" fmla="*/ 667988 h 807148"/>
-              <a:gd name="connsiteX6" fmla="*/ 139160 w 807148"/>
-              <a:gd name="connsiteY6" fmla="*/ 403574 h 807148"/>
-              <a:gd name="connsiteX7" fmla="*/ 403574 w 807148"/>
-              <a:gd name="connsiteY7" fmla="*/ 139160 h 807148"/>
-              <a:gd name="connsiteX8" fmla="*/ 667988 w 807148"/>
-              <a:gd name="connsiteY8" fmla="*/ 403574 h 807148"/>
-              <a:gd name="connsiteX9" fmla="*/ 403574 w 807148"/>
-              <a:gd name="connsiteY9" fmla="*/ 667988 h 807148"/>
-            </a:gdLst>
-            <a:ahLst/>
-            <a:cxnLst>
-              <a:cxn ang="0">
-                <a:pos x="connsiteX0" y="connsiteY0"/>
-              </a:cxn>
-              <a:cxn ang="0">
-                <a:pos x="connsiteX1" y="connsiteY1"/>
-              </a:cxn>
-              <a:cxn ang="0">
-                <a:pos x="connsiteX2" y="connsiteY2"/>
-              </a:cxn>
-              <a:cxn ang="0">
-                <a:pos x="connsiteX3" y="connsiteY3"/>
-              </a:cxn>
-              <a:cxn ang="0">
-                <a:pos x="connsiteX4" y="connsiteY4"/>
-              </a:cxn>
-              <a:cxn ang="0">
-                <a:pos x="connsiteX5" y="connsiteY5"/>
-              </a:cxn>
-              <a:cxn ang="0">
-                <a:pos x="connsiteX6" y="connsiteY6"/>
-              </a:cxn>
-              <a:cxn ang="0">
-                <a:pos x="connsiteX7" y="connsiteY7"/>
-              </a:cxn>
-              <a:cxn ang="0">
-                <a:pos x="connsiteX8" y="connsiteY8"/>
-              </a:cxn>
-              <a:cxn ang="0">
-                <a:pos x="connsiteX9" y="connsiteY9"/>
-              </a:cxn>
-            </a:cxnLst>
-            <a:rect l="l" t="t" r="r" b="b"/>
-            <a:pathLst>
-              <a:path w="807148" h="807148">
-                <a:moveTo>
-                  <a:pt x="403574" y="0"/>
-                </a:moveTo>
-                <a:cubicBezTo>
-                  <a:pt x="180689" y="0"/>
-                  <a:pt x="0" y="180689"/>
-                  <a:pt x="0" y="403574"/>
-                </a:cubicBezTo>
-                <a:cubicBezTo>
-                  <a:pt x="0" y="626459"/>
-                  <a:pt x="180689" y="807149"/>
-                  <a:pt x="403574" y="807149"/>
-                </a:cubicBezTo>
-                <a:cubicBezTo>
-                  <a:pt x="626459" y="807149"/>
-                  <a:pt x="807149" y="626459"/>
-                  <a:pt x="807149" y="403574"/>
-                </a:cubicBezTo>
-                <a:cubicBezTo>
-                  <a:pt x="807149" y="180689"/>
-                  <a:pt x="626459" y="0"/>
-                  <a:pt x="403574" y="0"/>
-                </a:cubicBezTo>
-                <a:close/>
-                <a:moveTo>
-                  <a:pt x="403574" y="667988"/>
-                </a:moveTo>
-                <a:cubicBezTo>
-                  <a:pt x="257556" y="667988"/>
-                  <a:pt x="139160" y="549593"/>
-                  <a:pt x="139160" y="403574"/>
-                </a:cubicBezTo>
-                <a:cubicBezTo>
-                  <a:pt x="139160" y="257556"/>
-                  <a:pt x="257556" y="139160"/>
-                  <a:pt x="403574" y="139160"/>
-                </a:cubicBezTo>
-                <a:cubicBezTo>
-                  <a:pt x="549593" y="139160"/>
-                  <a:pt x="667988" y="257556"/>
-                  <a:pt x="667988" y="403574"/>
-                </a:cubicBezTo>
-                <a:cubicBezTo>
-                  <a:pt x="667988" y="549593"/>
-                  <a:pt x="549593" y="667988"/>
-                  <a:pt x="403574" y="667988"/>
-                </a:cubicBezTo>
-                <a:close/>
-              </a:path>
-            </a:pathLst>
-          </a:custGeom>
-          <a:solidFill>
-            <a:srgbClr val="FFFFFF"/>
-          </a:solidFill>
-          <a:ln w="28575">
+          </a:prstGeom>
+          <a:ln w="12700">
             <a:solidFill>
-              <a:srgbClr val="FFFFFF"/>
+              <a:schemeClr val="accent2"/>
             </a:solidFill>
           </a:ln>
         </p:spPr>
         <p:style>
-          <a:lnRef idx="2">
-            <a:schemeClr val="accent1">
-              <a:shade val="50000"/>
-            </a:schemeClr>
+          <a:lnRef idx="1">
+            <a:schemeClr val="accent1"/>
           </a:lnRef>
-          <a:fillRef idx="1">
+          <a:fillRef idx="0">
             <a:schemeClr val="accent1"/>
           </a:fillRef>
           <a:effectRef idx="0">
             <a:schemeClr val="accent1"/>
           </a:effectRef>
           <a:fontRef idx="minor">
-            <a:schemeClr val="lt1"/>
+            <a:schemeClr val="tx1"/>
           </a:fontRef>
         </p:style>
-        <p:txBody>
-          <a:bodyPr rot="0" spcFirstLastPara="0" vertOverflow="overflow" horzOverflow="overflow" vert="horz" wrap="square" lIns="91440" tIns="45720" rIns="91440" bIns="45720" numCol="1" spcCol="0" rtlCol="0" fromWordArt="0" anchor="ctr" anchorCtr="0" forceAA="0" compatLnSpc="1">
-            <a:prstTxWarp prst="textNoShape">
-              <a:avLst/>
-            </a:prstTxWarp>
-            <a:noAutofit/>
-          </a:bodyPr>
-          <a:lstStyle/>
-          <a:p>
-            <a:pPr algn="ctr"/>
-            <a:endParaRPr lang="en-US" dirty="0">
-              <a:solidFill>
-                <a:schemeClr val="lt1"/>
-              </a:solidFill>
-            </a:endParaRPr>
-          </a:p>
-        </p:txBody>
-      </p:sp>
-      <p:sp>
-        <p:nvSpPr>
-          <p:cNvPr id="22" name="Graphic 212">
-            <a:extLst>
-              <a:ext uri="{FF2B5EF4-FFF2-40B4-BE49-F238E27FC236}">
-                <a16:creationId xmlns:a16="http://schemas.microsoft.com/office/drawing/2014/main" id="{612A1BC7-2F25-41BC-A0DC-8680CE996B74}"/>
-              </a:ext>
-              <a:ext uri="{C183D7F6-B498-43B3-948B-1728B52AA6E4}">
-                <adec:decorative xmlns:adec="http://schemas.microsoft.com/office/drawing/2017/decorative" val="1"/>
-              </a:ext>
-            </a:extLst>
-          </p:cNvPr>
-          <p:cNvSpPr>
-            <a:spLocks noGrp="1" noRot="1" noChangeAspect="1" noMove="1" noResize="1" noEditPoints="1" noAdjustHandles="1" noChangeArrowheads="1" noChangeShapeType="1" noTextEdit="1"/>
-          </p:cNvSpPr>
-          <p:nvPr>
-            <p:extLst>
-              <p:ext uri="{386F3935-93C4-4BCD-93E2-E3B085C9AB24}">
-                <p16:designElem xmlns:p16="http://schemas.microsoft.com/office/powerpoint/2015/main" val="1"/>
-              </p:ext>
-            </p:extLst>
-          </p:nvPr>
-        </p:nvSpPr>
-        <p:spPr>
-          <a:xfrm>
-            <a:off x="5456803" y="4091012"/>
-            <a:ext cx="869294" cy="869294"/>
-          </a:xfrm>
-          <a:custGeom>
-            <a:avLst/>
-            <a:gdLst>
-              <a:gd name="connsiteX0" fmla="*/ 403574 w 807148"/>
-              <a:gd name="connsiteY0" fmla="*/ 0 h 807148"/>
-              <a:gd name="connsiteX1" fmla="*/ 0 w 807148"/>
-              <a:gd name="connsiteY1" fmla="*/ 403574 h 807148"/>
-              <a:gd name="connsiteX2" fmla="*/ 403574 w 807148"/>
-              <a:gd name="connsiteY2" fmla="*/ 807149 h 807148"/>
-              <a:gd name="connsiteX3" fmla="*/ 807149 w 807148"/>
-              <a:gd name="connsiteY3" fmla="*/ 403574 h 807148"/>
-              <a:gd name="connsiteX4" fmla="*/ 403574 w 807148"/>
-              <a:gd name="connsiteY4" fmla="*/ 0 h 807148"/>
-              <a:gd name="connsiteX5" fmla="*/ 403574 w 807148"/>
-              <a:gd name="connsiteY5" fmla="*/ 667988 h 807148"/>
-              <a:gd name="connsiteX6" fmla="*/ 139160 w 807148"/>
-              <a:gd name="connsiteY6" fmla="*/ 403574 h 807148"/>
-              <a:gd name="connsiteX7" fmla="*/ 403574 w 807148"/>
-              <a:gd name="connsiteY7" fmla="*/ 139160 h 807148"/>
-              <a:gd name="connsiteX8" fmla="*/ 667988 w 807148"/>
-              <a:gd name="connsiteY8" fmla="*/ 403574 h 807148"/>
-              <a:gd name="connsiteX9" fmla="*/ 403574 w 807148"/>
-              <a:gd name="connsiteY9" fmla="*/ 667988 h 807148"/>
-            </a:gdLst>
-            <a:ahLst/>
-            <a:cxnLst>
-              <a:cxn ang="0">
-                <a:pos x="connsiteX0" y="connsiteY0"/>
-              </a:cxn>
-              <a:cxn ang="0">
-                <a:pos x="connsiteX1" y="connsiteY1"/>
-              </a:cxn>
-              <a:cxn ang="0">
-                <a:pos x="connsiteX2" y="connsiteY2"/>
-              </a:cxn>
-              <a:cxn ang="0">
-                <a:pos x="connsiteX3" y="connsiteY3"/>
-              </a:cxn>
-              <a:cxn ang="0">
-                <a:pos x="connsiteX4" y="connsiteY4"/>
-              </a:cxn>
-              <a:cxn ang="0">
-                <a:pos x="connsiteX5" y="connsiteY5"/>
-              </a:cxn>
-              <a:cxn ang="0">
-                <a:pos x="connsiteX6" y="connsiteY6"/>
-              </a:cxn>
-              <a:cxn ang="0">
-                <a:pos x="connsiteX7" y="connsiteY7"/>
-              </a:cxn>
-              <a:cxn ang="0">
-                <a:pos x="connsiteX8" y="connsiteY8"/>
-              </a:cxn>
-              <a:cxn ang="0">
-                <a:pos x="connsiteX9" y="connsiteY9"/>
-              </a:cxn>
-            </a:cxnLst>
-            <a:rect l="l" t="t" r="r" b="b"/>
-            <a:pathLst>
-              <a:path w="807148" h="807148">
-                <a:moveTo>
-                  <a:pt x="403574" y="0"/>
-                </a:moveTo>
-                <a:cubicBezTo>
-                  <a:pt x="180689" y="0"/>
-                  <a:pt x="0" y="180689"/>
-                  <a:pt x="0" y="403574"/>
-                </a:cubicBezTo>
-                <a:cubicBezTo>
-                  <a:pt x="0" y="626459"/>
-                  <a:pt x="180689" y="807149"/>
-                  <a:pt x="403574" y="807149"/>
-                </a:cubicBezTo>
-                <a:cubicBezTo>
-                  <a:pt x="626459" y="807149"/>
-                  <a:pt x="807149" y="626459"/>
-                  <a:pt x="807149" y="403574"/>
-                </a:cubicBezTo>
-                <a:cubicBezTo>
-                  <a:pt x="807149" y="180689"/>
-                  <a:pt x="626459" y="0"/>
-                  <a:pt x="403574" y="0"/>
-                </a:cubicBezTo>
-                <a:close/>
-                <a:moveTo>
-                  <a:pt x="403574" y="667988"/>
-                </a:moveTo>
-                <a:cubicBezTo>
-                  <a:pt x="257556" y="667988"/>
-                  <a:pt x="139160" y="549593"/>
-                  <a:pt x="139160" y="403574"/>
-                </a:cubicBezTo>
-                <a:cubicBezTo>
-                  <a:pt x="139160" y="257556"/>
-                  <a:pt x="257556" y="139160"/>
-                  <a:pt x="403574" y="139160"/>
-                </a:cubicBezTo>
-                <a:cubicBezTo>
-                  <a:pt x="549593" y="139160"/>
-                  <a:pt x="667988" y="257556"/>
-                  <a:pt x="667988" y="403574"/>
-                </a:cubicBezTo>
-                <a:cubicBezTo>
-                  <a:pt x="667988" y="549593"/>
-                  <a:pt x="549593" y="667988"/>
-                  <a:pt x="403574" y="667988"/>
-                </a:cubicBezTo>
-                <a:close/>
-              </a:path>
-            </a:pathLst>
-          </a:custGeom>
-          <a:solidFill>
-            <a:schemeClr val="accent6">
-              <a:alpha val="30000"/>
-            </a:schemeClr>
-          </a:solidFill>
-          <a:ln w="28575">
-            <a:solidFill>
-              <a:schemeClr val="bg1"/>
-            </a:solidFill>
-          </a:ln>
-        </p:spPr>
-        <p:style>
-          <a:lnRef idx="2">
-            <a:schemeClr val="accent1">
-              <a:shade val="50000"/>
-            </a:schemeClr>
-          </a:lnRef>
-          <a:fillRef idx="1">
-            <a:schemeClr val="accent1"/>
-          </a:fillRef>
-          <a:effectRef idx="0">
-            <a:schemeClr val="accent1"/>
-          </a:effectRef>
-          <a:fontRef idx="minor">
-            <a:schemeClr val="lt1"/>
-          </a:fontRef>
-        </p:style>
-        <p:txBody>
-          <a:bodyPr rot="0" spcFirstLastPara="0" vertOverflow="overflow" horzOverflow="overflow" vert="horz" wrap="square" lIns="91440" tIns="45720" rIns="91440" bIns="45720" numCol="1" spcCol="0" rtlCol="0" fromWordArt="0" anchor="ctr" anchorCtr="0" forceAA="0" compatLnSpc="1">
-            <a:prstTxWarp prst="textNoShape">
-              <a:avLst/>
-            </a:prstTxWarp>
-            <a:noAutofit/>
-          </a:bodyPr>
-          <a:lstStyle/>
-          <a:p>
-            <a:pPr algn="ctr"/>
-            <a:endParaRPr lang="en-US" dirty="0">
-              <a:solidFill>
-                <a:schemeClr val="lt1"/>
-              </a:solidFill>
-            </a:endParaRPr>
-          </a:p>
-        </p:txBody>
-      </p:sp>
-      <p:sp>
-        <p:nvSpPr>
-          <p:cNvPr id="3" name="Tartalom helye 2">
-            <a:extLst>
-              <a:ext uri="{FF2B5EF4-FFF2-40B4-BE49-F238E27FC236}">
-                <a16:creationId xmlns:a16="http://schemas.microsoft.com/office/drawing/2014/main" id="{0F5B227C-D550-1A94-2AED-178B382F32A4}"/>
-              </a:ext>
-            </a:extLst>
-          </p:cNvPr>
-          <p:cNvSpPr>
-            <a:spLocks noGrp="1"/>
-          </p:cNvSpPr>
-          <p:nvPr>
-            <p:ph idx="1"/>
-          </p:nvPr>
-        </p:nvSpPr>
-        <p:spPr>
-          <a:xfrm>
-            <a:off x="7508604" y="2455101"/>
-            <a:ext cx="3943437" cy="3720770"/>
-          </a:xfrm>
-        </p:spPr>
-        <p:txBody>
-          <a:bodyPr>
-            <a:normAutofit/>
-          </a:bodyPr>
-          <a:lstStyle/>
-          <a:p>
-            <a:r>
-              <a:rPr lang="hu-HU" dirty="0">
-                <a:solidFill>
-                  <a:schemeClr val="bg1"/>
-                </a:solidFill>
-                <a:latin typeface="Berlin Sans FB" panose="020E0602020502020306" pitchFamily="34" charset="0"/>
-              </a:rPr>
-              <a:t>Órarend</a:t>
-            </a:r>
-          </a:p>
-          <a:p>
-            <a:r>
-              <a:rPr lang="hu-HU" dirty="0">
-                <a:solidFill>
-                  <a:schemeClr val="bg1"/>
-                </a:solidFill>
-                <a:latin typeface="Berlin Sans FB" panose="020E0602020502020306" pitchFamily="34" charset="0"/>
-              </a:rPr>
-              <a:t>Hiányzások</a:t>
-            </a:r>
-          </a:p>
-          <a:p>
-            <a:r>
-              <a:rPr lang="hu-HU" dirty="0">
-                <a:solidFill>
-                  <a:schemeClr val="bg1"/>
-                </a:solidFill>
-                <a:latin typeface="Berlin Sans FB" panose="020E0602020502020306" pitchFamily="34" charset="0"/>
-              </a:rPr>
-              <a:t>Tantárgyak</a:t>
-            </a:r>
-          </a:p>
-          <a:p>
-            <a:pPr lvl="1"/>
-            <a:r>
-              <a:rPr lang="hu-HU" dirty="0">
-                <a:solidFill>
-                  <a:schemeClr val="bg1"/>
-                </a:solidFill>
-                <a:latin typeface="Berlin Sans FB" panose="020E0602020502020306" pitchFamily="34" charset="0"/>
-              </a:rPr>
-              <a:t>Jegyek</a:t>
-            </a:r>
-          </a:p>
-          <a:p>
-            <a:pPr lvl="1"/>
-            <a:r>
-              <a:rPr lang="hu-HU" dirty="0">
-                <a:solidFill>
-                  <a:schemeClr val="bg1"/>
-                </a:solidFill>
-                <a:latin typeface="Berlin Sans FB" panose="020E0602020502020306" pitchFamily="34" charset="0"/>
-              </a:rPr>
-              <a:t>Saját és osztályátlag</a:t>
-            </a:r>
-          </a:p>
-          <a:p>
-            <a:pPr lvl="1"/>
-            <a:r>
-              <a:rPr lang="hu-HU" dirty="0">
-                <a:solidFill>
-                  <a:schemeClr val="bg1"/>
-                </a:solidFill>
-                <a:latin typeface="Berlin Sans FB" panose="020E0602020502020306" pitchFamily="34" charset="0"/>
-              </a:rPr>
-              <a:t>Feljegyzések</a:t>
-            </a:r>
-          </a:p>
-          <a:p>
-            <a:pPr lvl="1"/>
-            <a:r>
-              <a:rPr lang="hu-HU" dirty="0">
-                <a:solidFill>
-                  <a:schemeClr val="bg1"/>
-                </a:solidFill>
-                <a:latin typeface="Berlin Sans FB" panose="020E0602020502020306" pitchFamily="34" charset="0"/>
-              </a:rPr>
-              <a:t>Szellem jegyek</a:t>
-            </a:r>
-          </a:p>
-          <a:p>
-            <a:pPr lvl="1"/>
-            <a:r>
-              <a:rPr lang="hu-HU" dirty="0">
-                <a:solidFill>
-                  <a:schemeClr val="bg1"/>
-                </a:solidFill>
-                <a:latin typeface="Berlin Sans FB" panose="020E0602020502020306" pitchFamily="34" charset="0"/>
-              </a:rPr>
-              <a:t>Egyéb infók</a:t>
-            </a:r>
-          </a:p>
-          <a:p>
-            <a:pPr lvl="1"/>
-            <a:endParaRPr lang="hu-HU" dirty="0">
-              <a:solidFill>
-                <a:schemeClr val="bg1"/>
-              </a:solidFill>
-            </a:endParaRPr>
-          </a:p>
-          <a:p>
-            <a:endParaRPr lang="hu-HU" dirty="0">
-              <a:solidFill>
-                <a:schemeClr val="bg1"/>
-              </a:solidFill>
-            </a:endParaRPr>
-          </a:p>
-        </p:txBody>
-      </p:sp>
+      </p:cxnSp>
     </p:spTree>
     <p:extLst>
       <p:ext uri="{BB962C8B-B14F-4D97-AF65-F5344CB8AC3E}">
@@ -6565,13 +6529,13 @@
   <p:clrMapOvr>
     <a:masterClrMapping/>
   </p:clrMapOvr>
-  <mc:AlternateContent xmlns:mc="http://schemas.openxmlformats.org/markup-compatibility/2006">
-    <mc:Choice xmlns:p159="http://schemas.microsoft.com/office/powerpoint/2015/09/main" Requires="p159">
+  <mc:AlternateContent xmlns:mc="http://schemas.openxmlformats.org/markup-compatibility/2006" xmlns:p159="http://schemas.microsoft.com/office/powerpoint/2015/09/main">
+    <mc:Choice Requires="p159">
       <p:transition xmlns:p14="http://schemas.microsoft.com/office/powerpoint/2010/main" spd="slow" p14:dur="2000">
         <p159:morph option="byObject"/>
       </p:transition>
     </mc:Choice>
-    <mc:Fallback>
+    <mc:Fallback xmlns="">
       <p:transition spd="slow">
         <p:fade/>
       </p:transition>
@@ -7203,7 +7167,7 @@
 </p:sld>
 </file>
 
-<file path=ppt/slides/slide5.xml><?xml version="1.0" encoding="utf-8"?>
+<file path=ppt/slides/slide6.xml><?xml version="1.0" encoding="utf-8"?>
 <p:sld xmlns:a="http://schemas.openxmlformats.org/drawingml/2006/main" xmlns:r="http://schemas.openxmlformats.org/officeDocument/2006/relationships" xmlns:p="http://schemas.openxmlformats.org/presentationml/2006/main">
   <p:cSld>
     <p:bg>
@@ -7413,13 +7377,13 @@
   <p:clrMapOvr>
     <a:overrideClrMapping bg1="dk1" tx1="lt1" bg2="dk2" tx2="lt2" accent1="accent1" accent2="accent2" accent3="accent3" accent4="accent4" accent5="accent5" accent6="accent6" hlink="hlink" folHlink="folHlink"/>
   </p:clrMapOvr>
-  <mc:AlternateContent xmlns:mc="http://schemas.openxmlformats.org/markup-compatibility/2006">
-    <mc:Choice xmlns:p159="http://schemas.microsoft.com/office/powerpoint/2015/09/main" Requires="p159">
+  <mc:AlternateContent xmlns:mc="http://schemas.openxmlformats.org/markup-compatibility/2006" xmlns:p159="http://schemas.microsoft.com/office/powerpoint/2015/09/main">
+    <mc:Choice Requires="p159">
       <p:transition xmlns:p14="http://schemas.microsoft.com/office/powerpoint/2010/main" spd="slow" p14:dur="2000">
         <p159:morph option="byObject"/>
       </p:transition>
     </mc:Choice>
-    <mc:Fallback>
+    <mc:Fallback xmlns="">
       <p:transition spd="slow">
         <p:fade/>
       </p:transition>

--- a/eRaser_prezi.pptx
+++ b/eRaser_prezi.pptx
@@ -8,8 +8,8 @@
     <p:sldId id="256" r:id="rId2"/>
     <p:sldId id="257" r:id="rId3"/>
     <p:sldId id="261" r:id="rId4"/>
-    <p:sldId id="258" r:id="rId5"/>
-    <p:sldId id="259" r:id="rId6"/>
+    <p:sldId id="259" r:id="rId5"/>
+    <p:sldId id="258" r:id="rId6"/>
     <p:sldId id="260" r:id="rId7"/>
   </p:sldIdLst>
   <p:sldSz cx="12192000" cy="6858000"/>
@@ -264,7 +264,7 @@
           <a:p>
             <a:fld id="{E8608F1A-DD61-450C-A9C6-1021AB1E7DFD}" type="datetimeFigureOut">
               <a:rPr lang="hu-HU" smtClean="0"/>
-              <a:t>2023. 11. 16.</a:t>
+              <a:t>2023. 11. 19.</a:t>
             </a:fld>
             <a:endParaRPr lang="hu-HU"/>
           </a:p>
@@ -462,7 +462,7 @@
           <a:p>
             <a:fld id="{E8608F1A-DD61-450C-A9C6-1021AB1E7DFD}" type="datetimeFigureOut">
               <a:rPr lang="hu-HU" smtClean="0"/>
-              <a:t>2023. 11. 16.</a:t>
+              <a:t>2023. 11. 19.</a:t>
             </a:fld>
             <a:endParaRPr lang="hu-HU"/>
           </a:p>
@@ -670,7 +670,7 @@
           <a:p>
             <a:fld id="{E8608F1A-DD61-450C-A9C6-1021AB1E7DFD}" type="datetimeFigureOut">
               <a:rPr lang="hu-HU" smtClean="0"/>
-              <a:t>2023. 11. 16.</a:t>
+              <a:t>2023. 11. 19.</a:t>
             </a:fld>
             <a:endParaRPr lang="hu-HU"/>
           </a:p>
@@ -868,7 +868,7 @@
           <a:p>
             <a:fld id="{E8608F1A-DD61-450C-A9C6-1021AB1E7DFD}" type="datetimeFigureOut">
               <a:rPr lang="hu-HU" smtClean="0"/>
-              <a:t>2023. 11. 16.</a:t>
+              <a:t>2023. 11. 19.</a:t>
             </a:fld>
             <a:endParaRPr lang="hu-HU"/>
           </a:p>
@@ -1143,7 +1143,7 @@
           <a:p>
             <a:fld id="{E8608F1A-DD61-450C-A9C6-1021AB1E7DFD}" type="datetimeFigureOut">
               <a:rPr lang="hu-HU" smtClean="0"/>
-              <a:t>2023. 11. 16.</a:t>
+              <a:t>2023. 11. 19.</a:t>
             </a:fld>
             <a:endParaRPr lang="hu-HU"/>
           </a:p>
@@ -1408,7 +1408,7 @@
           <a:p>
             <a:fld id="{E8608F1A-DD61-450C-A9C6-1021AB1E7DFD}" type="datetimeFigureOut">
               <a:rPr lang="hu-HU" smtClean="0"/>
-              <a:t>2023. 11. 16.</a:t>
+              <a:t>2023. 11. 19.</a:t>
             </a:fld>
             <a:endParaRPr lang="hu-HU"/>
           </a:p>
@@ -1820,7 +1820,7 @@
           <a:p>
             <a:fld id="{E8608F1A-DD61-450C-A9C6-1021AB1E7DFD}" type="datetimeFigureOut">
               <a:rPr lang="hu-HU" smtClean="0"/>
-              <a:t>2023. 11. 16.</a:t>
+              <a:t>2023. 11. 19.</a:t>
             </a:fld>
             <a:endParaRPr lang="hu-HU"/>
           </a:p>
@@ -1961,7 +1961,7 @@
           <a:p>
             <a:fld id="{E8608F1A-DD61-450C-A9C6-1021AB1E7DFD}" type="datetimeFigureOut">
               <a:rPr lang="hu-HU" smtClean="0"/>
-              <a:t>2023. 11. 16.</a:t>
+              <a:t>2023. 11. 19.</a:t>
             </a:fld>
             <a:endParaRPr lang="hu-HU"/>
           </a:p>
@@ -2074,7 +2074,7 @@
           <a:p>
             <a:fld id="{E8608F1A-DD61-450C-A9C6-1021AB1E7DFD}" type="datetimeFigureOut">
               <a:rPr lang="hu-HU" smtClean="0"/>
-              <a:t>2023. 11. 16.</a:t>
+              <a:t>2023. 11. 19.</a:t>
             </a:fld>
             <a:endParaRPr lang="hu-HU"/>
           </a:p>
@@ -2385,7 +2385,7 @@
           <a:p>
             <a:fld id="{E8608F1A-DD61-450C-A9C6-1021AB1E7DFD}" type="datetimeFigureOut">
               <a:rPr lang="hu-HU" smtClean="0"/>
-              <a:t>2023. 11. 16.</a:t>
+              <a:t>2023. 11. 19.</a:t>
             </a:fld>
             <a:endParaRPr lang="hu-HU"/>
           </a:p>
@@ -2673,7 +2673,7 @@
           <a:p>
             <a:fld id="{E8608F1A-DD61-450C-A9C6-1021AB1E7DFD}" type="datetimeFigureOut">
               <a:rPr lang="hu-HU" smtClean="0"/>
-              <a:t>2023. 11. 16.</a:t>
+              <a:t>2023. 11. 19.</a:t>
             </a:fld>
             <a:endParaRPr lang="hu-HU"/>
           </a:p>
@@ -2914,7 +2914,7 @@
           <a:p>
             <a:fld id="{E8608F1A-DD61-450C-A9C6-1021AB1E7DFD}" type="datetimeFigureOut">
               <a:rPr lang="hu-HU" smtClean="0"/>
-              <a:t>2023. 11. 16.</a:t>
+              <a:t>2023. 11. 19.</a:t>
             </a:fld>
             <a:endParaRPr lang="hu-HU"/>
           </a:p>
@@ -4705,13 +4705,13 @@
   <p:clrMapOvr>
     <a:masterClrMapping/>
   </p:clrMapOvr>
-  <mc:AlternateContent xmlns:mc="http://schemas.openxmlformats.org/markup-compatibility/2006">
-    <mc:Choice xmlns:p14="http://schemas.microsoft.com/office/powerpoint/2010/main" Requires="p14">
+  <mc:AlternateContent xmlns:mc="http://schemas.openxmlformats.org/markup-compatibility/2006" xmlns:p14="http://schemas.microsoft.com/office/powerpoint/2010/main">
+    <mc:Choice Requires="p14">
       <p:transition spd="med" p14:dur="700">
         <p:fade/>
       </p:transition>
     </mc:Choice>
-    <mc:Fallback>
+    <mc:Fallback xmlns="">
       <p:transition spd="med">
         <p:fade/>
       </p:transition>
@@ -4939,7 +4939,7 @@
     <p:bg>
       <p:bgPr>
         <a:solidFill>
-          <a:schemeClr val="tx1"/>
+          <a:schemeClr val="bg1"/>
         </a:solidFill>
         <a:effectLst/>
       </p:bgPr>
@@ -4960,7 +4960,7 @@
       </p:grpSpPr>
       <p:sp>
         <p:nvSpPr>
-          <p:cNvPr id="18" name="Rectangle 17">
+          <p:cNvPr id="224" name="Rectangle 223">
             <a:extLst>
               <a:ext uri="{FF2B5EF4-FFF2-40B4-BE49-F238E27FC236}">
                 <a16:creationId xmlns:a16="http://schemas.microsoft.com/office/drawing/2014/main" id="{A7AE9375-4664-4DB2-922D-2782A6E439AC}"/>
@@ -5033,7 +5033,7 @@
           <p:cNvPr id="2" name="Cím 1">
             <a:extLst>
               <a:ext uri="{FF2B5EF4-FFF2-40B4-BE49-F238E27FC236}">
-                <a16:creationId xmlns:a16="http://schemas.microsoft.com/office/drawing/2014/main" id="{F6B9F144-19B3-575F-DB55-C068875B3410}"/>
+                <a16:creationId xmlns:a16="http://schemas.microsoft.com/office/drawing/2014/main" id="{824F3243-3F3C-85CA-ECDE-22C14D793FBD}"/>
               </a:ext>
             </a:extLst>
           </p:cNvPr>
@@ -5057,20 +5057,20 @@
           <a:lstStyle/>
           <a:p>
             <a:r>
-              <a:rPr lang="hu-HU" sz="5400" dirty="0">
+              <a:rPr lang="hu-HU">
                 <a:solidFill>
                   <a:schemeClr val="bg1"/>
                 </a:solidFill>
                 <a:latin typeface="Berlin Sans FB" panose="020E0602020502020306" pitchFamily="34" charset="0"/>
               </a:rPr>
-              <a:t>Tanárok</a:t>
+              <a:t>Diákok</a:t>
             </a:r>
           </a:p>
         </p:txBody>
       </p:sp>
       <p:cxnSp>
         <p:nvCxnSpPr>
-          <p:cNvPr id="24" name="Straight Connector 19">
+          <p:cNvPr id="226" name="Straight Connector 225">
             <a:extLst>
               <a:ext uri="{FF2B5EF4-FFF2-40B4-BE49-F238E27FC236}">
                 <a16:creationId xmlns:a16="http://schemas.microsoft.com/office/drawing/2014/main" id="{EE504C98-6397-41C1-A8D8-2D9C4ED307E0}"/>
@@ -5125,7 +5125,7 @@
           <p:cNvPr id="3" name="Tartalom helye 2">
             <a:extLst>
               <a:ext uri="{FF2B5EF4-FFF2-40B4-BE49-F238E27FC236}">
-                <a16:creationId xmlns:a16="http://schemas.microsoft.com/office/drawing/2014/main" id="{5BB2F147-9E57-57DA-BFC6-8EC5FAAA7299}"/>
+                <a16:creationId xmlns:a16="http://schemas.microsoft.com/office/drawing/2014/main" id="{0F5B227C-D550-1A94-2AED-178B382F32A4}"/>
               </a:ext>
             </a:extLst>
           </p:cNvPr>
@@ -5144,12 +5144,23 @@
         </p:spPr>
         <p:txBody>
           <a:bodyPr>
-            <a:normAutofit fontScale="92500"/>
+            <a:normAutofit/>
           </a:bodyPr>
           <a:lstStyle/>
           <a:p>
             <a:r>
-              <a:rPr lang="hu-HU" sz="3000" dirty="0">
+              <a:rPr lang="hu-HU" sz="2000" dirty="0">
+                <a:solidFill>
+                  <a:schemeClr val="bg1"/>
+                </a:solidFill>
+                <a:latin typeface="Berlin Sans FB" panose="020E0602020502020306" pitchFamily="34" charset="0"/>
+              </a:rPr>
+              <a:t>Órarend</a:t>
+            </a:r>
+          </a:p>
+          <a:p>
+            <a:r>
+              <a:rPr lang="hu-HU" sz="2000" dirty="0">
                 <a:solidFill>
                   <a:schemeClr val="bg1"/>
                 </a:solidFill>
@@ -5159,84 +5170,63 @@
             </a:r>
           </a:p>
           <a:p>
-            <a:r>
-              <a:rPr lang="hu-HU" sz="3000" dirty="0">
+            <a:pPr lvl="1"/>
+            <a:r>
+              <a:rPr lang="hu-HU" sz="2000" dirty="0">
                 <a:solidFill>
                   <a:schemeClr val="bg1"/>
                 </a:solidFill>
                 <a:latin typeface="Berlin Sans FB" panose="020E0602020502020306" pitchFamily="34" charset="0"/>
               </a:rPr>
-              <a:t>Események</a:t>
-            </a:r>
-          </a:p>
-          <a:p>
-            <a:r>
-              <a:rPr lang="hu-HU" sz="3000" dirty="0">
+              <a:t>Jegyek</a:t>
+            </a:r>
+          </a:p>
+          <a:p>
+            <a:pPr lvl="1"/>
+            <a:r>
+              <a:rPr lang="hu-HU" sz="2000" dirty="0">
                 <a:solidFill>
                   <a:schemeClr val="bg1"/>
                 </a:solidFill>
                 <a:latin typeface="Berlin Sans FB" panose="020E0602020502020306" pitchFamily="34" charset="0"/>
               </a:rPr>
-              <a:t>Órarend</a:t>
-            </a:r>
-          </a:p>
-          <a:p>
-            <a:r>
-              <a:rPr lang="hu-HU" sz="3000" dirty="0">
+              <a:t>Saját és osztályátlag</a:t>
+            </a:r>
+          </a:p>
+          <a:p>
+            <a:pPr lvl="1"/>
+            <a:r>
+              <a:rPr lang="hu-HU" sz="2000" dirty="0">
                 <a:solidFill>
                   <a:schemeClr val="bg1"/>
                 </a:solidFill>
                 <a:latin typeface="Berlin Sans FB" panose="020E0602020502020306" pitchFamily="34" charset="0"/>
               </a:rPr>
-              <a:t>Tanított osztályok</a:t>
+              <a:t>Feljegyzések</a:t>
             </a:r>
           </a:p>
           <a:p>
             <a:pPr lvl="1"/>
             <a:r>
-              <a:rPr lang="hu-HU" sz="2600" dirty="0">
+              <a:rPr lang="hu-HU" sz="2000" dirty="0">
                 <a:solidFill>
                   <a:schemeClr val="bg1"/>
                 </a:solidFill>
                 <a:latin typeface="Berlin Sans FB" panose="020E0602020502020306" pitchFamily="34" charset="0"/>
               </a:rPr>
-              <a:t>Tanulók névsora</a:t>
+              <a:t>Szellem jegyek</a:t>
             </a:r>
           </a:p>
           <a:p>
             <a:pPr lvl="1"/>
             <a:r>
-              <a:rPr lang="hu-HU" sz="2600" dirty="0">
+              <a:rPr lang="hu-HU" sz="2000" dirty="0">
                 <a:solidFill>
                   <a:schemeClr val="bg1"/>
                 </a:solidFill>
                 <a:latin typeface="Berlin Sans FB" panose="020E0602020502020306" pitchFamily="34" charset="0"/>
               </a:rPr>
-              <a:t>Szűrés tantárgyanként</a:t>
-            </a:r>
-          </a:p>
-          <a:p>
-            <a:pPr lvl="1"/>
-            <a:r>
-              <a:rPr lang="hu-HU" sz="2600" dirty="0">
-                <a:solidFill>
-                  <a:schemeClr val="bg1"/>
-                </a:solidFill>
-                <a:latin typeface="Berlin Sans FB" panose="020E0602020502020306" pitchFamily="34" charset="0"/>
-              </a:rPr>
-              <a:t>Jegyek szerkesztése</a:t>
-            </a:r>
-          </a:p>
-          <a:p>
-            <a:pPr lvl="1"/>
-            <a:r>
-              <a:rPr lang="hu-HU" sz="2600" dirty="0">
-                <a:solidFill>
-                  <a:schemeClr val="bg1"/>
-                </a:solidFill>
-                <a:latin typeface="Berlin Sans FB" panose="020E0602020502020306" pitchFamily="34" charset="0"/>
-              </a:rPr>
-              <a:t>Feljegyzések szerkesztése</a:t>
+              <a:t>Egyéb infók</a:t>
             </a:r>
           </a:p>
           <a:p>
@@ -5248,28 +5238,20 @@
             </a:endParaRPr>
           </a:p>
           <a:p>
-            <a:pPr lvl="1"/>
             <a:endParaRPr lang="hu-HU" sz="2000" dirty="0">
               <a:solidFill>
                 <a:schemeClr val="bg1"/>
               </a:solidFill>
             </a:endParaRPr>
           </a:p>
-          <a:p>
-            <a:endParaRPr lang="hu-HU" sz="2000" dirty="0">
-              <a:solidFill>
-                <a:schemeClr val="bg1"/>
-              </a:solidFill>
-            </a:endParaRPr>
-          </a:p>
         </p:txBody>
       </p:sp>
       <p:pic>
         <p:nvPicPr>
-          <p:cNvPr id="7" name="Kép 6">
-            <a:extLst>
-              <a:ext uri="{FF2B5EF4-FFF2-40B4-BE49-F238E27FC236}">
-                <a16:creationId xmlns:a16="http://schemas.microsoft.com/office/drawing/2014/main" id="{B0310C87-E011-BB6D-AE05-A6CC1A38116D}"/>
+          <p:cNvPr id="5" name="Kép 4">
+            <a:extLst>
+              <a:ext uri="{FF2B5EF4-FFF2-40B4-BE49-F238E27FC236}">
+                <a16:creationId xmlns:a16="http://schemas.microsoft.com/office/drawing/2014/main" id="{037820AB-AC33-D678-15F5-FB6ACB0E5DD0}"/>
               </a:ext>
             </a:extLst>
           </p:cNvPr>
@@ -5286,7 +5268,7 @@
         </p:blipFill>
         <p:spPr>
           <a:xfrm>
-            <a:off x="5446704" y="967636"/>
+            <a:off x="5446704" y="1087974"/>
             <a:ext cx="2971800" cy="2117407"/>
           </a:xfrm>
           <a:prstGeom prst="rect">
@@ -5296,10 +5278,10 @@
       </p:pic>
       <p:pic>
         <p:nvPicPr>
-          <p:cNvPr id="11" name="Kép 10">
-            <a:extLst>
-              <a:ext uri="{FF2B5EF4-FFF2-40B4-BE49-F238E27FC236}">
-                <a16:creationId xmlns:a16="http://schemas.microsoft.com/office/drawing/2014/main" id="{E0298EDA-0C21-AB62-9FF1-8D52AFC019CB}"/>
+          <p:cNvPr id="7" name="Kép 6">
+            <a:extLst>
+              <a:ext uri="{FF2B5EF4-FFF2-40B4-BE49-F238E27FC236}">
+                <a16:creationId xmlns:a16="http://schemas.microsoft.com/office/drawing/2014/main" id="{8206A324-0100-D660-B242-E404E24EA125}"/>
               </a:ext>
             </a:extLst>
           </p:cNvPr>
@@ -5316,8 +5298,8 @@
         </p:blipFill>
         <p:spPr>
           <a:xfrm>
-            <a:off x="8857253" y="975065"/>
-            <a:ext cx="2971800" cy="2109978"/>
+            <a:off x="8559009" y="1087974"/>
+            <a:ext cx="2971800" cy="2117407"/>
           </a:xfrm>
           <a:prstGeom prst="rect">
             <a:avLst/>
@@ -5326,10 +5308,10 @@
       </p:pic>
       <p:pic>
         <p:nvPicPr>
-          <p:cNvPr id="13" name="Kép 12">
-            <a:extLst>
-              <a:ext uri="{FF2B5EF4-FFF2-40B4-BE49-F238E27FC236}">
-                <a16:creationId xmlns:a16="http://schemas.microsoft.com/office/drawing/2014/main" id="{4E2B95A9-3C04-3BC2-F619-51E9D678E8E7}"/>
+          <p:cNvPr id="9" name="Kép 8">
+            <a:extLst>
+              <a:ext uri="{FF2B5EF4-FFF2-40B4-BE49-F238E27FC236}">
+                <a16:creationId xmlns:a16="http://schemas.microsoft.com/office/drawing/2014/main" id="{EFEDBE93-F40C-20AA-2D45-C49EE5DB737F}"/>
               </a:ext>
             </a:extLst>
           </p:cNvPr>
@@ -5346,7 +5328,7 @@
         </p:blipFill>
         <p:spPr>
           <a:xfrm>
-            <a:off x="5446704" y="3569715"/>
+            <a:off x="5446704" y="3344129"/>
             <a:ext cx="2971800" cy="2109978"/>
           </a:xfrm>
           <a:prstGeom prst="rect">
@@ -5356,10 +5338,10 @@
       </p:pic>
       <p:pic>
         <p:nvPicPr>
-          <p:cNvPr id="9" name="Kép 8">
-            <a:extLst>
-              <a:ext uri="{FF2B5EF4-FFF2-40B4-BE49-F238E27FC236}">
-                <a16:creationId xmlns:a16="http://schemas.microsoft.com/office/drawing/2014/main" id="{6BE1EDAE-6643-A7F0-FC10-0FA41380F7B0}"/>
+          <p:cNvPr id="6" name="Kép 5">
+            <a:extLst>
+              <a:ext uri="{FF2B5EF4-FFF2-40B4-BE49-F238E27FC236}">
+                <a16:creationId xmlns:a16="http://schemas.microsoft.com/office/drawing/2014/main" id="{36C64069-2FC1-8C1B-AE44-8B9DF7E02D30}"/>
               </a:ext>
             </a:extLst>
           </p:cNvPr>
@@ -5376,1091 +5358,8 @@
         </p:blipFill>
         <p:spPr>
           <a:xfrm>
-            <a:off x="8857253" y="3577145"/>
-            <a:ext cx="2971800" cy="2102548"/>
-          </a:xfrm>
-          <a:prstGeom prst="rect">
-            <a:avLst/>
-          </a:prstGeom>
-        </p:spPr>
-      </p:pic>
-      <p:cxnSp>
-        <p:nvCxnSpPr>
-          <p:cNvPr id="25" name="Straight Connector 21">
-            <a:extLst>
-              <a:ext uri="{FF2B5EF4-FFF2-40B4-BE49-F238E27FC236}">
-                <a16:creationId xmlns:a16="http://schemas.microsoft.com/office/drawing/2014/main" id="{B7188D9B-1674-419B-A379-D1632A7EC3A2}"/>
-              </a:ext>
-              <a:ext uri="{C183D7F6-B498-43B3-948B-1728B52AA6E4}">
-                <adec:decorative xmlns:adec="http://schemas.microsoft.com/office/drawing/2017/decorative" val="1"/>
-              </a:ext>
-            </a:extLst>
-          </p:cNvPr>
-          <p:cNvCxnSpPr>
-            <a:cxnSpLocks noGrp="1" noRot="1" noChangeAspect="1" noMove="1" noResize="1" noEditPoints="1" noAdjustHandles="1" noChangeArrowheads="1" noChangeShapeType="1"/>
-          </p:cNvCxnSpPr>
-          <p:nvPr>
-            <p:extLst>
-              <p:ext uri="{386F3935-93C4-4BCD-93E2-E3B085C9AB24}">
-                <p16:designElem xmlns:p16="http://schemas.microsoft.com/office/powerpoint/2015/main" val="1"/>
-              </p:ext>
-            </p:extLst>
-          </p:nvPr>
-        </p:nvCxnSpPr>
-        <p:spPr>
-          <a:xfrm>
-            <a:off x="11829053" y="0"/>
-            <a:ext cx="0" cy="6858000"/>
-          </a:xfrm>
-          <a:prstGeom prst="line">
-            <a:avLst/>
-          </a:prstGeom>
-          <a:ln w="12700">
-            <a:solidFill>
-              <a:schemeClr val="accent2"/>
-            </a:solidFill>
-          </a:ln>
-        </p:spPr>
-        <p:style>
-          <a:lnRef idx="1">
-            <a:schemeClr val="accent1"/>
-          </a:lnRef>
-          <a:fillRef idx="0">
-            <a:schemeClr val="accent1"/>
-          </a:fillRef>
-          <a:effectRef idx="0">
-            <a:schemeClr val="accent1"/>
-          </a:effectRef>
-          <a:fontRef idx="minor">
-            <a:schemeClr val="tx1"/>
-          </a:fontRef>
-        </p:style>
-      </p:cxnSp>
-    </p:spTree>
-    <p:extLst>
-      <p:ext uri="{BB962C8B-B14F-4D97-AF65-F5344CB8AC3E}">
-        <p14:creationId xmlns:p14="http://schemas.microsoft.com/office/powerpoint/2010/main" val="2412828616"/>
-      </p:ext>
-    </p:extLst>
-  </p:cSld>
-  <p:clrMapOvr>
-    <a:masterClrMapping/>
-  </p:clrMapOvr>
-  <mc:AlternateContent xmlns:mc="http://schemas.openxmlformats.org/markup-compatibility/2006" xmlns:p159="http://schemas.microsoft.com/office/powerpoint/2015/09/main">
-    <mc:Choice Requires="p159">
-      <p:transition xmlns:p14="http://schemas.microsoft.com/office/powerpoint/2010/main" spd="slow" p14:dur="2000">
-        <p159:morph option="byObject"/>
-      </p:transition>
-    </mc:Choice>
-    <mc:Fallback xmlns="">
-      <p:transition spd="slow">
-        <p:fade/>
-      </p:transition>
-    </mc:Fallback>
-  </mc:AlternateContent>
-  <p:timing>
-    <p:tnLst>
-      <p:par>
-        <p:cTn id="1" dur="indefinite" restart="never" nodeType="tmRoot">
-          <p:childTnLst>
-            <p:seq concurrent="1" nextAc="seek">
-              <p:cTn id="2" dur="indefinite" nodeType="mainSeq">
-                <p:childTnLst>
-                  <p:par>
-                    <p:cTn id="3" fill="hold">
-                      <p:stCondLst>
-                        <p:cond delay="indefinite"/>
-                      </p:stCondLst>
-                      <p:childTnLst>
-                        <p:par>
-                          <p:cTn id="4" fill="hold">
-                            <p:stCondLst>
-                              <p:cond delay="0"/>
-                            </p:stCondLst>
-                            <p:childTnLst>
-                              <p:par>
-                                <p:cTn id="5" presetID="10" presetClass="entr" presetSubtype="0" fill="hold" nodeType="clickEffect">
-                                  <p:stCondLst>
-                                    <p:cond delay="0"/>
-                                  </p:stCondLst>
-                                  <p:childTnLst>
-                                    <p:set>
-                                      <p:cBhvr>
-                                        <p:cTn id="6" dur="1" fill="hold">
-                                          <p:stCondLst>
-                                            <p:cond delay="0"/>
-                                          </p:stCondLst>
-                                        </p:cTn>
-                                        <p:tgtEl>
-                                          <p:spTgt spid="3">
-                                            <p:txEl>
-                                              <p:pRg st="0" end="0"/>
-                                            </p:txEl>
-                                          </p:spTgt>
-                                        </p:tgtEl>
-                                        <p:attrNameLst>
-                                          <p:attrName>style.visibility</p:attrName>
-                                        </p:attrNameLst>
-                                      </p:cBhvr>
-                                      <p:to>
-                                        <p:strVal val="visible"/>
-                                      </p:to>
-                                    </p:set>
-                                    <p:animEffect transition="in" filter="fade">
-                                      <p:cBhvr>
-                                        <p:cTn id="7" dur="500"/>
-                                        <p:tgtEl>
-                                          <p:spTgt spid="3">
-                                            <p:txEl>
-                                              <p:pRg st="0" end="0"/>
-                                            </p:txEl>
-                                          </p:spTgt>
-                                        </p:tgtEl>
-                                      </p:cBhvr>
-                                    </p:animEffect>
-                                  </p:childTnLst>
-                                </p:cTn>
-                              </p:par>
-                            </p:childTnLst>
-                          </p:cTn>
-                        </p:par>
-                      </p:childTnLst>
-                    </p:cTn>
-                  </p:par>
-                  <p:par>
-                    <p:cTn id="8" fill="hold">
-                      <p:stCondLst>
-                        <p:cond delay="indefinite"/>
-                      </p:stCondLst>
-                      <p:childTnLst>
-                        <p:par>
-                          <p:cTn id="9" fill="hold">
-                            <p:stCondLst>
-                              <p:cond delay="0"/>
-                            </p:stCondLst>
-                            <p:childTnLst>
-                              <p:par>
-                                <p:cTn id="10" presetID="10" presetClass="entr" presetSubtype="0" fill="hold" nodeType="clickEffect">
-                                  <p:stCondLst>
-                                    <p:cond delay="0"/>
-                                  </p:stCondLst>
-                                  <p:childTnLst>
-                                    <p:set>
-                                      <p:cBhvr>
-                                        <p:cTn id="11" dur="1" fill="hold">
-                                          <p:stCondLst>
-                                            <p:cond delay="0"/>
-                                          </p:stCondLst>
-                                        </p:cTn>
-                                        <p:tgtEl>
-                                          <p:spTgt spid="3">
-                                            <p:txEl>
-                                              <p:pRg st="1" end="1"/>
-                                            </p:txEl>
-                                          </p:spTgt>
-                                        </p:tgtEl>
-                                        <p:attrNameLst>
-                                          <p:attrName>style.visibility</p:attrName>
-                                        </p:attrNameLst>
-                                      </p:cBhvr>
-                                      <p:to>
-                                        <p:strVal val="visible"/>
-                                      </p:to>
-                                    </p:set>
-                                    <p:animEffect transition="in" filter="fade">
-                                      <p:cBhvr>
-                                        <p:cTn id="12" dur="500"/>
-                                        <p:tgtEl>
-                                          <p:spTgt spid="3">
-                                            <p:txEl>
-                                              <p:pRg st="1" end="1"/>
-                                            </p:txEl>
-                                          </p:spTgt>
-                                        </p:tgtEl>
-                                      </p:cBhvr>
-                                    </p:animEffect>
-                                  </p:childTnLst>
-                                </p:cTn>
-                              </p:par>
-                            </p:childTnLst>
-                          </p:cTn>
-                        </p:par>
-                      </p:childTnLst>
-                    </p:cTn>
-                  </p:par>
-                  <p:par>
-                    <p:cTn id="13" fill="hold">
-                      <p:stCondLst>
-                        <p:cond delay="indefinite"/>
-                      </p:stCondLst>
-                      <p:childTnLst>
-                        <p:par>
-                          <p:cTn id="14" fill="hold">
-                            <p:stCondLst>
-                              <p:cond delay="0"/>
-                            </p:stCondLst>
-                            <p:childTnLst>
-                              <p:par>
-                                <p:cTn id="15" presetID="10" presetClass="entr" presetSubtype="0" fill="hold" nodeType="clickEffect">
-                                  <p:stCondLst>
-                                    <p:cond delay="0"/>
-                                  </p:stCondLst>
-                                  <p:childTnLst>
-                                    <p:set>
-                                      <p:cBhvr>
-                                        <p:cTn id="16" dur="1" fill="hold">
-                                          <p:stCondLst>
-                                            <p:cond delay="0"/>
-                                          </p:stCondLst>
-                                        </p:cTn>
-                                        <p:tgtEl>
-                                          <p:spTgt spid="3">
-                                            <p:txEl>
-                                              <p:pRg st="2" end="2"/>
-                                            </p:txEl>
-                                          </p:spTgt>
-                                        </p:tgtEl>
-                                        <p:attrNameLst>
-                                          <p:attrName>style.visibility</p:attrName>
-                                        </p:attrNameLst>
-                                      </p:cBhvr>
-                                      <p:to>
-                                        <p:strVal val="visible"/>
-                                      </p:to>
-                                    </p:set>
-                                    <p:animEffect transition="in" filter="fade">
-                                      <p:cBhvr>
-                                        <p:cTn id="17" dur="500"/>
-                                        <p:tgtEl>
-                                          <p:spTgt spid="3">
-                                            <p:txEl>
-                                              <p:pRg st="2" end="2"/>
-                                            </p:txEl>
-                                          </p:spTgt>
-                                        </p:tgtEl>
-                                      </p:cBhvr>
-                                    </p:animEffect>
-                                  </p:childTnLst>
-                                </p:cTn>
-                              </p:par>
-                            </p:childTnLst>
-                          </p:cTn>
-                        </p:par>
-                      </p:childTnLst>
-                    </p:cTn>
-                  </p:par>
-                  <p:par>
-                    <p:cTn id="18" fill="hold">
-                      <p:stCondLst>
-                        <p:cond delay="indefinite"/>
-                      </p:stCondLst>
-                      <p:childTnLst>
-                        <p:par>
-                          <p:cTn id="19" fill="hold">
-                            <p:stCondLst>
-                              <p:cond delay="0"/>
-                            </p:stCondLst>
-                            <p:childTnLst>
-                              <p:par>
-                                <p:cTn id="20" presetID="10" presetClass="entr" presetSubtype="0" fill="hold" nodeType="clickEffect">
-                                  <p:stCondLst>
-                                    <p:cond delay="0"/>
-                                  </p:stCondLst>
-                                  <p:childTnLst>
-                                    <p:set>
-                                      <p:cBhvr>
-                                        <p:cTn id="21" dur="1" fill="hold">
-                                          <p:stCondLst>
-                                            <p:cond delay="0"/>
-                                          </p:stCondLst>
-                                        </p:cTn>
-                                        <p:tgtEl>
-                                          <p:spTgt spid="3">
-                                            <p:txEl>
-                                              <p:pRg st="3" end="3"/>
-                                            </p:txEl>
-                                          </p:spTgt>
-                                        </p:tgtEl>
-                                        <p:attrNameLst>
-                                          <p:attrName>style.visibility</p:attrName>
-                                        </p:attrNameLst>
-                                      </p:cBhvr>
-                                      <p:to>
-                                        <p:strVal val="visible"/>
-                                      </p:to>
-                                    </p:set>
-                                    <p:animEffect transition="in" filter="fade">
-                                      <p:cBhvr>
-                                        <p:cTn id="22" dur="500"/>
-                                        <p:tgtEl>
-                                          <p:spTgt spid="3">
-                                            <p:txEl>
-                                              <p:pRg st="3" end="3"/>
-                                            </p:txEl>
-                                          </p:spTgt>
-                                        </p:tgtEl>
-                                      </p:cBhvr>
-                                    </p:animEffect>
-                                  </p:childTnLst>
-                                </p:cTn>
-                              </p:par>
-                            </p:childTnLst>
-                          </p:cTn>
-                        </p:par>
-                      </p:childTnLst>
-                    </p:cTn>
-                  </p:par>
-                  <p:par>
-                    <p:cTn id="23" fill="hold">
-                      <p:stCondLst>
-                        <p:cond delay="indefinite"/>
-                      </p:stCondLst>
-                      <p:childTnLst>
-                        <p:par>
-                          <p:cTn id="24" fill="hold">
-                            <p:stCondLst>
-                              <p:cond delay="0"/>
-                            </p:stCondLst>
-                            <p:childTnLst>
-                              <p:par>
-                                <p:cTn id="25" presetID="10" presetClass="entr" presetSubtype="0" fill="hold" nodeType="clickEffect">
-                                  <p:stCondLst>
-                                    <p:cond delay="0"/>
-                                  </p:stCondLst>
-                                  <p:childTnLst>
-                                    <p:set>
-                                      <p:cBhvr>
-                                        <p:cTn id="26" dur="1" fill="hold">
-                                          <p:stCondLst>
-                                            <p:cond delay="0"/>
-                                          </p:stCondLst>
-                                        </p:cTn>
-                                        <p:tgtEl>
-                                          <p:spTgt spid="3">
-                                            <p:txEl>
-                                              <p:pRg st="5" end="5"/>
-                                            </p:txEl>
-                                          </p:spTgt>
-                                        </p:tgtEl>
-                                        <p:attrNameLst>
-                                          <p:attrName>style.visibility</p:attrName>
-                                        </p:attrNameLst>
-                                      </p:cBhvr>
-                                      <p:to>
-                                        <p:strVal val="visible"/>
-                                      </p:to>
-                                    </p:set>
-                                    <p:animEffect transition="in" filter="fade">
-                                      <p:cBhvr>
-                                        <p:cTn id="27" dur="500"/>
-                                        <p:tgtEl>
-                                          <p:spTgt spid="3">
-                                            <p:txEl>
-                                              <p:pRg st="5" end="5"/>
-                                            </p:txEl>
-                                          </p:spTgt>
-                                        </p:tgtEl>
-                                      </p:cBhvr>
-                                    </p:animEffect>
-                                  </p:childTnLst>
-                                </p:cTn>
-                              </p:par>
-                            </p:childTnLst>
-                          </p:cTn>
-                        </p:par>
-                      </p:childTnLst>
-                    </p:cTn>
-                  </p:par>
-                  <p:par>
-                    <p:cTn id="28" fill="hold">
-                      <p:stCondLst>
-                        <p:cond delay="indefinite"/>
-                      </p:stCondLst>
-                      <p:childTnLst>
-                        <p:par>
-                          <p:cTn id="29" fill="hold">
-                            <p:stCondLst>
-                              <p:cond delay="0"/>
-                            </p:stCondLst>
-                            <p:childTnLst>
-                              <p:par>
-                                <p:cTn id="30" presetID="10" presetClass="entr" presetSubtype="0" fill="hold" nodeType="clickEffect">
-                                  <p:stCondLst>
-                                    <p:cond delay="0"/>
-                                  </p:stCondLst>
-                                  <p:childTnLst>
-                                    <p:set>
-                                      <p:cBhvr>
-                                        <p:cTn id="31" dur="1" fill="hold">
-                                          <p:stCondLst>
-                                            <p:cond delay="0"/>
-                                          </p:stCondLst>
-                                        </p:cTn>
-                                        <p:tgtEl>
-                                          <p:spTgt spid="3">
-                                            <p:txEl>
-                                              <p:pRg st="6" end="6"/>
-                                            </p:txEl>
-                                          </p:spTgt>
-                                        </p:tgtEl>
-                                        <p:attrNameLst>
-                                          <p:attrName>style.visibility</p:attrName>
-                                        </p:attrNameLst>
-                                      </p:cBhvr>
-                                      <p:to>
-                                        <p:strVal val="visible"/>
-                                      </p:to>
-                                    </p:set>
-                                    <p:animEffect transition="in" filter="fade">
-                                      <p:cBhvr>
-                                        <p:cTn id="32" dur="500"/>
-                                        <p:tgtEl>
-                                          <p:spTgt spid="3">
-                                            <p:txEl>
-                                              <p:pRg st="6" end="6"/>
-                                            </p:txEl>
-                                          </p:spTgt>
-                                        </p:tgtEl>
-                                      </p:cBhvr>
-                                    </p:animEffect>
-                                  </p:childTnLst>
-                                </p:cTn>
-                              </p:par>
-                            </p:childTnLst>
-                          </p:cTn>
-                        </p:par>
-                      </p:childTnLst>
-                    </p:cTn>
-                  </p:par>
-                  <p:par>
-                    <p:cTn id="33" fill="hold">
-                      <p:stCondLst>
-                        <p:cond delay="indefinite"/>
-                      </p:stCondLst>
-                      <p:childTnLst>
-                        <p:par>
-                          <p:cTn id="34" fill="hold">
-                            <p:stCondLst>
-                              <p:cond delay="0"/>
-                            </p:stCondLst>
-                            <p:childTnLst>
-                              <p:par>
-                                <p:cTn id="35" presetID="10" presetClass="entr" presetSubtype="0" fill="hold" nodeType="clickEffect">
-                                  <p:stCondLst>
-                                    <p:cond delay="0"/>
-                                  </p:stCondLst>
-                                  <p:childTnLst>
-                                    <p:set>
-                                      <p:cBhvr>
-                                        <p:cTn id="36" dur="1" fill="hold">
-                                          <p:stCondLst>
-                                            <p:cond delay="0"/>
-                                          </p:stCondLst>
-                                        </p:cTn>
-                                        <p:tgtEl>
-                                          <p:spTgt spid="3">
-                                            <p:txEl>
-                                              <p:pRg st="7" end="7"/>
-                                            </p:txEl>
-                                          </p:spTgt>
-                                        </p:tgtEl>
-                                        <p:attrNameLst>
-                                          <p:attrName>style.visibility</p:attrName>
-                                        </p:attrNameLst>
-                                      </p:cBhvr>
-                                      <p:to>
-                                        <p:strVal val="visible"/>
-                                      </p:to>
-                                    </p:set>
-                                    <p:animEffect transition="in" filter="fade">
-                                      <p:cBhvr>
-                                        <p:cTn id="37" dur="500"/>
-                                        <p:tgtEl>
-                                          <p:spTgt spid="3">
-                                            <p:txEl>
-                                              <p:pRg st="7" end="7"/>
-                                            </p:txEl>
-                                          </p:spTgt>
-                                        </p:tgtEl>
-                                      </p:cBhvr>
-                                    </p:animEffect>
-                                  </p:childTnLst>
-                                </p:cTn>
-                              </p:par>
-                              <p:par>
-                                <p:cTn id="38" presetID="10" presetClass="entr" presetSubtype="0" fill="hold" nodeType="withEffect">
-                                  <p:stCondLst>
-                                    <p:cond delay="0"/>
-                                  </p:stCondLst>
-                                  <p:childTnLst>
-                                    <p:set>
-                                      <p:cBhvr>
-                                        <p:cTn id="39" dur="1" fill="hold">
-                                          <p:stCondLst>
-                                            <p:cond delay="0"/>
-                                          </p:stCondLst>
-                                        </p:cTn>
-                                        <p:tgtEl>
-                                          <p:spTgt spid="11"/>
-                                        </p:tgtEl>
-                                        <p:attrNameLst>
-                                          <p:attrName>style.visibility</p:attrName>
-                                        </p:attrNameLst>
-                                      </p:cBhvr>
-                                      <p:to>
-                                        <p:strVal val="visible"/>
-                                      </p:to>
-                                    </p:set>
-                                    <p:animEffect transition="in" filter="fade">
-                                      <p:cBhvr>
-                                        <p:cTn id="40" dur="500"/>
-                                        <p:tgtEl>
-                                          <p:spTgt spid="11"/>
-                                        </p:tgtEl>
-                                      </p:cBhvr>
-                                    </p:animEffect>
-                                  </p:childTnLst>
-                                </p:cTn>
-                              </p:par>
-                              <p:par>
-                                <p:cTn id="41" presetID="10" presetClass="entr" presetSubtype="0" fill="hold" nodeType="withEffect">
-                                  <p:stCondLst>
-                                    <p:cond delay="0"/>
-                                  </p:stCondLst>
-                                  <p:childTnLst>
-                                    <p:set>
-                                      <p:cBhvr>
-                                        <p:cTn id="42" dur="1" fill="hold">
-                                          <p:stCondLst>
-                                            <p:cond delay="0"/>
-                                          </p:stCondLst>
-                                        </p:cTn>
-                                        <p:tgtEl>
-                                          <p:spTgt spid="13"/>
-                                        </p:tgtEl>
-                                        <p:attrNameLst>
-                                          <p:attrName>style.visibility</p:attrName>
-                                        </p:attrNameLst>
-                                      </p:cBhvr>
-                                      <p:to>
-                                        <p:strVal val="visible"/>
-                                      </p:to>
-                                    </p:set>
-                                    <p:animEffect transition="in" filter="fade">
-                                      <p:cBhvr>
-                                        <p:cTn id="43" dur="500"/>
-                                        <p:tgtEl>
-                                          <p:spTgt spid="13"/>
-                                        </p:tgtEl>
-                                      </p:cBhvr>
-                                    </p:animEffect>
-                                  </p:childTnLst>
-                                </p:cTn>
-                              </p:par>
-                              <p:par>
-                                <p:cTn id="44" presetID="10" presetClass="entr" presetSubtype="0" fill="hold" nodeType="withEffect">
-                                  <p:stCondLst>
-                                    <p:cond delay="0"/>
-                                  </p:stCondLst>
-                                  <p:childTnLst>
-                                    <p:set>
-                                      <p:cBhvr>
-                                        <p:cTn id="45" dur="1" fill="hold">
-                                          <p:stCondLst>
-                                            <p:cond delay="0"/>
-                                          </p:stCondLst>
-                                        </p:cTn>
-                                        <p:tgtEl>
-                                          <p:spTgt spid="9"/>
-                                        </p:tgtEl>
-                                        <p:attrNameLst>
-                                          <p:attrName>style.visibility</p:attrName>
-                                        </p:attrNameLst>
-                                      </p:cBhvr>
-                                      <p:to>
-                                        <p:strVal val="visible"/>
-                                      </p:to>
-                                    </p:set>
-                                    <p:animEffect transition="in" filter="fade">
-                                      <p:cBhvr>
-                                        <p:cTn id="46" dur="500"/>
-                                        <p:tgtEl>
-                                          <p:spTgt spid="9"/>
-                                        </p:tgtEl>
-                                      </p:cBhvr>
-                                    </p:animEffect>
-                                  </p:childTnLst>
-                                </p:cTn>
-                              </p:par>
-                            </p:childTnLst>
-                          </p:cTn>
-                        </p:par>
-                      </p:childTnLst>
-                    </p:cTn>
-                  </p:par>
-                </p:childTnLst>
-              </p:cTn>
-              <p:prevCondLst>
-                <p:cond evt="onPrev" delay="0">
-                  <p:tgtEl>
-                    <p:sldTgt/>
-                  </p:tgtEl>
-                </p:cond>
-              </p:prevCondLst>
-              <p:nextCondLst>
-                <p:cond evt="onNext" delay="0">
-                  <p:tgtEl>
-                    <p:sldTgt/>
-                  </p:tgtEl>
-                </p:cond>
-              </p:nextCondLst>
-            </p:seq>
-          </p:childTnLst>
-        </p:cTn>
-      </p:par>
-    </p:tnLst>
-  </p:timing>
-</p:sld>
-</file>
-
-<file path=ppt/slides/slide5.xml><?xml version="1.0" encoding="utf-8"?>
-<p:sld xmlns:a="http://schemas.openxmlformats.org/drawingml/2006/main" xmlns:r="http://schemas.openxmlformats.org/officeDocument/2006/relationships" xmlns:p="http://schemas.openxmlformats.org/presentationml/2006/main">
-  <p:cSld>
-    <p:bg>
-      <p:bgPr>
-        <a:solidFill>
-          <a:schemeClr val="bg1"/>
-        </a:solidFill>
-        <a:effectLst/>
-      </p:bgPr>
-    </p:bg>
-    <p:spTree>
-      <p:nvGrpSpPr>
-        <p:cNvPr id="1" name=""/>
-        <p:cNvGrpSpPr/>
-        <p:nvPr/>
-      </p:nvGrpSpPr>
-      <p:grpSpPr>
-        <a:xfrm>
-          <a:off x="0" y="0"/>
-          <a:ext cx="0" cy="0"/>
-          <a:chOff x="0" y="0"/>
-          <a:chExt cx="0" cy="0"/>
-        </a:xfrm>
-      </p:grpSpPr>
-      <p:sp>
-        <p:nvSpPr>
-          <p:cNvPr id="224" name="Rectangle 223">
-            <a:extLst>
-              <a:ext uri="{FF2B5EF4-FFF2-40B4-BE49-F238E27FC236}">
-                <a16:creationId xmlns:a16="http://schemas.microsoft.com/office/drawing/2014/main" id="{A7AE9375-4664-4DB2-922D-2782A6E439AC}"/>
-              </a:ext>
-              <a:ext uri="{C183D7F6-B498-43B3-948B-1728B52AA6E4}">
-                <adec:decorative xmlns:adec="http://schemas.microsoft.com/office/drawing/2017/decorative" val="1"/>
-              </a:ext>
-            </a:extLst>
-          </p:cNvPr>
-          <p:cNvSpPr>
-            <a:spLocks noGrp="1" noRot="1" noChangeAspect="1" noMove="1" noResize="1" noEditPoints="1" noAdjustHandles="1" noChangeArrowheads="1" noChangeShapeType="1" noTextEdit="1"/>
-          </p:cNvSpPr>
-          <p:nvPr>
-            <p:extLst>
-              <p:ext uri="{386F3935-93C4-4BCD-93E2-E3B085C9AB24}">
-                <p16:designElem xmlns:p16="http://schemas.microsoft.com/office/powerpoint/2015/main" val="1"/>
-              </p:ext>
-            </p:extLst>
-          </p:nvPr>
-        </p:nvSpPr>
-        <p:spPr>
-          <a:xfrm>
-            <a:off x="0" y="0"/>
-            <a:ext cx="12192000" cy="6858000"/>
-          </a:xfrm>
-          <a:prstGeom prst="rect">
-            <a:avLst/>
-          </a:prstGeom>
-          <a:solidFill>
-            <a:schemeClr val="tx1">
-              <a:lumMod val="95000"/>
-              <a:lumOff val="5000"/>
-            </a:schemeClr>
-          </a:solidFill>
-          <a:ln>
-            <a:noFill/>
-          </a:ln>
-        </p:spPr>
-        <p:style>
-          <a:lnRef idx="2">
-            <a:schemeClr val="accent1">
-              <a:shade val="50000"/>
-            </a:schemeClr>
-          </a:lnRef>
-          <a:fillRef idx="1">
-            <a:schemeClr val="accent1"/>
-          </a:fillRef>
-          <a:effectRef idx="0">
-            <a:schemeClr val="accent1"/>
-          </a:effectRef>
-          <a:fontRef idx="minor">
-            <a:schemeClr val="lt1"/>
-          </a:fontRef>
-        </p:style>
-        <p:txBody>
-          <a:bodyPr rtlCol="0" anchor="ctr"/>
-          <a:lstStyle/>
-          <a:p>
-            <a:pPr algn="ctr"/>
-            <a:endParaRPr lang="en-US" dirty="0">
-              <a:solidFill>
-                <a:schemeClr val="tx1"/>
-              </a:solidFill>
-            </a:endParaRPr>
-          </a:p>
-        </p:txBody>
-      </p:sp>
-      <p:sp>
-        <p:nvSpPr>
-          <p:cNvPr id="2" name="Cím 1">
-            <a:extLst>
-              <a:ext uri="{FF2B5EF4-FFF2-40B4-BE49-F238E27FC236}">
-                <a16:creationId xmlns:a16="http://schemas.microsoft.com/office/drawing/2014/main" id="{824F3243-3F3C-85CA-ECDE-22C14D793FBD}"/>
-              </a:ext>
-            </a:extLst>
-          </p:cNvPr>
-          <p:cNvSpPr>
-            <a:spLocks noGrp="1"/>
-          </p:cNvSpPr>
-          <p:nvPr>
-            <p:ph type="title"/>
-          </p:nvPr>
-        </p:nvSpPr>
-        <p:spPr>
-          <a:xfrm>
-            <a:off x="1295400" y="669925"/>
-            <a:ext cx="4151304" cy="1325563"/>
-          </a:xfrm>
-        </p:spPr>
-        <p:txBody>
-          <a:bodyPr anchor="b">
-            <a:normAutofit/>
-          </a:bodyPr>
-          <a:lstStyle/>
-          <a:p>
-            <a:r>
-              <a:rPr lang="hu-HU">
-                <a:solidFill>
-                  <a:schemeClr val="bg1"/>
-                </a:solidFill>
-                <a:latin typeface="Berlin Sans FB" panose="020E0602020502020306" pitchFamily="34" charset="0"/>
-              </a:rPr>
-              <a:t>Diákok</a:t>
-            </a:r>
-          </a:p>
-        </p:txBody>
-      </p:sp>
-      <p:cxnSp>
-        <p:nvCxnSpPr>
-          <p:cNvPr id="226" name="Straight Connector 225">
-            <a:extLst>
-              <a:ext uri="{FF2B5EF4-FFF2-40B4-BE49-F238E27FC236}">
-                <a16:creationId xmlns:a16="http://schemas.microsoft.com/office/drawing/2014/main" id="{EE504C98-6397-41C1-A8D8-2D9C4ED307E0}"/>
-              </a:ext>
-              <a:ext uri="{C183D7F6-B498-43B3-948B-1728B52AA6E4}">
-                <adec:decorative xmlns:adec="http://schemas.microsoft.com/office/drawing/2017/decorative" val="1"/>
-              </a:ext>
-            </a:extLst>
-          </p:cNvPr>
-          <p:cNvCxnSpPr>
-            <a:cxnSpLocks noGrp="1" noRot="1" noChangeAspect="1" noMove="1" noResize="1" noEditPoints="1" noAdjustHandles="1" noChangeArrowheads="1" noChangeShapeType="1"/>
-          </p:cNvCxnSpPr>
-          <p:nvPr>
-            <p:extLst>
-              <p:ext uri="{386F3935-93C4-4BCD-93E2-E3B085C9AB24}">
-                <p16:designElem xmlns:p16="http://schemas.microsoft.com/office/powerpoint/2015/main" val="1"/>
-              </p:ext>
-            </p:extLst>
-          </p:nvPr>
-        </p:nvCxnSpPr>
-        <p:spPr>
-          <a:xfrm flipH="1">
-            <a:off x="2" y="2026340"/>
-            <a:ext cx="5446702" cy="0"/>
-          </a:xfrm>
-          <a:prstGeom prst="line">
-            <a:avLst/>
-          </a:prstGeom>
-          <a:ln w="12700">
-            <a:solidFill>
-              <a:schemeClr val="accent2"/>
-            </a:solidFill>
-          </a:ln>
-        </p:spPr>
-        <p:style>
-          <a:lnRef idx="1">
-            <a:schemeClr val="accent1"/>
-          </a:lnRef>
-          <a:fillRef idx="0">
-            <a:schemeClr val="accent1"/>
-          </a:fillRef>
-          <a:effectRef idx="0">
-            <a:schemeClr val="accent1"/>
-          </a:effectRef>
-          <a:fontRef idx="minor">
-            <a:schemeClr val="tx1"/>
-          </a:fontRef>
-        </p:style>
-      </p:cxnSp>
-      <p:sp>
-        <p:nvSpPr>
-          <p:cNvPr id="3" name="Tartalom helye 2">
-            <a:extLst>
-              <a:ext uri="{FF2B5EF4-FFF2-40B4-BE49-F238E27FC236}">
-                <a16:creationId xmlns:a16="http://schemas.microsoft.com/office/drawing/2014/main" id="{0F5B227C-D550-1A94-2AED-178B382F32A4}"/>
-              </a:ext>
-            </a:extLst>
-          </p:cNvPr>
-          <p:cNvSpPr>
-            <a:spLocks noGrp="1"/>
-          </p:cNvSpPr>
-          <p:nvPr>
-            <p:ph idx="1"/>
-          </p:nvPr>
-        </p:nvSpPr>
-        <p:spPr>
-          <a:xfrm>
-            <a:off x="1295400" y="2288833"/>
-            <a:ext cx="4151304" cy="3711571"/>
-          </a:xfrm>
-        </p:spPr>
-        <p:txBody>
-          <a:bodyPr>
-            <a:normAutofit/>
-          </a:bodyPr>
-          <a:lstStyle/>
-          <a:p>
-            <a:r>
-              <a:rPr lang="hu-HU" sz="2000" dirty="0">
-                <a:solidFill>
-                  <a:schemeClr val="bg1"/>
-                </a:solidFill>
-                <a:latin typeface="Berlin Sans FB" panose="020E0602020502020306" pitchFamily="34" charset="0"/>
-              </a:rPr>
-              <a:t>Órarend</a:t>
-            </a:r>
-          </a:p>
-          <a:p>
-            <a:r>
-              <a:rPr lang="hu-HU" sz="2000" dirty="0">
-                <a:solidFill>
-                  <a:schemeClr val="bg1"/>
-                </a:solidFill>
-                <a:latin typeface="Berlin Sans FB" panose="020E0602020502020306" pitchFamily="34" charset="0"/>
-              </a:rPr>
-              <a:t>Hiányzások</a:t>
-            </a:r>
-          </a:p>
-          <a:p>
-            <a:r>
-              <a:rPr lang="hu-HU" sz="2000" dirty="0">
-                <a:solidFill>
-                  <a:schemeClr val="bg1"/>
-                </a:solidFill>
-                <a:latin typeface="Berlin Sans FB" panose="020E0602020502020306" pitchFamily="34" charset="0"/>
-              </a:rPr>
-              <a:t>Tantárgyak</a:t>
-            </a:r>
-          </a:p>
-          <a:p>
-            <a:pPr lvl="1"/>
-            <a:r>
-              <a:rPr lang="hu-HU" sz="2000" dirty="0">
-                <a:solidFill>
-                  <a:schemeClr val="bg1"/>
-                </a:solidFill>
-                <a:latin typeface="Berlin Sans FB" panose="020E0602020502020306" pitchFamily="34" charset="0"/>
-              </a:rPr>
-              <a:t>Jegyek</a:t>
-            </a:r>
-          </a:p>
-          <a:p>
-            <a:pPr lvl="1"/>
-            <a:r>
-              <a:rPr lang="hu-HU" sz="2000" dirty="0">
-                <a:solidFill>
-                  <a:schemeClr val="bg1"/>
-                </a:solidFill>
-                <a:latin typeface="Berlin Sans FB" panose="020E0602020502020306" pitchFamily="34" charset="0"/>
-              </a:rPr>
-              <a:t>Saját és osztályátlag</a:t>
-            </a:r>
-          </a:p>
-          <a:p>
-            <a:pPr lvl="1"/>
-            <a:r>
-              <a:rPr lang="hu-HU" sz="2000" dirty="0">
-                <a:solidFill>
-                  <a:schemeClr val="bg1"/>
-                </a:solidFill>
-                <a:latin typeface="Berlin Sans FB" panose="020E0602020502020306" pitchFamily="34" charset="0"/>
-              </a:rPr>
-              <a:t>Feljegyzések</a:t>
-            </a:r>
-          </a:p>
-          <a:p>
-            <a:pPr lvl="1"/>
-            <a:r>
-              <a:rPr lang="hu-HU" sz="2000" dirty="0">
-                <a:solidFill>
-                  <a:schemeClr val="bg1"/>
-                </a:solidFill>
-                <a:latin typeface="Berlin Sans FB" panose="020E0602020502020306" pitchFamily="34" charset="0"/>
-              </a:rPr>
-              <a:t>Szellem jegyek</a:t>
-            </a:r>
-          </a:p>
-          <a:p>
-            <a:pPr lvl="1"/>
-            <a:r>
-              <a:rPr lang="hu-HU" sz="2000" dirty="0">
-                <a:solidFill>
-                  <a:schemeClr val="bg1"/>
-                </a:solidFill>
-                <a:latin typeface="Berlin Sans FB" panose="020E0602020502020306" pitchFamily="34" charset="0"/>
-              </a:rPr>
-              <a:t>Egyéb infók</a:t>
-            </a:r>
-          </a:p>
-          <a:p>
-            <a:pPr lvl="1"/>
-            <a:endParaRPr lang="hu-HU" sz="2000" dirty="0">
-              <a:solidFill>
-                <a:schemeClr val="bg1"/>
-              </a:solidFill>
-            </a:endParaRPr>
-          </a:p>
-          <a:p>
-            <a:endParaRPr lang="hu-HU" sz="2000" dirty="0">
-              <a:solidFill>
-                <a:schemeClr val="bg1"/>
-              </a:solidFill>
-            </a:endParaRPr>
-          </a:p>
-        </p:txBody>
-      </p:sp>
-      <p:pic>
-        <p:nvPicPr>
-          <p:cNvPr id="5" name="Kép 4">
-            <a:extLst>
-              <a:ext uri="{FF2B5EF4-FFF2-40B4-BE49-F238E27FC236}">
-                <a16:creationId xmlns:a16="http://schemas.microsoft.com/office/drawing/2014/main" id="{037820AB-AC33-D678-15F5-FB6ACB0E5DD0}"/>
-              </a:ext>
-            </a:extLst>
-          </p:cNvPr>
-          <p:cNvPicPr>
-            <a:picLocks noChangeAspect="1"/>
-          </p:cNvPicPr>
-          <p:nvPr/>
-        </p:nvPicPr>
-        <p:blipFill>
-          <a:blip r:embed="rId2"/>
-          <a:stretch>
-            <a:fillRect/>
-          </a:stretch>
-        </p:blipFill>
-        <p:spPr>
-          <a:xfrm>
-            <a:off x="5809653" y="1087974"/>
-            <a:ext cx="2971800" cy="2117407"/>
-          </a:xfrm>
-          <a:prstGeom prst="rect">
-            <a:avLst/>
-          </a:prstGeom>
-        </p:spPr>
-      </p:pic>
-      <p:pic>
-        <p:nvPicPr>
-          <p:cNvPr id="7" name="Kép 6">
-            <a:extLst>
-              <a:ext uri="{FF2B5EF4-FFF2-40B4-BE49-F238E27FC236}">
-                <a16:creationId xmlns:a16="http://schemas.microsoft.com/office/drawing/2014/main" id="{8206A324-0100-D660-B242-E404E24EA125}"/>
-              </a:ext>
-            </a:extLst>
-          </p:cNvPr>
-          <p:cNvPicPr>
-            <a:picLocks noChangeAspect="1"/>
-          </p:cNvPicPr>
-          <p:nvPr/>
-        </p:nvPicPr>
-        <p:blipFill>
-          <a:blip r:embed="rId3"/>
-          <a:stretch>
-            <a:fillRect/>
-          </a:stretch>
-        </p:blipFill>
-        <p:spPr>
-          <a:xfrm>
-            <a:off x="8974645" y="1087974"/>
-            <a:ext cx="2971800" cy="2117407"/>
-          </a:xfrm>
-          <a:prstGeom prst="rect">
-            <a:avLst/>
-          </a:prstGeom>
-        </p:spPr>
-      </p:pic>
-      <p:pic>
-        <p:nvPicPr>
-          <p:cNvPr id="9" name="Kép 8">
-            <a:extLst>
-              <a:ext uri="{FF2B5EF4-FFF2-40B4-BE49-F238E27FC236}">
-                <a16:creationId xmlns:a16="http://schemas.microsoft.com/office/drawing/2014/main" id="{EFEDBE93-F40C-20AA-2D45-C49EE5DB737F}"/>
-              </a:ext>
-            </a:extLst>
-          </p:cNvPr>
-          <p:cNvPicPr>
-            <a:picLocks noChangeAspect="1"/>
-          </p:cNvPicPr>
-          <p:nvPr/>
-        </p:nvPicPr>
-        <p:blipFill>
-          <a:blip r:embed="rId4"/>
-          <a:stretch>
-            <a:fillRect/>
-          </a:stretch>
-        </p:blipFill>
-        <p:spPr>
-          <a:xfrm>
-            <a:off x="5809653" y="3411753"/>
-            <a:ext cx="2971800" cy="2109978"/>
-          </a:xfrm>
-          <a:prstGeom prst="rect">
-            <a:avLst/>
-          </a:prstGeom>
-        </p:spPr>
-      </p:pic>
-      <p:pic>
-        <p:nvPicPr>
-          <p:cNvPr id="6" name="Kép 5">
-            <a:extLst>
-              <a:ext uri="{FF2B5EF4-FFF2-40B4-BE49-F238E27FC236}">
-                <a16:creationId xmlns:a16="http://schemas.microsoft.com/office/drawing/2014/main" id="{36C64069-2FC1-8C1B-AE44-8B9DF7E02D30}"/>
-              </a:ext>
-            </a:extLst>
-          </p:cNvPr>
-          <p:cNvPicPr>
-            <a:picLocks noChangeAspect="1"/>
-          </p:cNvPicPr>
-          <p:nvPr/>
-        </p:nvPicPr>
-        <p:blipFill>
-          <a:blip r:embed="rId5"/>
-          <a:stretch>
-            <a:fillRect/>
-          </a:stretch>
-        </p:blipFill>
-        <p:spPr>
-          <a:xfrm>
-            <a:off x="8974645" y="3411753"/>
-            <a:ext cx="2971800" cy="1686496"/>
+            <a:off x="8559009" y="3344128"/>
+            <a:ext cx="2971800" cy="2121489"/>
           </a:xfrm>
           <a:prstGeom prst="rect">
             <a:avLst/>
@@ -6700,6 +5599,1131 @@
                                   </p:childTnLst>
                                 </p:cTn>
                               </p:par>
+                              <p:par>
+                                <p:cTn id="16" presetID="10" presetClass="entr" presetSubtype="0" fill="hold" nodeType="withEffect">
+                                  <p:stCondLst>
+                                    <p:cond delay="0"/>
+                                  </p:stCondLst>
+                                  <p:childTnLst>
+                                    <p:set>
+                                      <p:cBhvr>
+                                        <p:cTn id="17" dur="1" fill="hold">
+                                          <p:stCondLst>
+                                            <p:cond delay="0"/>
+                                          </p:stCondLst>
+                                        </p:cTn>
+                                        <p:tgtEl>
+                                          <p:spTgt spid="5"/>
+                                        </p:tgtEl>
+                                        <p:attrNameLst>
+                                          <p:attrName>style.visibility</p:attrName>
+                                        </p:attrNameLst>
+                                      </p:cBhvr>
+                                      <p:to>
+                                        <p:strVal val="visible"/>
+                                      </p:to>
+                                    </p:set>
+                                    <p:animEffect transition="in" filter="fade">
+                                      <p:cBhvr>
+                                        <p:cTn id="18" dur="500"/>
+                                        <p:tgtEl>
+                                          <p:spTgt spid="5"/>
+                                        </p:tgtEl>
+                                      </p:cBhvr>
+                                    </p:animEffect>
+                                  </p:childTnLst>
+                                </p:cTn>
+                              </p:par>
+                            </p:childTnLst>
+                          </p:cTn>
+                        </p:par>
+                      </p:childTnLst>
+                    </p:cTn>
+                  </p:par>
+                  <p:par>
+                    <p:cTn id="19" fill="hold">
+                      <p:stCondLst>
+                        <p:cond delay="indefinite"/>
+                      </p:stCondLst>
+                      <p:childTnLst>
+                        <p:par>
+                          <p:cTn id="20" fill="hold">
+                            <p:stCondLst>
+                              <p:cond delay="0"/>
+                            </p:stCondLst>
+                            <p:childTnLst>
+                              <p:par>
+                                <p:cTn id="21" presetID="10" presetClass="entr" presetSubtype="0" fill="hold" nodeType="clickEffect">
+                                  <p:stCondLst>
+                                    <p:cond delay="0"/>
+                                  </p:stCondLst>
+                                  <p:childTnLst>
+                                    <p:set>
+                                      <p:cBhvr>
+                                        <p:cTn id="22" dur="1" fill="hold">
+                                          <p:stCondLst>
+                                            <p:cond delay="0"/>
+                                          </p:stCondLst>
+                                        </p:cTn>
+                                        <p:tgtEl>
+                                          <p:spTgt spid="3">
+                                            <p:txEl>
+                                              <p:pRg st="2" end="2"/>
+                                            </p:txEl>
+                                          </p:spTgt>
+                                        </p:tgtEl>
+                                        <p:attrNameLst>
+                                          <p:attrName>style.visibility</p:attrName>
+                                        </p:attrNameLst>
+                                      </p:cBhvr>
+                                      <p:to>
+                                        <p:strVal val="visible"/>
+                                      </p:to>
+                                    </p:set>
+                                    <p:animEffect transition="in" filter="fade">
+                                      <p:cBhvr>
+                                        <p:cTn id="23" dur="500"/>
+                                        <p:tgtEl>
+                                          <p:spTgt spid="3">
+                                            <p:txEl>
+                                              <p:pRg st="2" end="2"/>
+                                            </p:txEl>
+                                          </p:spTgt>
+                                        </p:tgtEl>
+                                      </p:cBhvr>
+                                    </p:animEffect>
+                                  </p:childTnLst>
+                                </p:cTn>
+                              </p:par>
+                              <p:par>
+                                <p:cTn id="24" presetID="10" presetClass="entr" presetSubtype="0" fill="hold" nodeType="withEffect">
+                                  <p:stCondLst>
+                                    <p:cond delay="0"/>
+                                  </p:stCondLst>
+                                  <p:childTnLst>
+                                    <p:set>
+                                      <p:cBhvr>
+                                        <p:cTn id="25" dur="1" fill="hold">
+                                          <p:stCondLst>
+                                            <p:cond delay="0"/>
+                                          </p:stCondLst>
+                                        </p:cTn>
+                                        <p:tgtEl>
+                                          <p:spTgt spid="9"/>
+                                        </p:tgtEl>
+                                        <p:attrNameLst>
+                                          <p:attrName>style.visibility</p:attrName>
+                                        </p:attrNameLst>
+                                      </p:cBhvr>
+                                      <p:to>
+                                        <p:strVal val="visible"/>
+                                      </p:to>
+                                    </p:set>
+                                    <p:animEffect transition="in" filter="fade">
+                                      <p:cBhvr>
+                                        <p:cTn id="26" dur="500"/>
+                                        <p:tgtEl>
+                                          <p:spTgt spid="9"/>
+                                        </p:tgtEl>
+                                      </p:cBhvr>
+                                    </p:animEffect>
+                                  </p:childTnLst>
+                                </p:cTn>
+                              </p:par>
+                            </p:childTnLst>
+                          </p:cTn>
+                        </p:par>
+                      </p:childTnLst>
+                    </p:cTn>
+                  </p:par>
+                  <p:par>
+                    <p:cTn id="27" fill="hold">
+                      <p:stCondLst>
+                        <p:cond delay="indefinite"/>
+                      </p:stCondLst>
+                      <p:childTnLst>
+                        <p:par>
+                          <p:cTn id="28" fill="hold">
+                            <p:stCondLst>
+                              <p:cond delay="0"/>
+                            </p:stCondLst>
+                            <p:childTnLst>
+                              <p:par>
+                                <p:cTn id="29" presetID="10" presetClass="entr" presetSubtype="0" fill="hold" nodeType="clickEffect">
+                                  <p:stCondLst>
+                                    <p:cond delay="0"/>
+                                  </p:stCondLst>
+                                  <p:childTnLst>
+                                    <p:set>
+                                      <p:cBhvr>
+                                        <p:cTn id="30" dur="1" fill="hold">
+                                          <p:stCondLst>
+                                            <p:cond delay="0"/>
+                                          </p:stCondLst>
+                                        </p:cTn>
+                                        <p:tgtEl>
+                                          <p:spTgt spid="3">
+                                            <p:txEl>
+                                              <p:pRg st="3" end="3"/>
+                                            </p:txEl>
+                                          </p:spTgt>
+                                        </p:tgtEl>
+                                        <p:attrNameLst>
+                                          <p:attrName>style.visibility</p:attrName>
+                                        </p:attrNameLst>
+                                      </p:cBhvr>
+                                      <p:to>
+                                        <p:strVal val="visible"/>
+                                      </p:to>
+                                    </p:set>
+                                    <p:animEffect transition="in" filter="fade">
+                                      <p:cBhvr>
+                                        <p:cTn id="31" dur="500"/>
+                                        <p:tgtEl>
+                                          <p:spTgt spid="3">
+                                            <p:txEl>
+                                              <p:pRg st="3" end="3"/>
+                                            </p:txEl>
+                                          </p:spTgt>
+                                        </p:tgtEl>
+                                      </p:cBhvr>
+                                    </p:animEffect>
+                                  </p:childTnLst>
+                                </p:cTn>
+                              </p:par>
+                            </p:childTnLst>
+                          </p:cTn>
+                        </p:par>
+                      </p:childTnLst>
+                    </p:cTn>
+                  </p:par>
+                  <p:par>
+                    <p:cTn id="32" fill="hold">
+                      <p:stCondLst>
+                        <p:cond delay="indefinite"/>
+                      </p:stCondLst>
+                      <p:childTnLst>
+                        <p:par>
+                          <p:cTn id="33" fill="hold">
+                            <p:stCondLst>
+                              <p:cond delay="0"/>
+                            </p:stCondLst>
+                            <p:childTnLst>
+                              <p:par>
+                                <p:cTn id="34" presetID="10" presetClass="entr" presetSubtype="0" fill="hold" nodeType="clickEffect">
+                                  <p:stCondLst>
+                                    <p:cond delay="0"/>
+                                  </p:stCondLst>
+                                  <p:childTnLst>
+                                    <p:set>
+                                      <p:cBhvr>
+                                        <p:cTn id="35" dur="1" fill="hold">
+                                          <p:stCondLst>
+                                            <p:cond delay="0"/>
+                                          </p:stCondLst>
+                                        </p:cTn>
+                                        <p:tgtEl>
+                                          <p:spTgt spid="3">
+                                            <p:txEl>
+                                              <p:pRg st="4" end="4"/>
+                                            </p:txEl>
+                                          </p:spTgt>
+                                        </p:tgtEl>
+                                        <p:attrNameLst>
+                                          <p:attrName>style.visibility</p:attrName>
+                                        </p:attrNameLst>
+                                      </p:cBhvr>
+                                      <p:to>
+                                        <p:strVal val="visible"/>
+                                      </p:to>
+                                    </p:set>
+                                    <p:animEffect transition="in" filter="fade">
+                                      <p:cBhvr>
+                                        <p:cTn id="36" dur="500"/>
+                                        <p:tgtEl>
+                                          <p:spTgt spid="3">
+                                            <p:txEl>
+                                              <p:pRg st="4" end="4"/>
+                                            </p:txEl>
+                                          </p:spTgt>
+                                        </p:tgtEl>
+                                      </p:cBhvr>
+                                    </p:animEffect>
+                                  </p:childTnLst>
+                                </p:cTn>
+                              </p:par>
+                            </p:childTnLst>
+                          </p:cTn>
+                        </p:par>
+                      </p:childTnLst>
+                    </p:cTn>
+                  </p:par>
+                  <p:par>
+                    <p:cTn id="37" fill="hold">
+                      <p:stCondLst>
+                        <p:cond delay="indefinite"/>
+                      </p:stCondLst>
+                      <p:childTnLst>
+                        <p:par>
+                          <p:cTn id="38" fill="hold">
+                            <p:stCondLst>
+                              <p:cond delay="0"/>
+                            </p:stCondLst>
+                            <p:childTnLst>
+                              <p:par>
+                                <p:cTn id="39" presetID="10" presetClass="entr" presetSubtype="0" fill="hold" nodeType="clickEffect">
+                                  <p:stCondLst>
+                                    <p:cond delay="0"/>
+                                  </p:stCondLst>
+                                  <p:childTnLst>
+                                    <p:set>
+                                      <p:cBhvr>
+                                        <p:cTn id="40" dur="1" fill="hold">
+                                          <p:stCondLst>
+                                            <p:cond delay="0"/>
+                                          </p:stCondLst>
+                                        </p:cTn>
+                                        <p:tgtEl>
+                                          <p:spTgt spid="3">
+                                            <p:txEl>
+                                              <p:pRg st="5" end="5"/>
+                                            </p:txEl>
+                                          </p:spTgt>
+                                        </p:tgtEl>
+                                        <p:attrNameLst>
+                                          <p:attrName>style.visibility</p:attrName>
+                                        </p:attrNameLst>
+                                      </p:cBhvr>
+                                      <p:to>
+                                        <p:strVal val="visible"/>
+                                      </p:to>
+                                    </p:set>
+                                    <p:animEffect transition="in" filter="fade">
+                                      <p:cBhvr>
+                                        <p:cTn id="41" dur="500"/>
+                                        <p:tgtEl>
+                                          <p:spTgt spid="3">
+                                            <p:txEl>
+                                              <p:pRg st="5" end="5"/>
+                                            </p:txEl>
+                                          </p:spTgt>
+                                        </p:tgtEl>
+                                      </p:cBhvr>
+                                    </p:animEffect>
+                                  </p:childTnLst>
+                                </p:cTn>
+                              </p:par>
+                              <p:par>
+                                <p:cTn id="42" presetID="10" presetClass="entr" presetSubtype="0" fill="hold" nodeType="withEffect">
+                                  <p:stCondLst>
+                                    <p:cond delay="0"/>
+                                  </p:stCondLst>
+                                  <p:childTnLst>
+                                    <p:set>
+                                      <p:cBhvr>
+                                        <p:cTn id="43" dur="1" fill="hold">
+                                          <p:stCondLst>
+                                            <p:cond delay="0"/>
+                                          </p:stCondLst>
+                                        </p:cTn>
+                                        <p:tgtEl>
+                                          <p:spTgt spid="6"/>
+                                        </p:tgtEl>
+                                        <p:attrNameLst>
+                                          <p:attrName>style.visibility</p:attrName>
+                                        </p:attrNameLst>
+                                      </p:cBhvr>
+                                      <p:to>
+                                        <p:strVal val="visible"/>
+                                      </p:to>
+                                    </p:set>
+                                    <p:animEffect transition="in" filter="fade">
+                                      <p:cBhvr>
+                                        <p:cTn id="44" dur="500"/>
+                                        <p:tgtEl>
+                                          <p:spTgt spid="6"/>
+                                        </p:tgtEl>
+                                      </p:cBhvr>
+                                    </p:animEffect>
+                                  </p:childTnLst>
+                                </p:cTn>
+                              </p:par>
+                            </p:childTnLst>
+                          </p:cTn>
+                        </p:par>
+                      </p:childTnLst>
+                    </p:cTn>
+                  </p:par>
+                  <p:par>
+                    <p:cTn id="45" fill="hold">
+                      <p:stCondLst>
+                        <p:cond delay="indefinite"/>
+                      </p:stCondLst>
+                      <p:childTnLst>
+                        <p:par>
+                          <p:cTn id="46" fill="hold">
+                            <p:stCondLst>
+                              <p:cond delay="0"/>
+                            </p:stCondLst>
+                            <p:childTnLst>
+                              <p:par>
+                                <p:cTn id="47" presetID="10" presetClass="entr" presetSubtype="0" fill="hold" nodeType="clickEffect">
+                                  <p:stCondLst>
+                                    <p:cond delay="0"/>
+                                  </p:stCondLst>
+                                  <p:childTnLst>
+                                    <p:set>
+                                      <p:cBhvr>
+                                        <p:cTn id="48" dur="1" fill="hold">
+                                          <p:stCondLst>
+                                            <p:cond delay="0"/>
+                                          </p:stCondLst>
+                                        </p:cTn>
+                                        <p:tgtEl>
+                                          <p:spTgt spid="3">
+                                            <p:txEl>
+                                              <p:pRg st="6" end="6"/>
+                                            </p:txEl>
+                                          </p:spTgt>
+                                        </p:tgtEl>
+                                        <p:attrNameLst>
+                                          <p:attrName>style.visibility</p:attrName>
+                                        </p:attrNameLst>
+                                      </p:cBhvr>
+                                      <p:to>
+                                        <p:strVal val="visible"/>
+                                      </p:to>
+                                    </p:set>
+                                    <p:animEffect transition="in" filter="fade">
+                                      <p:cBhvr>
+                                        <p:cTn id="49" dur="500"/>
+                                        <p:tgtEl>
+                                          <p:spTgt spid="3">
+                                            <p:txEl>
+                                              <p:pRg st="6" end="6"/>
+                                            </p:txEl>
+                                          </p:spTgt>
+                                        </p:tgtEl>
+                                      </p:cBhvr>
+                                    </p:animEffect>
+                                  </p:childTnLst>
+                                </p:cTn>
+                              </p:par>
+                            </p:childTnLst>
+                          </p:cTn>
+                        </p:par>
+                      </p:childTnLst>
+                    </p:cTn>
+                  </p:par>
+                </p:childTnLst>
+              </p:cTn>
+              <p:prevCondLst>
+                <p:cond evt="onPrev" delay="0">
+                  <p:tgtEl>
+                    <p:sldTgt/>
+                  </p:tgtEl>
+                </p:cond>
+              </p:prevCondLst>
+              <p:nextCondLst>
+                <p:cond evt="onNext" delay="0">
+                  <p:tgtEl>
+                    <p:sldTgt/>
+                  </p:tgtEl>
+                </p:cond>
+              </p:nextCondLst>
+            </p:seq>
+          </p:childTnLst>
+        </p:cTn>
+      </p:par>
+    </p:tnLst>
+  </p:timing>
+</p:sld>
+</file>
+
+<file path=ppt/slides/slide5.xml><?xml version="1.0" encoding="utf-8"?>
+<p:sld xmlns:a="http://schemas.openxmlformats.org/drawingml/2006/main" xmlns:r="http://schemas.openxmlformats.org/officeDocument/2006/relationships" xmlns:p="http://schemas.openxmlformats.org/presentationml/2006/main">
+  <p:cSld>
+    <p:bg>
+      <p:bgPr>
+        <a:solidFill>
+          <a:schemeClr val="tx1"/>
+        </a:solidFill>
+        <a:effectLst/>
+      </p:bgPr>
+    </p:bg>
+    <p:spTree>
+      <p:nvGrpSpPr>
+        <p:cNvPr id="1" name=""/>
+        <p:cNvGrpSpPr/>
+        <p:nvPr/>
+      </p:nvGrpSpPr>
+      <p:grpSpPr>
+        <a:xfrm>
+          <a:off x="0" y="0"/>
+          <a:ext cx="0" cy="0"/>
+          <a:chOff x="0" y="0"/>
+          <a:chExt cx="0" cy="0"/>
+        </a:xfrm>
+      </p:grpSpPr>
+      <p:sp>
+        <p:nvSpPr>
+          <p:cNvPr id="18" name="Rectangle 17">
+            <a:extLst>
+              <a:ext uri="{FF2B5EF4-FFF2-40B4-BE49-F238E27FC236}">
+                <a16:creationId xmlns:a16="http://schemas.microsoft.com/office/drawing/2014/main" id="{A7AE9375-4664-4DB2-922D-2782A6E439AC}"/>
+              </a:ext>
+              <a:ext uri="{C183D7F6-B498-43B3-948B-1728B52AA6E4}">
+                <adec:decorative xmlns:adec="http://schemas.microsoft.com/office/drawing/2017/decorative" val="1"/>
+              </a:ext>
+            </a:extLst>
+          </p:cNvPr>
+          <p:cNvSpPr>
+            <a:spLocks noGrp="1" noRot="1" noChangeAspect="1" noMove="1" noResize="1" noEditPoints="1" noAdjustHandles="1" noChangeArrowheads="1" noChangeShapeType="1" noTextEdit="1"/>
+          </p:cNvSpPr>
+          <p:nvPr>
+            <p:extLst>
+              <p:ext uri="{386F3935-93C4-4BCD-93E2-E3B085C9AB24}">
+                <p16:designElem xmlns:p16="http://schemas.microsoft.com/office/powerpoint/2015/main" val="1"/>
+              </p:ext>
+            </p:extLst>
+          </p:nvPr>
+        </p:nvSpPr>
+        <p:spPr>
+          <a:xfrm>
+            <a:off x="0" y="0"/>
+            <a:ext cx="12192000" cy="6858000"/>
+          </a:xfrm>
+          <a:prstGeom prst="rect">
+            <a:avLst/>
+          </a:prstGeom>
+          <a:solidFill>
+            <a:schemeClr val="tx1">
+              <a:lumMod val="95000"/>
+              <a:lumOff val="5000"/>
+            </a:schemeClr>
+          </a:solidFill>
+          <a:ln>
+            <a:noFill/>
+          </a:ln>
+        </p:spPr>
+        <p:style>
+          <a:lnRef idx="2">
+            <a:schemeClr val="accent1">
+              <a:shade val="50000"/>
+            </a:schemeClr>
+          </a:lnRef>
+          <a:fillRef idx="1">
+            <a:schemeClr val="accent1"/>
+          </a:fillRef>
+          <a:effectRef idx="0">
+            <a:schemeClr val="accent1"/>
+          </a:effectRef>
+          <a:fontRef idx="minor">
+            <a:schemeClr val="lt1"/>
+          </a:fontRef>
+        </p:style>
+        <p:txBody>
+          <a:bodyPr rtlCol="0" anchor="ctr"/>
+          <a:lstStyle/>
+          <a:p>
+            <a:pPr algn="ctr"/>
+            <a:endParaRPr lang="en-US" dirty="0">
+              <a:solidFill>
+                <a:schemeClr val="tx1"/>
+              </a:solidFill>
+            </a:endParaRPr>
+          </a:p>
+        </p:txBody>
+      </p:sp>
+      <p:sp>
+        <p:nvSpPr>
+          <p:cNvPr id="2" name="Cím 1">
+            <a:extLst>
+              <a:ext uri="{FF2B5EF4-FFF2-40B4-BE49-F238E27FC236}">
+                <a16:creationId xmlns:a16="http://schemas.microsoft.com/office/drawing/2014/main" id="{F6B9F144-19B3-575F-DB55-C068875B3410}"/>
+              </a:ext>
+            </a:extLst>
+          </p:cNvPr>
+          <p:cNvSpPr>
+            <a:spLocks noGrp="1"/>
+          </p:cNvSpPr>
+          <p:nvPr>
+            <p:ph type="title"/>
+          </p:nvPr>
+        </p:nvSpPr>
+        <p:spPr>
+          <a:xfrm>
+            <a:off x="1295400" y="669925"/>
+            <a:ext cx="4151304" cy="1325563"/>
+          </a:xfrm>
+        </p:spPr>
+        <p:txBody>
+          <a:bodyPr anchor="b">
+            <a:normAutofit/>
+          </a:bodyPr>
+          <a:lstStyle/>
+          <a:p>
+            <a:r>
+              <a:rPr lang="hu-HU" sz="5400" dirty="0">
+                <a:solidFill>
+                  <a:schemeClr val="bg1"/>
+                </a:solidFill>
+                <a:latin typeface="Berlin Sans FB" panose="020E0602020502020306" pitchFamily="34" charset="0"/>
+              </a:rPr>
+              <a:t>Tanárok</a:t>
+            </a:r>
+          </a:p>
+        </p:txBody>
+      </p:sp>
+      <p:cxnSp>
+        <p:nvCxnSpPr>
+          <p:cNvPr id="24" name="Straight Connector 19">
+            <a:extLst>
+              <a:ext uri="{FF2B5EF4-FFF2-40B4-BE49-F238E27FC236}">
+                <a16:creationId xmlns:a16="http://schemas.microsoft.com/office/drawing/2014/main" id="{EE504C98-6397-41C1-A8D8-2D9C4ED307E0}"/>
+              </a:ext>
+              <a:ext uri="{C183D7F6-B498-43B3-948B-1728B52AA6E4}">
+                <adec:decorative xmlns:adec="http://schemas.microsoft.com/office/drawing/2017/decorative" val="1"/>
+              </a:ext>
+            </a:extLst>
+          </p:cNvPr>
+          <p:cNvCxnSpPr>
+            <a:cxnSpLocks noGrp="1" noRot="1" noChangeAspect="1" noMove="1" noResize="1" noEditPoints="1" noAdjustHandles="1" noChangeArrowheads="1" noChangeShapeType="1"/>
+          </p:cNvCxnSpPr>
+          <p:nvPr>
+            <p:extLst>
+              <p:ext uri="{386F3935-93C4-4BCD-93E2-E3B085C9AB24}">
+                <p16:designElem xmlns:p16="http://schemas.microsoft.com/office/powerpoint/2015/main" val="1"/>
+              </p:ext>
+            </p:extLst>
+          </p:nvPr>
+        </p:nvCxnSpPr>
+        <p:spPr>
+          <a:xfrm flipH="1">
+            <a:off x="2" y="2026340"/>
+            <a:ext cx="5446702" cy="0"/>
+          </a:xfrm>
+          <a:prstGeom prst="line">
+            <a:avLst/>
+          </a:prstGeom>
+          <a:ln w="12700">
+            <a:solidFill>
+              <a:schemeClr val="accent2"/>
+            </a:solidFill>
+          </a:ln>
+        </p:spPr>
+        <p:style>
+          <a:lnRef idx="1">
+            <a:schemeClr val="accent1"/>
+          </a:lnRef>
+          <a:fillRef idx="0">
+            <a:schemeClr val="accent1"/>
+          </a:fillRef>
+          <a:effectRef idx="0">
+            <a:schemeClr val="accent1"/>
+          </a:effectRef>
+          <a:fontRef idx="minor">
+            <a:schemeClr val="tx1"/>
+          </a:fontRef>
+        </p:style>
+      </p:cxnSp>
+      <p:sp>
+        <p:nvSpPr>
+          <p:cNvPr id="3" name="Tartalom helye 2">
+            <a:extLst>
+              <a:ext uri="{FF2B5EF4-FFF2-40B4-BE49-F238E27FC236}">
+                <a16:creationId xmlns:a16="http://schemas.microsoft.com/office/drawing/2014/main" id="{5BB2F147-9E57-57DA-BFC6-8EC5FAAA7299}"/>
+              </a:ext>
+            </a:extLst>
+          </p:cNvPr>
+          <p:cNvSpPr>
+            <a:spLocks noGrp="1"/>
+          </p:cNvSpPr>
+          <p:nvPr>
+            <p:ph idx="1"/>
+          </p:nvPr>
+        </p:nvSpPr>
+        <p:spPr>
+          <a:xfrm>
+            <a:off x="1295400" y="2288833"/>
+            <a:ext cx="4151304" cy="3711571"/>
+          </a:xfrm>
+        </p:spPr>
+        <p:txBody>
+          <a:bodyPr>
+            <a:normAutofit fontScale="92500"/>
+          </a:bodyPr>
+          <a:lstStyle/>
+          <a:p>
+            <a:r>
+              <a:rPr lang="hu-HU" sz="3000" dirty="0">
+                <a:solidFill>
+                  <a:schemeClr val="bg1"/>
+                </a:solidFill>
+                <a:latin typeface="Berlin Sans FB" panose="020E0602020502020306" pitchFamily="34" charset="0"/>
+              </a:rPr>
+              <a:t>Tantárgyak</a:t>
+            </a:r>
+          </a:p>
+          <a:p>
+            <a:r>
+              <a:rPr lang="hu-HU" sz="3000" dirty="0">
+                <a:solidFill>
+                  <a:schemeClr val="bg1"/>
+                </a:solidFill>
+                <a:latin typeface="Berlin Sans FB" panose="020E0602020502020306" pitchFamily="34" charset="0"/>
+              </a:rPr>
+              <a:t>Események</a:t>
+            </a:r>
+          </a:p>
+          <a:p>
+            <a:r>
+              <a:rPr lang="hu-HU" sz="3000" dirty="0">
+                <a:solidFill>
+                  <a:schemeClr val="bg1"/>
+                </a:solidFill>
+                <a:latin typeface="Berlin Sans FB" panose="020E0602020502020306" pitchFamily="34" charset="0"/>
+              </a:rPr>
+              <a:t>Órarend</a:t>
+            </a:r>
+          </a:p>
+          <a:p>
+            <a:r>
+              <a:rPr lang="hu-HU" sz="3000" dirty="0">
+                <a:solidFill>
+                  <a:schemeClr val="bg1"/>
+                </a:solidFill>
+                <a:latin typeface="Berlin Sans FB" panose="020E0602020502020306" pitchFamily="34" charset="0"/>
+              </a:rPr>
+              <a:t>Tanított osztályok</a:t>
+            </a:r>
+          </a:p>
+          <a:p>
+            <a:pPr lvl="1"/>
+            <a:r>
+              <a:rPr lang="hu-HU" sz="2600" dirty="0">
+                <a:solidFill>
+                  <a:schemeClr val="bg1"/>
+                </a:solidFill>
+                <a:latin typeface="Berlin Sans FB" panose="020E0602020502020306" pitchFamily="34" charset="0"/>
+              </a:rPr>
+              <a:t>Tanulók névsora</a:t>
+            </a:r>
+          </a:p>
+          <a:p>
+            <a:pPr lvl="1"/>
+            <a:r>
+              <a:rPr lang="hu-HU" sz="2600" dirty="0">
+                <a:solidFill>
+                  <a:schemeClr val="bg1"/>
+                </a:solidFill>
+                <a:latin typeface="Berlin Sans FB" panose="020E0602020502020306" pitchFamily="34" charset="0"/>
+              </a:rPr>
+              <a:t>Szűrés tantárgyanként</a:t>
+            </a:r>
+          </a:p>
+          <a:p>
+            <a:pPr lvl="1"/>
+            <a:r>
+              <a:rPr lang="hu-HU" sz="2600" dirty="0">
+                <a:solidFill>
+                  <a:schemeClr val="bg1"/>
+                </a:solidFill>
+                <a:latin typeface="Berlin Sans FB" panose="020E0602020502020306" pitchFamily="34" charset="0"/>
+              </a:rPr>
+              <a:t>Jegyek szerkesztése</a:t>
+            </a:r>
+          </a:p>
+          <a:p>
+            <a:pPr lvl="1"/>
+            <a:r>
+              <a:rPr lang="hu-HU" sz="2600" dirty="0">
+                <a:solidFill>
+                  <a:schemeClr val="bg1"/>
+                </a:solidFill>
+                <a:latin typeface="Berlin Sans FB" panose="020E0602020502020306" pitchFamily="34" charset="0"/>
+              </a:rPr>
+              <a:t>Feljegyzések szerkesztése</a:t>
+            </a:r>
+          </a:p>
+          <a:p>
+            <a:pPr lvl="1"/>
+            <a:endParaRPr lang="hu-HU" sz="2000" dirty="0">
+              <a:solidFill>
+                <a:schemeClr val="bg1"/>
+              </a:solidFill>
+            </a:endParaRPr>
+          </a:p>
+          <a:p>
+            <a:pPr lvl="1"/>
+            <a:endParaRPr lang="hu-HU" sz="2000" dirty="0">
+              <a:solidFill>
+                <a:schemeClr val="bg1"/>
+              </a:solidFill>
+            </a:endParaRPr>
+          </a:p>
+          <a:p>
+            <a:endParaRPr lang="hu-HU" sz="2000" dirty="0">
+              <a:solidFill>
+                <a:schemeClr val="bg1"/>
+              </a:solidFill>
+            </a:endParaRPr>
+          </a:p>
+        </p:txBody>
+      </p:sp>
+      <p:pic>
+        <p:nvPicPr>
+          <p:cNvPr id="7" name="Kép 6">
+            <a:extLst>
+              <a:ext uri="{FF2B5EF4-FFF2-40B4-BE49-F238E27FC236}">
+                <a16:creationId xmlns:a16="http://schemas.microsoft.com/office/drawing/2014/main" id="{B0310C87-E011-BB6D-AE05-A6CC1A38116D}"/>
+              </a:ext>
+            </a:extLst>
+          </p:cNvPr>
+          <p:cNvPicPr>
+            <a:picLocks noChangeAspect="1"/>
+          </p:cNvPicPr>
+          <p:nvPr/>
+        </p:nvPicPr>
+        <p:blipFill>
+          <a:blip r:embed="rId2"/>
+          <a:stretch>
+            <a:fillRect/>
+          </a:stretch>
+        </p:blipFill>
+        <p:spPr>
+          <a:xfrm>
+            <a:off x="5446704" y="967636"/>
+            <a:ext cx="2971800" cy="2117407"/>
+          </a:xfrm>
+          <a:prstGeom prst="rect">
+            <a:avLst/>
+          </a:prstGeom>
+        </p:spPr>
+      </p:pic>
+      <p:pic>
+        <p:nvPicPr>
+          <p:cNvPr id="11" name="Kép 10">
+            <a:extLst>
+              <a:ext uri="{FF2B5EF4-FFF2-40B4-BE49-F238E27FC236}">
+                <a16:creationId xmlns:a16="http://schemas.microsoft.com/office/drawing/2014/main" id="{E0298EDA-0C21-AB62-9FF1-8D52AFC019CB}"/>
+              </a:ext>
+            </a:extLst>
+          </p:cNvPr>
+          <p:cNvPicPr>
+            <a:picLocks noChangeAspect="1"/>
+          </p:cNvPicPr>
+          <p:nvPr/>
+        </p:nvPicPr>
+        <p:blipFill>
+          <a:blip r:embed="rId3"/>
+          <a:stretch>
+            <a:fillRect/>
+          </a:stretch>
+        </p:blipFill>
+        <p:spPr>
+          <a:xfrm>
+            <a:off x="8857253" y="975065"/>
+            <a:ext cx="2971800" cy="2109978"/>
+          </a:xfrm>
+          <a:prstGeom prst="rect">
+            <a:avLst/>
+          </a:prstGeom>
+        </p:spPr>
+      </p:pic>
+      <p:pic>
+        <p:nvPicPr>
+          <p:cNvPr id="13" name="Kép 12">
+            <a:extLst>
+              <a:ext uri="{FF2B5EF4-FFF2-40B4-BE49-F238E27FC236}">
+                <a16:creationId xmlns:a16="http://schemas.microsoft.com/office/drawing/2014/main" id="{4E2B95A9-3C04-3BC2-F619-51E9D678E8E7}"/>
+              </a:ext>
+            </a:extLst>
+          </p:cNvPr>
+          <p:cNvPicPr>
+            <a:picLocks noChangeAspect="1"/>
+          </p:cNvPicPr>
+          <p:nvPr/>
+        </p:nvPicPr>
+        <p:blipFill>
+          <a:blip r:embed="rId4"/>
+          <a:stretch>
+            <a:fillRect/>
+          </a:stretch>
+        </p:blipFill>
+        <p:spPr>
+          <a:xfrm>
+            <a:off x="5446704" y="3569715"/>
+            <a:ext cx="2971800" cy="2109978"/>
+          </a:xfrm>
+          <a:prstGeom prst="rect">
+            <a:avLst/>
+          </a:prstGeom>
+        </p:spPr>
+      </p:pic>
+      <p:pic>
+        <p:nvPicPr>
+          <p:cNvPr id="9" name="Kép 8">
+            <a:extLst>
+              <a:ext uri="{FF2B5EF4-FFF2-40B4-BE49-F238E27FC236}">
+                <a16:creationId xmlns:a16="http://schemas.microsoft.com/office/drawing/2014/main" id="{6BE1EDAE-6643-A7F0-FC10-0FA41380F7B0}"/>
+              </a:ext>
+            </a:extLst>
+          </p:cNvPr>
+          <p:cNvPicPr>
+            <a:picLocks noChangeAspect="1"/>
+          </p:cNvPicPr>
+          <p:nvPr/>
+        </p:nvPicPr>
+        <p:blipFill>
+          <a:blip r:embed="rId5"/>
+          <a:stretch>
+            <a:fillRect/>
+          </a:stretch>
+        </p:blipFill>
+        <p:spPr>
+          <a:xfrm>
+            <a:off x="8857253" y="3577145"/>
+            <a:ext cx="2971800" cy="2102548"/>
+          </a:xfrm>
+          <a:prstGeom prst="rect">
+            <a:avLst/>
+          </a:prstGeom>
+        </p:spPr>
+      </p:pic>
+      <p:cxnSp>
+        <p:nvCxnSpPr>
+          <p:cNvPr id="25" name="Straight Connector 21">
+            <a:extLst>
+              <a:ext uri="{FF2B5EF4-FFF2-40B4-BE49-F238E27FC236}">
+                <a16:creationId xmlns:a16="http://schemas.microsoft.com/office/drawing/2014/main" id="{B7188D9B-1674-419B-A379-D1632A7EC3A2}"/>
+              </a:ext>
+              <a:ext uri="{C183D7F6-B498-43B3-948B-1728B52AA6E4}">
+                <adec:decorative xmlns:adec="http://schemas.microsoft.com/office/drawing/2017/decorative" val="1"/>
+              </a:ext>
+            </a:extLst>
+          </p:cNvPr>
+          <p:cNvCxnSpPr>
+            <a:cxnSpLocks noGrp="1" noRot="1" noChangeAspect="1" noMove="1" noResize="1" noEditPoints="1" noAdjustHandles="1" noChangeArrowheads="1" noChangeShapeType="1"/>
+          </p:cNvCxnSpPr>
+          <p:nvPr>
+            <p:extLst>
+              <p:ext uri="{386F3935-93C4-4BCD-93E2-E3B085C9AB24}">
+                <p16:designElem xmlns:p16="http://schemas.microsoft.com/office/powerpoint/2015/main" val="1"/>
+              </p:ext>
+            </p:extLst>
+          </p:nvPr>
+        </p:nvCxnSpPr>
+        <p:spPr>
+          <a:xfrm>
+            <a:off x="11829053" y="0"/>
+            <a:ext cx="0" cy="6858000"/>
+          </a:xfrm>
+          <a:prstGeom prst="line">
+            <a:avLst/>
+          </a:prstGeom>
+          <a:ln w="12700">
+            <a:solidFill>
+              <a:schemeClr val="accent2"/>
+            </a:solidFill>
+          </a:ln>
+        </p:spPr>
+        <p:style>
+          <a:lnRef idx="1">
+            <a:schemeClr val="accent1"/>
+          </a:lnRef>
+          <a:fillRef idx="0">
+            <a:schemeClr val="accent1"/>
+          </a:fillRef>
+          <a:effectRef idx="0">
+            <a:schemeClr val="accent1"/>
+          </a:effectRef>
+          <a:fontRef idx="minor">
+            <a:schemeClr val="tx1"/>
+          </a:fontRef>
+        </p:style>
+      </p:cxnSp>
+    </p:spTree>
+    <p:extLst>
+      <p:ext uri="{BB962C8B-B14F-4D97-AF65-F5344CB8AC3E}">
+        <p14:creationId xmlns:p14="http://schemas.microsoft.com/office/powerpoint/2010/main" val="2412828616"/>
+      </p:ext>
+    </p:extLst>
+  </p:cSld>
+  <p:clrMapOvr>
+    <a:masterClrMapping/>
+  </p:clrMapOvr>
+  <mc:AlternateContent xmlns:mc="http://schemas.openxmlformats.org/markup-compatibility/2006" xmlns:p159="http://schemas.microsoft.com/office/powerpoint/2015/09/main">
+    <mc:Choice Requires="p159">
+      <p:transition xmlns:p14="http://schemas.microsoft.com/office/powerpoint/2010/main" spd="slow" p14:dur="2000">
+        <p159:morph option="byObject"/>
+      </p:transition>
+    </mc:Choice>
+    <mc:Fallback xmlns="">
+      <p:transition spd="slow">
+        <p:fade/>
+      </p:transition>
+    </mc:Fallback>
+  </mc:AlternateContent>
+  <p:timing>
+    <p:tnLst>
+      <p:par>
+        <p:cTn id="1" dur="indefinite" restart="never" nodeType="tmRoot">
+          <p:childTnLst>
+            <p:seq concurrent="1" nextAc="seek">
+              <p:cTn id="2" dur="indefinite" nodeType="mainSeq">
+                <p:childTnLst>
+                  <p:par>
+                    <p:cTn id="3" fill="hold">
+                      <p:stCondLst>
+                        <p:cond delay="indefinite"/>
+                      </p:stCondLst>
+                      <p:childTnLst>
+                        <p:par>
+                          <p:cTn id="4" fill="hold">
+                            <p:stCondLst>
+                              <p:cond delay="0"/>
+                            </p:stCondLst>
+                            <p:childTnLst>
+                              <p:par>
+                                <p:cTn id="5" presetID="10" presetClass="entr" presetSubtype="0" fill="hold" nodeType="clickEffect">
+                                  <p:stCondLst>
+                                    <p:cond delay="0"/>
+                                  </p:stCondLst>
+                                  <p:childTnLst>
+                                    <p:set>
+                                      <p:cBhvr>
+                                        <p:cTn id="6" dur="1" fill="hold">
+                                          <p:stCondLst>
+                                            <p:cond delay="0"/>
+                                          </p:stCondLst>
+                                        </p:cTn>
+                                        <p:tgtEl>
+                                          <p:spTgt spid="3">
+                                            <p:txEl>
+                                              <p:pRg st="0" end="0"/>
+                                            </p:txEl>
+                                          </p:spTgt>
+                                        </p:tgtEl>
+                                        <p:attrNameLst>
+                                          <p:attrName>style.visibility</p:attrName>
+                                        </p:attrNameLst>
+                                      </p:cBhvr>
+                                      <p:to>
+                                        <p:strVal val="visible"/>
+                                      </p:to>
+                                    </p:set>
+                                    <p:animEffect transition="in" filter="fade">
+                                      <p:cBhvr>
+                                        <p:cTn id="7" dur="500"/>
+                                        <p:tgtEl>
+                                          <p:spTgt spid="3">
+                                            <p:txEl>
+                                              <p:pRg st="0" end="0"/>
+                                            </p:txEl>
+                                          </p:spTgt>
+                                        </p:tgtEl>
+                                      </p:cBhvr>
+                                    </p:animEffect>
+                                  </p:childTnLst>
+                                </p:cTn>
+                              </p:par>
+                            </p:childTnLst>
+                          </p:cTn>
+                        </p:par>
+                      </p:childTnLst>
+                    </p:cTn>
+                  </p:par>
+                  <p:par>
+                    <p:cTn id="8" fill="hold">
+                      <p:stCondLst>
+                        <p:cond delay="indefinite"/>
+                      </p:stCondLst>
+                      <p:childTnLst>
+                        <p:par>
+                          <p:cTn id="9" fill="hold">
+                            <p:stCondLst>
+                              <p:cond delay="0"/>
+                            </p:stCondLst>
+                            <p:childTnLst>
+                              <p:par>
+                                <p:cTn id="10" presetID="10" presetClass="entr" presetSubtype="0" fill="hold" nodeType="clickEffect">
+                                  <p:stCondLst>
+                                    <p:cond delay="0"/>
+                                  </p:stCondLst>
+                                  <p:childTnLst>
+                                    <p:set>
+                                      <p:cBhvr>
+                                        <p:cTn id="11" dur="1" fill="hold">
+                                          <p:stCondLst>
+                                            <p:cond delay="0"/>
+                                          </p:stCondLst>
+                                        </p:cTn>
+                                        <p:tgtEl>
+                                          <p:spTgt spid="3">
+                                            <p:txEl>
+                                              <p:pRg st="1" end="1"/>
+                                            </p:txEl>
+                                          </p:spTgt>
+                                        </p:tgtEl>
+                                        <p:attrNameLst>
+                                          <p:attrName>style.visibility</p:attrName>
+                                        </p:attrNameLst>
+                                      </p:cBhvr>
+                                      <p:to>
+                                        <p:strVal val="visible"/>
+                                      </p:to>
+                                    </p:set>
+                                    <p:animEffect transition="in" filter="fade">
+                                      <p:cBhvr>
+                                        <p:cTn id="12" dur="500"/>
+                                        <p:tgtEl>
+                                          <p:spTgt spid="3">
+                                            <p:txEl>
+                                              <p:pRg st="1" end="1"/>
+                                            </p:txEl>
+                                          </p:spTgt>
+                                        </p:tgtEl>
+                                      </p:cBhvr>
+                                    </p:animEffect>
+                                  </p:childTnLst>
+                                </p:cTn>
+                              </p:par>
+                              <p:par>
+                                <p:cTn id="13" presetID="10" presetClass="entr" presetSubtype="0" fill="hold" nodeType="withEffect">
+                                  <p:stCondLst>
+                                    <p:cond delay="0"/>
+                                  </p:stCondLst>
+                                  <p:childTnLst>
+                                    <p:set>
+                                      <p:cBhvr>
+                                        <p:cTn id="14" dur="1" fill="hold">
+                                          <p:stCondLst>
+                                            <p:cond delay="0"/>
+                                          </p:stCondLst>
+                                        </p:cTn>
+                                        <p:tgtEl>
+                                          <p:spTgt spid="13"/>
+                                        </p:tgtEl>
+                                        <p:attrNameLst>
+                                          <p:attrName>style.visibility</p:attrName>
+                                        </p:attrNameLst>
+                                      </p:cBhvr>
+                                      <p:to>
+                                        <p:strVal val="visible"/>
+                                      </p:to>
+                                    </p:set>
+                                    <p:animEffect transition="in" filter="fade">
+                                      <p:cBhvr>
+                                        <p:cTn id="15" dur="500"/>
+                                        <p:tgtEl>
+                                          <p:spTgt spid="13"/>
+                                        </p:tgtEl>
+                                      </p:cBhvr>
+                                    </p:animEffect>
+                                  </p:childTnLst>
+                                </p:cTn>
+                              </p:par>
                             </p:childTnLst>
                           </p:cTn>
                         </p:par>
@@ -6775,7 +6799,7 @@
                                           </p:stCondLst>
                                         </p:cTn>
                                         <p:tgtEl>
-                                          <p:spTgt spid="5"/>
+                                          <p:spTgt spid="11"/>
                                         </p:tgtEl>
                                         <p:attrNameLst>
                                           <p:attrName>style.visibility</p:attrName>
@@ -6789,7 +6813,7 @@
                                       <p:cBhvr>
                                         <p:cTn id="23" dur="500"/>
                                         <p:tgtEl>
-                                          <p:spTgt spid="5"/>
+                                          <p:spTgt spid="11"/>
                                         </p:tgtEl>
                                       </p:cBhvr>
                                     </p:animEffect>
@@ -6871,7 +6895,7 @@
                                           </p:stCondLst>
                                         </p:cTn>
                                         <p:tgtEl>
-                                          <p:spTgt spid="9"/>
+                                          <p:spTgt spid="7"/>
                                         </p:tgtEl>
                                         <p:attrNameLst>
                                           <p:attrName>style.visibility</p:attrName>
@@ -6885,7 +6909,7 @@
                                       <p:cBhvr>
                                         <p:cTn id="31" dur="500"/>
                                         <p:tgtEl>
-                                          <p:spTgt spid="9"/>
+                                          <p:spTgt spid="7"/>
                                         </p:tgtEl>
                                       </p:cBhvr>
                                     </p:animEffect>
@@ -7130,6 +7154,41 @@
                                               <p:pRg st="7" end="7"/>
                                             </p:txEl>
                                           </p:spTgt>
+                                        </p:tgtEl>
+                                      </p:cBhvr>
+                                    </p:animEffect>
+                                  </p:childTnLst>
+                                </p:cTn>
+                              </p:par>
+                              <p:par>
+                                <p:cTn id="52" presetID="10" presetClass="entr" presetSubtype="0" fill="hold" nodeType="withEffect">
+                                  <p:stCondLst>
+                                    <p:cond delay="0"/>
+                                  </p:stCondLst>
+                                  <p:childTnLst>
+                                    <p:set>
+                                      <p:cBhvr>
+                                        <p:cTn id="53" dur="1" fill="hold">
+                                          <p:stCondLst>
+                                            <p:cond delay="0"/>
+                                          </p:stCondLst>
+                                        </p:cTn>
+                                        <p:tgtEl>
+                                          <p:spTgt spid="9"/>
+                                        </p:tgtEl>
+                                        <p:attrNameLst>
+                                          <p:attrName>style.visibility</p:attrName>
+                                        </p:attrNameLst>
+                                      </p:cBhvr>
+                                      <p:to>
+                                        <p:strVal val="visible"/>
+                                      </p:to>
+                                    </p:set>
+                                    <p:animEffect transition="in" filter="fade">
+                                      <p:cBhvr>
+                                        <p:cTn id="54" dur="500"/>
+                                        <p:tgtEl>
+                                          <p:spTgt spid="9"/>
                                         </p:tgtEl>
                                       </p:cBhvr>
                                     </p:animEffect>
